--- a/RickHui_Staff_Meeting_Presentation.pptx
+++ b/RickHui_Staff_Meeting_Presentation.pptx
@@ -7,7 +7,7 @@
     <p:sldMasterId id="2147483691" r:id="rId6"/>
   </p:sldMasterIdLst>
   <p:notesMasterIdLst>
-    <p:notesMasterId r:id="rId25"/>
+    <p:notesMasterId r:id="rId24"/>
   </p:notesMasterIdLst>
   <p:sldIdLst>
     <p:sldId id="258" r:id="rId7"/>
@@ -20,14 +20,13 @@
     <p:sldId id="323" r:id="rId14"/>
     <p:sldId id="320" r:id="rId15"/>
     <p:sldId id="324" r:id="rId16"/>
-    <p:sldId id="325" r:id="rId17"/>
-    <p:sldId id="326" r:id="rId18"/>
-    <p:sldId id="327" r:id="rId19"/>
-    <p:sldId id="328" r:id="rId20"/>
-    <p:sldId id="329" r:id="rId21"/>
-    <p:sldId id="330" r:id="rId22"/>
-    <p:sldId id="331" r:id="rId23"/>
-    <p:sldId id="332" r:id="rId24"/>
+    <p:sldId id="326" r:id="rId17"/>
+    <p:sldId id="327" r:id="rId18"/>
+    <p:sldId id="328" r:id="rId19"/>
+    <p:sldId id="329" r:id="rId20"/>
+    <p:sldId id="330" r:id="rId21"/>
+    <p:sldId id="331" r:id="rId22"/>
+    <p:sldId id="332" r:id="rId23"/>
   </p:sldIdLst>
   <p:sldSz cx="9144000" cy="6858000" type="screen4x3"/>
   <p:notesSz cx="6858000" cy="9144000"/>
@@ -4163,7 +4162,7 @@
         <a:p>
           <a:r>
             <a:rPr lang="en-US" sz="1200" dirty="0" smtClean="0"/>
-            <a:t>Business Value</a:t>
+            <a:t>Comparison</a:t>
           </a:r>
           <a:endParaRPr lang="en-US" sz="1200" dirty="0"/>
         </a:p>
@@ -4290,7 +4289,7 @@
       <dgm:spPr/>
     </dgm:pt>
     <dgm:pt modelId="{5B44F1B4-2675-45C5-A1B6-F90EB742A9F1}" type="pres">
-      <dgm:prSet presAssocID="{9775EAD5-192D-4AAD-BB37-C881A417B023}" presName="parTxOnly" presStyleLbl="node1" presStyleIdx="2" presStyleCnt="4">
+      <dgm:prSet presAssocID="{9775EAD5-192D-4AAD-BB37-C881A417B023}" presName="parTxOnly" presStyleLbl="node1" presStyleIdx="2" presStyleCnt="4" custScaleX="119652">
         <dgm:presLayoutVars>
           <dgm:chMax val="0"/>
           <dgm:chPref val="0"/>
@@ -4311,7 +4310,7 @@
       <dgm:spPr/>
     </dgm:pt>
     <dgm:pt modelId="{E97FF835-6692-4266-B4B6-12A5324F6EA2}" type="pres">
-      <dgm:prSet presAssocID="{661971DB-7C14-40A5-BE3D-A9A1635F5F10}" presName="parTxOnly" presStyleLbl="node1" presStyleIdx="3" presStyleCnt="4">
+      <dgm:prSet presAssocID="{661971DB-7C14-40A5-BE3D-A9A1635F5F10}" presName="parTxOnly" presStyleLbl="node1" presStyleIdx="3" presStyleCnt="4" custScaleX="104114">
         <dgm:presLayoutVars>
           <dgm:chMax val="0"/>
           <dgm:chPref val="0"/>
@@ -5256,8 +5255,8 @@
       </dsp:nvSpPr>
       <dsp:spPr>
         <a:xfrm>
-          <a:off x="2304" y="72659"/>
-          <a:ext cx="1341441" cy="536576"/>
+          <a:off x="505" y="88669"/>
+          <a:ext cx="1261391" cy="504556"/>
         </a:xfrm>
         <a:prstGeom prst="chevron">
           <a:avLst/>
@@ -5312,8 +5311,8 @@
         </a:p>
       </dsp:txBody>
       <dsp:txXfrm>
-        <a:off x="270592" y="72659"/>
-        <a:ext cx="804865" cy="536576"/>
+        <a:off x="252783" y="88669"/>
+        <a:ext cx="756835" cy="504556"/>
       </dsp:txXfrm>
     </dsp:sp>
     <dsp:sp modelId="{1EBC307D-80CD-4CA0-AE68-71C2584B8FAC}">
@@ -5323,8 +5322,8 @@
       </dsp:nvSpPr>
       <dsp:spPr>
         <a:xfrm>
-          <a:off x="1209601" y="72659"/>
-          <a:ext cx="1341441" cy="536576"/>
+          <a:off x="1135757" y="88669"/>
+          <a:ext cx="1261391" cy="504556"/>
         </a:xfrm>
         <a:prstGeom prst="chevron">
           <a:avLst/>
@@ -5379,8 +5378,8 @@
         </a:p>
       </dsp:txBody>
       <dsp:txXfrm>
-        <a:off x="1477889" y="72659"/>
-        <a:ext cx="804865" cy="536576"/>
+        <a:off x="1388035" y="88669"/>
+        <a:ext cx="756835" cy="504556"/>
       </dsp:txXfrm>
     </dsp:sp>
     <dsp:sp modelId="{5B44F1B4-2675-45C5-A1B6-F90EB742A9F1}">
@@ -5390,8 +5389,8 @@
       </dsp:nvSpPr>
       <dsp:spPr>
         <a:xfrm>
-          <a:off x="2416898" y="72659"/>
-          <a:ext cx="1341441" cy="536576"/>
+          <a:off x="2271010" y="88669"/>
+          <a:ext cx="1509280" cy="504556"/>
         </a:xfrm>
         <a:prstGeom prst="chevron">
           <a:avLst/>
@@ -5448,14 +5447,14 @@
           </a:pPr>
           <a:r>
             <a:rPr lang="en-US" sz="1200" kern="1200" dirty="0" smtClean="0"/>
-            <a:t>Business Value</a:t>
+            <a:t>Comparison</a:t>
           </a:r>
           <a:endParaRPr lang="en-US" sz="1200" kern="1200" dirty="0"/>
         </a:p>
       </dsp:txBody>
       <dsp:txXfrm>
-        <a:off x="2685186" y="72659"/>
-        <a:ext cx="804865" cy="536576"/>
+        <a:off x="2523288" y="88669"/>
+        <a:ext cx="1004724" cy="504556"/>
       </dsp:txXfrm>
     </dsp:sp>
     <dsp:sp modelId="{E97FF835-6692-4266-B4B6-12A5324F6EA2}">
@@ -5465,8 +5464,8 @@
       </dsp:nvSpPr>
       <dsp:spPr>
         <a:xfrm>
-          <a:off x="3624196" y="72659"/>
-          <a:ext cx="1341441" cy="536576"/>
+          <a:off x="3654151" y="88669"/>
+          <a:ext cx="1313285" cy="504556"/>
         </a:xfrm>
         <a:prstGeom prst="chevron">
           <a:avLst/>
@@ -5521,8 +5520,8 @@
         </a:p>
       </dsp:txBody>
       <dsp:txXfrm>
-        <a:off x="3892484" y="72659"/>
-        <a:ext cx="804865" cy="536576"/>
+        <a:off x="3906429" y="88669"/>
+        <a:ext cx="808729" cy="504556"/>
       </dsp:txXfrm>
     </dsp:sp>
   </dsp:spTree>
@@ -17189,7 +17188,7 @@
           <p:nvPr userDrawn="1">
             <p:extLst>
               <p:ext uri="{D42A27DB-BD31-4B8C-83A1-F6EECF244321}">
-                <p14:modId xmlns:p14="http://schemas.microsoft.com/office/powerpoint/2010/main" val="3367520192"/>
+                <p14:modId xmlns:p14="http://schemas.microsoft.com/office/powerpoint/2010/main" val="3892301340"/>
               </p:ext>
             </p:extLst>
           </p:nvPr>
@@ -32767,7 +32766,7 @@
             </a:r>
             <a:r>
               <a:rPr lang="en-US" sz="1500" dirty="0" smtClean="0"/>
-              <a:t> (SPOMS Team) – April 2017  </a:t>
+              <a:t> (SPOMS Team) – June 2017  </a:t>
             </a:r>
           </a:p>
           <a:p>
@@ -32819,8 +32818,8 @@
           <a:lstStyle/>
           <a:p>
             <a:r>
-              <a:rPr lang="en-US" smtClean="0"/>
-              <a:t>RESTRICTED - Draft for Discussion</a:t>
+              <a:rPr lang="en-US" dirty="0" smtClean="0"/>
+              <a:t>RESTRICTED </a:t>
             </a:r>
             <a:endParaRPr lang="en-US" dirty="0"/>
           </a:p>
@@ -32898,7 +32897,7 @@
               <a:rPr lang="en-US" dirty="0" smtClean="0"/>
             </a:br>
             <a:r>
-              <a:rPr lang="en-US" sz="1800" dirty="0" smtClean="0">
+              <a:rPr lang="en-US" sz="1400" dirty="0" smtClean="0">
                 <a:solidFill>
                   <a:schemeClr val="bg1">
                     <a:lumMod val="50000"/>
@@ -32907,7 +32906,7 @@
               </a:rPr>
               <a:t>How do they generate values?</a:t>
             </a:r>
-            <a:endParaRPr lang="en-US" sz="1800" dirty="0">
+            <a:endParaRPr lang="en-US" sz="1400" dirty="0">
               <a:solidFill>
                 <a:schemeClr val="bg1">
                   <a:lumMod val="50000"/>
@@ -32933,6 +32932,10 @@
           <a:lstStyle/>
           <a:p>
             <a:pPr defTabSz="911351"/>
+            <a:r>
+              <a:rPr lang="en-US" smtClean="0"/>
+              <a:t>RESTRICTED</a:t>
+            </a:r>
             <a:endParaRPr lang="en-US" dirty="0"/>
           </a:p>
         </p:txBody>
@@ -32946,7 +32949,7 @@
           <p:nvPr>
             <p:extLst>
               <p:ext uri="{D42A27DB-BD31-4B8C-83A1-F6EECF244321}">
-                <p14:modId xmlns:p14="http://schemas.microsoft.com/office/powerpoint/2010/main" val="1287371057"/>
+                <p14:modId xmlns:p14="http://schemas.microsoft.com/office/powerpoint/2010/main" val="1010197358"/>
               </p:ext>
             </p:extLst>
           </p:nvPr>
@@ -33075,7 +33078,7 @@
                       </a:pPr>
                       <a:r>
                         <a:rPr lang="en-US" sz="1200" dirty="0" smtClean="0"/>
-                        <a:t>MY </a:t>
+                        <a:t>Malaysia </a:t>
                       </a:r>
                       <a:r>
                         <a:rPr lang="en-US" sz="1200" dirty="0" err="1" smtClean="0"/>
@@ -33124,7 +33127,15 @@
                     <a:bodyPr/>
                     <a:lstStyle/>
                     <a:p>
-                      <a:pPr algn="ctr"/>
+                      <a:pPr algn="l"/>
+                      <a:r>
+                        <a:rPr lang="en-US" sz="1200" dirty="0" smtClean="0">
+                          <a:solidFill>
+                            <a:schemeClr val="tx1"/>
+                          </a:solidFill>
+                        </a:rPr>
+                        <a:t>Increase sales productivity by automating the product creation/term sheet generation process</a:t>
+                      </a:r>
                       <a:endParaRPr lang="en-US" sz="1200" dirty="0">
                         <a:solidFill>
                           <a:schemeClr val="tx1"/>
@@ -33168,6 +33179,14 @@
                     <a:lstStyle/>
                     <a:p>
                       <a:pPr algn="ctr"/>
+                      <a:r>
+                        <a:rPr lang="en-US" sz="1200" dirty="0" smtClean="0">
+                          <a:solidFill>
+                            <a:schemeClr val="tx1"/>
+                          </a:solidFill>
+                        </a:rPr>
+                        <a:t> FTE GM Sales productivity pick-up</a:t>
+                      </a:r>
                       <a:endParaRPr lang="en-US" sz="1200" dirty="0">
                         <a:solidFill>
                           <a:schemeClr val="tx1"/>
@@ -33191,7 +33210,7 @@
           <p:nvPr/>
         </p:nvPicPr>
         <p:blipFill>
-          <a:blip r:embed="rId2">
+          <a:blip r:embed="rId2" cstate="print">
             <a:extLst>
               <a:ext uri="{28A0092B-C50C-407E-A947-70E740481C1C}">
                 <a14:useLocalDpi xmlns:a14="http://schemas.microsoft.com/office/drawing/2010/main" val="0"/>
@@ -33297,7 +33316,7 @@
           <p:nvPr>
             <p:extLst>
               <p:ext uri="{D42A27DB-BD31-4B8C-83A1-F6EECF244321}">
-                <p14:modId xmlns:p14="http://schemas.microsoft.com/office/powerpoint/2010/main" val="947611474"/>
+                <p14:modId xmlns:p14="http://schemas.microsoft.com/office/powerpoint/2010/main" val="2533036082"/>
               </p:ext>
             </p:extLst>
           </p:nvPr>
@@ -33467,7 +33486,39 @@
                     <a:bodyPr/>
                     <a:lstStyle/>
                     <a:p>
-                      <a:pPr algn="ctr"/>
+                      <a:pPr algn="l"/>
+                      <a:r>
+                        <a:rPr lang="en-US" sz="1200" dirty="0" smtClean="0">
+                          <a:solidFill>
+                            <a:schemeClr val="tx1"/>
+                          </a:solidFill>
+                        </a:rPr>
+                        <a:t>Improve</a:t>
+                      </a:r>
+                      <a:r>
+                        <a:rPr lang="en-US" sz="1200" baseline="0" dirty="0" smtClean="0">
+                          <a:solidFill>
+                            <a:schemeClr val="tx1"/>
+                          </a:solidFill>
+                        </a:rPr>
+                        <a:t> 50% efficiency </a:t>
+                      </a:r>
+                      <a:r>
+                        <a:rPr lang="en-US" sz="1200" dirty="0" smtClean="0">
+                          <a:solidFill>
+                            <a:schemeClr val="tx1"/>
+                          </a:solidFill>
+                        </a:rPr>
+                        <a:t>to place</a:t>
+                      </a:r>
+                      <a:r>
+                        <a:rPr lang="en-US" sz="1200" baseline="0" dirty="0" smtClean="0">
+                          <a:solidFill>
+                            <a:schemeClr val="tx1"/>
+                          </a:solidFill>
+                        </a:rPr>
+                        <a:t> an order for Branch RM</a:t>
+                      </a:r>
                       <a:endParaRPr lang="en-US" sz="1200" dirty="0">
                         <a:solidFill>
                           <a:schemeClr val="tx1"/>
@@ -33510,7 +33561,48 @@
                     <a:bodyPr/>
                     <a:lstStyle/>
                     <a:p>
-                      <a:pPr algn="ctr"/>
+                      <a:pPr marL="171450" indent="-171450" algn="l">
+                        <a:buFont typeface="Wingdings" panose="05000000000000000000" pitchFamily="2" charset="2"/>
+                        <a:buChar char="§"/>
+                      </a:pPr>
+                      <a:r>
+                        <a:rPr lang="en-US" sz="1200" dirty="0" smtClean="0">
+                          <a:solidFill>
+                            <a:schemeClr val="tx1"/>
+                          </a:solidFill>
+                        </a:rPr>
+                        <a:t>Save US $1m per</a:t>
+                      </a:r>
+                      <a:r>
+                        <a:rPr lang="en-US" sz="1200" baseline="0" dirty="0" smtClean="0">
+                          <a:solidFill>
+                            <a:schemeClr val="tx1"/>
+                          </a:solidFill>
+                        </a:rPr>
+                        <a:t> </a:t>
+                      </a:r>
+                      <a:r>
+                        <a:rPr lang="en-US" sz="1200" dirty="0" smtClean="0">
+                          <a:solidFill>
+                            <a:schemeClr val="tx1"/>
+                          </a:solidFill>
+                        </a:rPr>
+                        <a:t>year for RBWM</a:t>
+                      </a:r>
+                    </a:p>
+                    <a:p>
+                      <a:pPr marL="171450" indent="-171450" algn="l">
+                        <a:buFont typeface="Wingdings" panose="05000000000000000000" pitchFamily="2" charset="2"/>
+                        <a:buChar char="§"/>
+                      </a:pPr>
+                      <a:r>
+                        <a:rPr lang="en-US" sz="1200" dirty="0" smtClean="0">
+                          <a:solidFill>
+                            <a:schemeClr val="tx1"/>
+                          </a:solidFill>
+                        </a:rPr>
+                        <a:t>US$400k goes to Wealth Ecommerce Team</a:t>
+                      </a:r>
                       <a:endParaRPr lang="en-US" sz="1200" dirty="0">
                         <a:solidFill>
                           <a:schemeClr val="tx1"/>
@@ -33534,7 +33626,7 @@
           <p:nvPr>
             <p:extLst>
               <p:ext uri="{D42A27DB-BD31-4B8C-83A1-F6EECF244321}">
-                <p14:modId xmlns:p14="http://schemas.microsoft.com/office/powerpoint/2010/main" val="767317366"/>
+                <p14:modId xmlns:p14="http://schemas.microsoft.com/office/powerpoint/2010/main" val="1189071291"/>
               </p:ext>
             </p:extLst>
           </p:nvPr>
@@ -33704,7 +33796,32 @@
                     <a:bodyPr/>
                     <a:lstStyle/>
                     <a:p>
-                      <a:pPr algn="ctr"/>
+                      <a:pPr marL="171450" indent="-171450" algn="l">
+                        <a:buFont typeface="Arial" panose="020B0604020202020204" pitchFamily="34" charset="0"/>
+                        <a:buChar char="•"/>
+                      </a:pPr>
+                      <a:r>
+                        <a:rPr lang="en-US" sz="1200" dirty="0" smtClean="0">
+                          <a:solidFill>
+                            <a:schemeClr val="tx1"/>
+                          </a:solidFill>
+                        </a:rPr>
+                        <a:t>Digitization of ELI products</a:t>
+                      </a:r>
+                    </a:p>
+                    <a:p>
+                      <a:pPr marL="171450" indent="-171450" algn="l">
+                        <a:buFont typeface="Arial" panose="020B0604020202020204" pitchFamily="34" charset="0"/>
+                        <a:buChar char="•"/>
+                      </a:pPr>
+                      <a:r>
+                        <a:rPr lang="en-US" sz="1200" dirty="0" smtClean="0">
+                          <a:solidFill>
+                            <a:schemeClr val="tx1"/>
+                          </a:solidFill>
+                        </a:rPr>
+                        <a:t>RM time spent on rollover will be alleviated with online channel</a:t>
+                      </a:r>
                       <a:endParaRPr lang="en-US" sz="1200" dirty="0">
                         <a:solidFill>
                           <a:schemeClr val="tx1"/>
@@ -33747,7 +33864,31 @@
                     <a:bodyPr/>
                     <a:lstStyle/>
                     <a:p>
-                      <a:pPr algn="ctr"/>
+                      <a:pPr algn="l"/>
+                      <a:r>
+                        <a:rPr lang="en-US" sz="1200" dirty="0" smtClean="0">
+                          <a:solidFill>
+                            <a:schemeClr val="tx1"/>
+                          </a:solidFill>
+                        </a:rPr>
+                        <a:t>Gain</a:t>
+                      </a:r>
+                      <a:r>
+                        <a:rPr lang="en-US" sz="1200" baseline="0" dirty="0" smtClean="0">
+                          <a:solidFill>
+                            <a:schemeClr val="tx1"/>
+                          </a:solidFill>
+                        </a:rPr>
+                        <a:t> US $</a:t>
+                      </a:r>
+                      <a:r>
+                        <a:rPr lang="en-US" sz="1200" dirty="0" smtClean="0">
+                          <a:solidFill>
+                            <a:schemeClr val="tx1"/>
+                          </a:solidFill>
+                        </a:rPr>
+                        <a:t>5.6 million for 3 years</a:t>
+                      </a:r>
                       <a:endParaRPr lang="en-US" sz="1200" dirty="0">
                         <a:solidFill>
                           <a:schemeClr val="tx1"/>
@@ -33771,7 +33912,7 @@
           <p:nvPr/>
         </p:nvPicPr>
         <p:blipFill>
-          <a:blip r:embed="rId3">
+          <a:blip r:embed="rId3" cstate="print">
             <a:extLst>
               <a:ext uri="{28A0092B-C50C-407E-A947-70E740481C1C}">
                 <a14:useLocalDpi xmlns:a14="http://schemas.microsoft.com/office/drawing/2010/main" val="0"/>
@@ -33949,7 +34090,7 @@
           <p:nvPr/>
         </p:nvPicPr>
         <p:blipFill>
-          <a:blip r:embed="rId4">
+          <a:blip r:embed="rId4" cstate="print">
             <a:extLst>
               <a:ext uri="{28A0092B-C50C-407E-A947-70E740481C1C}">
                 <a14:useLocalDpi xmlns:a14="http://schemas.microsoft.com/office/drawing/2010/main" val="0"/>
@@ -34030,16 +34171,16 @@
               <a:rPr lang="en-US" dirty="0" smtClean="0"/>
             </a:br>
             <a:r>
-              <a:rPr lang="en-US" dirty="0" smtClean="0">
+              <a:rPr lang="en-US" sz="1400" dirty="0" smtClean="0">
                 <a:solidFill>
                   <a:schemeClr val="bg1">
                     <a:lumMod val="50000"/>
                   </a:schemeClr>
                 </a:solidFill>
               </a:rPr>
-              <a:t>Why do we need it?</a:t>
-            </a:r>
-            <a:endParaRPr lang="en-US" dirty="0">
+              <a:t>How does it work?</a:t>
+            </a:r>
+            <a:endParaRPr lang="en-US" sz="1400" dirty="0">
               <a:solidFill>
                 <a:schemeClr val="bg1">
                   <a:lumMod val="50000"/>
@@ -34065,6 +34206,330 @@
           <a:lstStyle/>
           <a:p>
             <a:pPr defTabSz="911351"/>
+            <a:r>
+              <a:rPr lang="en-US" smtClean="0"/>
+              <a:t>RESTRICTED</a:t>
+            </a:r>
+            <a:endParaRPr lang="en-US" dirty="0"/>
+          </a:p>
+        </p:txBody>
+      </p:sp>
+      <p:sp>
+        <p:nvSpPr>
+          <p:cNvPr id="4" name="TextBox 3"/>
+          <p:cNvSpPr txBox="1"/>
+          <p:nvPr/>
+        </p:nvSpPr>
+        <p:spPr>
+          <a:xfrm>
+            <a:off x="508186" y="1189022"/>
+            <a:ext cx="774571" cy="369332"/>
+          </a:xfrm>
+          <a:prstGeom prst="rect">
+            <a:avLst/>
+          </a:prstGeom>
+          <a:noFill/>
+          <a:ln w="9525">
+            <a:solidFill>
+              <a:schemeClr val="tx2"/>
+            </a:solidFill>
+          </a:ln>
+        </p:spPr>
+        <p:txBody>
+          <a:bodyPr wrap="none" rtlCol="0">
+            <a:spAutoFit/>
+          </a:bodyPr>
+          <a:lstStyle/>
+          <a:p>
+            <a:r>
+              <a:rPr lang="en-US" dirty="0" smtClean="0">
+                <a:solidFill>
+                  <a:schemeClr val="tx2"/>
+                </a:solidFill>
+              </a:rPr>
+              <a:t>Why?</a:t>
+            </a:r>
+            <a:endParaRPr lang="en-US" dirty="0">
+              <a:solidFill>
+                <a:schemeClr val="tx2"/>
+              </a:solidFill>
+            </a:endParaRPr>
+          </a:p>
+        </p:txBody>
+      </p:sp>
+      <p:sp>
+        <p:nvSpPr>
+          <p:cNvPr id="5" name="TextBox 4"/>
+          <p:cNvSpPr txBox="1"/>
+          <p:nvPr/>
+        </p:nvSpPr>
+        <p:spPr>
+          <a:xfrm>
+            <a:off x="508186" y="1635262"/>
+            <a:ext cx="7223473" cy="923330"/>
+          </a:xfrm>
+          <a:prstGeom prst="rect">
+            <a:avLst/>
+          </a:prstGeom>
+          <a:noFill/>
+        </p:spPr>
+        <p:txBody>
+          <a:bodyPr wrap="square" rtlCol="0">
+            <a:spAutoFit/>
+          </a:bodyPr>
+          <a:lstStyle/>
+          <a:p>
+            <a:pPr marL="285750" indent="-285750">
+              <a:buClr>
+                <a:schemeClr val="tx2"/>
+              </a:buClr>
+              <a:buFont typeface="Wingdings" panose="05000000000000000000" pitchFamily="2" charset="2"/>
+              <a:buChar char="§"/>
+            </a:pPr>
+            <a:r>
+              <a:rPr lang="en-US" dirty="0" smtClean="0"/>
+              <a:t>Fulfill the regulations in Citrix Application</a:t>
+            </a:r>
+          </a:p>
+          <a:p>
+            <a:pPr marL="285750" indent="-285750">
+              <a:buClr>
+                <a:schemeClr val="tx2"/>
+              </a:buClr>
+              <a:buFont typeface="Wingdings" panose="05000000000000000000" pitchFamily="2" charset="2"/>
+              <a:buChar char="§"/>
+            </a:pPr>
+            <a:r>
+              <a:rPr lang="en-US" dirty="0" smtClean="0"/>
+              <a:t>Automate the manual code signing method in Visual Studio</a:t>
+            </a:r>
+          </a:p>
+          <a:p>
+            <a:pPr marL="285750" indent="-285750">
+              <a:buClr>
+                <a:schemeClr val="tx2"/>
+              </a:buClr>
+              <a:buFont typeface="Wingdings" panose="05000000000000000000" pitchFamily="2" charset="2"/>
+              <a:buChar char="§"/>
+            </a:pPr>
+            <a:r>
+              <a:rPr lang="en-US" dirty="0" smtClean="0"/>
+              <a:t>Join the Continuous Integration using Jenkins</a:t>
+            </a:r>
+            <a:endParaRPr lang="en-US" dirty="0"/>
+          </a:p>
+        </p:txBody>
+      </p:sp>
+      <p:sp>
+        <p:nvSpPr>
+          <p:cNvPr id="6" name="TextBox 5"/>
+          <p:cNvSpPr txBox="1"/>
+          <p:nvPr/>
+        </p:nvSpPr>
+        <p:spPr>
+          <a:xfrm>
+            <a:off x="508186" y="2745976"/>
+            <a:ext cx="774571" cy="369332"/>
+          </a:xfrm>
+          <a:prstGeom prst="rect">
+            <a:avLst/>
+          </a:prstGeom>
+          <a:noFill/>
+          <a:ln w="9525">
+            <a:solidFill>
+              <a:schemeClr val="tx2"/>
+            </a:solidFill>
+          </a:ln>
+        </p:spPr>
+        <p:txBody>
+          <a:bodyPr wrap="none" rtlCol="0">
+            <a:spAutoFit/>
+          </a:bodyPr>
+          <a:lstStyle/>
+          <a:p>
+            <a:r>
+              <a:rPr lang="en-US" dirty="0" smtClean="0">
+                <a:solidFill>
+                  <a:schemeClr val="tx2"/>
+                </a:solidFill>
+              </a:rPr>
+              <a:t>How?</a:t>
+            </a:r>
+            <a:endParaRPr lang="en-US" dirty="0">
+              <a:solidFill>
+                <a:schemeClr val="tx2"/>
+              </a:solidFill>
+            </a:endParaRPr>
+          </a:p>
+        </p:txBody>
+      </p:sp>
+      <p:pic>
+        <p:nvPicPr>
+          <p:cNvPr id="8" name="Picture 7"/>
+          <p:cNvPicPr>
+            <a:picLocks noChangeAspect="1"/>
+          </p:cNvPicPr>
+          <p:nvPr/>
+        </p:nvPicPr>
+        <p:blipFill>
+          <a:blip r:embed="rId2" cstate="print">
+            <a:extLst>
+              <a:ext uri="{28A0092B-C50C-407E-A947-70E740481C1C}">
+                <a14:useLocalDpi xmlns:a14="http://schemas.microsoft.com/office/drawing/2010/main" val="0"/>
+              </a:ext>
+            </a:extLst>
+          </a:blip>
+          <a:stretch>
+            <a:fillRect/>
+          </a:stretch>
+        </p:blipFill>
+        <p:spPr>
+          <a:xfrm>
+            <a:off x="688093" y="3321979"/>
+            <a:ext cx="4028792" cy="885686"/>
+          </a:xfrm>
+          <a:prstGeom prst="rect">
+            <a:avLst/>
+          </a:prstGeom>
+        </p:spPr>
+      </p:pic>
+      <p:pic>
+        <p:nvPicPr>
+          <p:cNvPr id="10" name="Picture 9"/>
+          <p:cNvPicPr>
+            <a:picLocks noChangeAspect="1"/>
+          </p:cNvPicPr>
+          <p:nvPr/>
+        </p:nvPicPr>
+        <p:blipFill>
+          <a:blip r:embed="rId3" cstate="print">
+            <a:extLst>
+              <a:ext uri="{28A0092B-C50C-407E-A947-70E740481C1C}">
+                <a14:useLocalDpi xmlns:a14="http://schemas.microsoft.com/office/drawing/2010/main" val="0"/>
+              </a:ext>
+            </a:extLst>
+          </a:blip>
+          <a:stretch>
+            <a:fillRect/>
+          </a:stretch>
+        </p:blipFill>
+        <p:spPr>
+          <a:xfrm>
+            <a:off x="5092743" y="3033503"/>
+            <a:ext cx="3236445" cy="2547499"/>
+          </a:xfrm>
+          <a:prstGeom prst="rect">
+            <a:avLst/>
+          </a:prstGeom>
+        </p:spPr>
+      </p:pic>
+      <p:sp>
+        <p:nvSpPr>
+          <p:cNvPr id="11" name="TextBox 10"/>
+          <p:cNvSpPr txBox="1"/>
+          <p:nvPr/>
+        </p:nvSpPr>
+        <p:spPr>
+          <a:xfrm>
+            <a:off x="508186" y="4493539"/>
+            <a:ext cx="1697901" cy="369332"/>
+          </a:xfrm>
+          <a:prstGeom prst="rect">
+            <a:avLst/>
+          </a:prstGeom>
+          <a:noFill/>
+          <a:ln w="9525">
+            <a:solidFill>
+              <a:schemeClr val="tx2"/>
+            </a:solidFill>
+          </a:ln>
+        </p:spPr>
+        <p:txBody>
+          <a:bodyPr wrap="none" rtlCol="0">
+            <a:spAutoFit/>
+          </a:bodyPr>
+          <a:lstStyle/>
+          <a:p>
+            <a:r>
+              <a:rPr lang="en-US" dirty="0" smtClean="0">
+                <a:solidFill>
+                  <a:schemeClr val="tx2"/>
+                </a:solidFill>
+              </a:rPr>
+              <a:t>What I Learnt?</a:t>
+            </a:r>
+            <a:endParaRPr lang="en-US" dirty="0">
+              <a:solidFill>
+                <a:schemeClr val="tx2"/>
+              </a:solidFill>
+            </a:endParaRPr>
+          </a:p>
+        </p:txBody>
+      </p:sp>
+      <p:sp>
+        <p:nvSpPr>
+          <p:cNvPr id="12" name="TextBox 11"/>
+          <p:cNvSpPr txBox="1"/>
+          <p:nvPr/>
+        </p:nvSpPr>
+        <p:spPr>
+          <a:xfrm>
+            <a:off x="508186" y="4971053"/>
+            <a:ext cx="4584557" cy="1477328"/>
+          </a:xfrm>
+          <a:prstGeom prst="rect">
+            <a:avLst/>
+          </a:prstGeom>
+          <a:noFill/>
+        </p:spPr>
+        <p:txBody>
+          <a:bodyPr wrap="square" rtlCol="0">
+            <a:spAutoFit/>
+          </a:bodyPr>
+          <a:lstStyle/>
+          <a:p>
+            <a:pPr marL="285750" indent="-285750">
+              <a:buClr>
+                <a:schemeClr val="tx2"/>
+              </a:buClr>
+              <a:buFont typeface="Wingdings" panose="05000000000000000000" pitchFamily="2" charset="2"/>
+              <a:buChar char="§"/>
+            </a:pPr>
+            <a:r>
+              <a:rPr lang="en-US" dirty="0" smtClean="0"/>
+              <a:t>Windows Environment</a:t>
+            </a:r>
+          </a:p>
+          <a:p>
+            <a:pPr marL="285750" indent="-285750">
+              <a:buClr>
+                <a:schemeClr val="tx2"/>
+              </a:buClr>
+              <a:buFont typeface="Wingdings" panose="05000000000000000000" pitchFamily="2" charset="2"/>
+              <a:buChar char="§"/>
+            </a:pPr>
+            <a:r>
+              <a:rPr lang="en-US" dirty="0" smtClean="0"/>
+              <a:t>C# Language</a:t>
+            </a:r>
+          </a:p>
+          <a:p>
+            <a:pPr marL="285750" indent="-285750">
+              <a:buClr>
+                <a:schemeClr val="tx2"/>
+              </a:buClr>
+              <a:buFont typeface="Wingdings" panose="05000000000000000000" pitchFamily="2" charset="2"/>
+              <a:buChar char="§"/>
+            </a:pPr>
+            <a:r>
+              <a:rPr lang="en-US" dirty="0" smtClean="0"/>
+              <a:t>Encryption method (Private-public key)</a:t>
+            </a:r>
+          </a:p>
+          <a:p>
+            <a:endParaRPr lang="en-US" dirty="0" smtClean="0"/>
+          </a:p>
+          <a:p>
             <a:endParaRPr lang="en-US" dirty="0"/>
           </a:p>
         </p:txBody>
@@ -34072,7 +34537,7 @@
     </p:spTree>
     <p:extLst>
       <p:ext uri="{BB962C8B-B14F-4D97-AF65-F5344CB8AC3E}">
-        <p14:creationId xmlns:p14="http://schemas.microsoft.com/office/powerpoint/2010/main" val="1687145289"/>
+        <p14:creationId xmlns:p14="http://schemas.microsoft.com/office/powerpoint/2010/main" val="301149252"/>
       </p:ext>
     </p:extLst>
   </p:cSld>
@@ -34123,34 +34588,1219 @@
           <a:p>
             <a:r>
               <a:rPr lang="en-US" dirty="0" smtClean="0"/>
-              <a:t>Code Signing</a:t>
+              <a:t>Files Loader</a:t>
             </a:r>
             <a:br>
               <a:rPr lang="en-US" dirty="0" smtClean="0"/>
             </a:br>
             <a:r>
-              <a:rPr lang="en-US" dirty="0" smtClean="0">
+              <a:rPr lang="en-US" sz="1400" dirty="0">
                 <a:solidFill>
                   <a:schemeClr val="bg1">
                     <a:lumMod val="50000"/>
                   </a:schemeClr>
                 </a:solidFill>
               </a:rPr>
-              <a:t>How does it work?</a:t>
-            </a:r>
-            <a:endParaRPr lang="en-US" dirty="0">
-              <a:solidFill>
-                <a:schemeClr val="bg1">
-                  <a:lumMod val="50000"/>
-                </a:schemeClr>
-              </a:solidFill>
-            </a:endParaRPr>
+              <a:t>Why do we need it?</a:t>
+            </a:r>
           </a:p>
         </p:txBody>
       </p:sp>
       <p:sp>
         <p:nvSpPr>
-          <p:cNvPr id="3" name="Footer Placeholder 2"/>
+          <p:cNvPr id="45" name="Rectangle 44"/>
+          <p:cNvSpPr/>
+          <p:nvPr/>
+        </p:nvSpPr>
+        <p:spPr bwMode="auto">
+          <a:xfrm>
+            <a:off x="269960" y="1239548"/>
+            <a:ext cx="1515291" cy="722812"/>
+          </a:xfrm>
+          <a:prstGeom prst="rect">
+            <a:avLst/>
+          </a:prstGeom>
+          <a:solidFill>
+            <a:srgbClr val="00B050"/>
+          </a:solidFill>
+          <a:ln w="6350" cap="flat" cmpd="sng" algn="ctr">
+            <a:noFill/>
+            <a:prstDash val="solid"/>
+            <a:round/>
+            <a:headEnd type="none" w="med" len="med"/>
+            <a:tailEnd type="none" w="med" len="med"/>
+          </a:ln>
+          <a:effectLst/>
+        </p:spPr>
+        <p:txBody>
+          <a:bodyPr vert="horz" wrap="none" lIns="91440" tIns="45720" rIns="91440" bIns="45720" numCol="1" rtlCol="0" anchor="ctr" anchorCtr="0" compatLnSpc="1">
+            <a:prstTxWarp prst="textNoShape">
+              <a:avLst/>
+            </a:prstTxWarp>
+          </a:bodyPr>
+          <a:lstStyle/>
+          <a:p>
+            <a:pPr marL="0" marR="0" indent="0" algn="ctr" defTabSz="858838" rtl="0" eaLnBrk="0" fontAlgn="base" latinLnBrk="0" hangingPunct="0">
+              <a:lnSpc>
+                <a:spcPct val="100000"/>
+              </a:lnSpc>
+              <a:spcBef>
+                <a:spcPct val="50000"/>
+              </a:spcBef>
+              <a:spcAft>
+                <a:spcPct val="0"/>
+              </a:spcAft>
+              <a:buClrTx/>
+              <a:buSzTx/>
+              <a:buFontTx/>
+              <a:buNone/>
+              <a:tabLst/>
+            </a:pPr>
+            <a:r>
+              <a:rPr kumimoji="0" lang="en-US" b="1" u="none" strike="noStrike" cap="none" normalizeH="0" baseline="0" dirty="0" smtClean="0">
+                <a:ln>
+                  <a:noFill/>
+                </a:ln>
+                <a:solidFill>
+                  <a:schemeClr val="bg1"/>
+                </a:solidFill>
+                <a:effectLst/>
+                <a:latin typeface="Arial" charset="0"/>
+              </a:rPr>
+              <a:t>MARS</a:t>
+            </a:r>
+          </a:p>
+        </p:txBody>
+      </p:sp>
+      <p:sp>
+        <p:nvSpPr>
+          <p:cNvPr id="46" name="Rectangle 45"/>
+          <p:cNvSpPr/>
+          <p:nvPr/>
+        </p:nvSpPr>
+        <p:spPr bwMode="auto">
+          <a:xfrm>
+            <a:off x="2596755" y="1247937"/>
+            <a:ext cx="1515291" cy="722812"/>
+          </a:xfrm>
+          <a:prstGeom prst="rect">
+            <a:avLst/>
+          </a:prstGeom>
+          <a:solidFill>
+            <a:srgbClr val="0070C0"/>
+          </a:solidFill>
+          <a:ln w="6350" cap="flat" cmpd="sng" algn="ctr">
+            <a:noFill/>
+            <a:prstDash val="solid"/>
+            <a:round/>
+            <a:headEnd type="none" w="med" len="med"/>
+            <a:tailEnd type="none" w="med" len="med"/>
+          </a:ln>
+          <a:effectLst/>
+        </p:spPr>
+        <p:txBody>
+          <a:bodyPr vert="horz" wrap="none" lIns="91440" tIns="45720" rIns="91440" bIns="45720" numCol="1" rtlCol="0" anchor="ctr" anchorCtr="0" compatLnSpc="1">
+            <a:prstTxWarp prst="textNoShape">
+              <a:avLst/>
+            </a:prstTxWarp>
+          </a:bodyPr>
+          <a:lstStyle/>
+          <a:p>
+            <a:pPr marL="0" marR="0" indent="0" algn="ctr" defTabSz="858838" rtl="0" eaLnBrk="0" fontAlgn="base" latinLnBrk="0" hangingPunct="0">
+              <a:lnSpc>
+                <a:spcPct val="100000"/>
+              </a:lnSpc>
+              <a:spcBef>
+                <a:spcPct val="50000"/>
+              </a:spcBef>
+              <a:spcAft>
+                <a:spcPct val="0"/>
+              </a:spcAft>
+              <a:buClrTx/>
+              <a:buSzTx/>
+              <a:buFontTx/>
+              <a:buNone/>
+              <a:tabLst/>
+            </a:pPr>
+            <a:r>
+              <a:rPr kumimoji="0" lang="en-US" b="1" u="none" strike="noStrike" cap="none" normalizeH="0" baseline="0" dirty="0" smtClean="0">
+                <a:ln>
+                  <a:noFill/>
+                </a:ln>
+                <a:solidFill>
+                  <a:schemeClr val="bg1"/>
+                </a:solidFill>
+                <a:effectLst/>
+                <a:latin typeface="Arial" charset="0"/>
+              </a:rPr>
+              <a:t>SPEAR</a:t>
+            </a:r>
+          </a:p>
+        </p:txBody>
+      </p:sp>
+      <p:sp>
+        <p:nvSpPr>
+          <p:cNvPr id="47" name="Rectangle 46"/>
+          <p:cNvSpPr/>
+          <p:nvPr/>
+        </p:nvSpPr>
+        <p:spPr bwMode="auto">
+          <a:xfrm>
+            <a:off x="203380" y="3709854"/>
+            <a:ext cx="1381574" cy="539931"/>
+          </a:xfrm>
+          <a:prstGeom prst="rect">
+            <a:avLst/>
+          </a:prstGeom>
+          <a:solidFill>
+            <a:srgbClr val="84CAC6"/>
+          </a:solidFill>
+          <a:ln w="6350" cap="flat" cmpd="sng" algn="ctr">
+            <a:noFill/>
+            <a:prstDash val="solid"/>
+            <a:round/>
+            <a:headEnd type="none" w="med" len="med"/>
+            <a:tailEnd type="none" w="med" len="med"/>
+          </a:ln>
+          <a:effectLst/>
+        </p:spPr>
+        <p:txBody>
+          <a:bodyPr vert="horz" wrap="none" lIns="91440" tIns="45720" rIns="91440" bIns="45720" numCol="1" rtlCol="0" anchor="ctr" anchorCtr="0" compatLnSpc="1">
+            <a:prstTxWarp prst="textNoShape">
+              <a:avLst/>
+            </a:prstTxWarp>
+          </a:bodyPr>
+          <a:lstStyle/>
+          <a:p>
+            <a:pPr marL="0" marR="0" indent="0" algn="ctr" defTabSz="858838" rtl="0" eaLnBrk="0" fontAlgn="base" latinLnBrk="0" hangingPunct="0">
+              <a:lnSpc>
+                <a:spcPct val="100000"/>
+              </a:lnSpc>
+              <a:spcBef>
+                <a:spcPct val="50000"/>
+              </a:spcBef>
+              <a:spcAft>
+                <a:spcPct val="0"/>
+              </a:spcAft>
+              <a:buClrTx/>
+              <a:buSzTx/>
+              <a:buFontTx/>
+              <a:buNone/>
+              <a:tabLst/>
+            </a:pPr>
+            <a:r>
+              <a:rPr kumimoji="0" lang="en-US" b="1" u="none" strike="noStrike" cap="none" normalizeH="0" baseline="0" dirty="0" smtClean="0">
+                <a:ln>
+                  <a:noFill/>
+                </a:ln>
+                <a:solidFill>
+                  <a:schemeClr val="bg1"/>
+                </a:solidFill>
+                <a:effectLst/>
+                <a:latin typeface="Arial" charset="0"/>
+              </a:rPr>
+              <a:t>7 Locations</a:t>
+            </a:r>
+          </a:p>
+        </p:txBody>
+      </p:sp>
+      <p:cxnSp>
+        <p:nvCxnSpPr>
+          <p:cNvPr id="49" name="Straight Connector 48"/>
+          <p:cNvCxnSpPr/>
+          <p:nvPr/>
+        </p:nvCxnSpPr>
+        <p:spPr bwMode="auto">
+          <a:xfrm flipV="1">
+            <a:off x="1672039" y="3105520"/>
+            <a:ext cx="1288869" cy="566058"/>
+          </a:xfrm>
+          <a:prstGeom prst="line">
+            <a:avLst/>
+          </a:prstGeom>
+          <a:solidFill>
+            <a:schemeClr val="accent1"/>
+          </a:solidFill>
+          <a:ln w="6350" cap="flat" cmpd="sng" algn="ctr">
+            <a:solidFill>
+              <a:schemeClr val="tx1"/>
+            </a:solidFill>
+            <a:prstDash val="solid"/>
+            <a:round/>
+            <a:headEnd type="none" w="med" len="med"/>
+            <a:tailEnd type="none" w="med" len="med"/>
+          </a:ln>
+          <a:effectLst/>
+        </p:spPr>
+      </p:cxnSp>
+      <p:cxnSp>
+        <p:nvCxnSpPr>
+          <p:cNvPr id="52" name="Straight Connector 51"/>
+          <p:cNvCxnSpPr/>
+          <p:nvPr/>
+        </p:nvCxnSpPr>
+        <p:spPr bwMode="auto">
+          <a:xfrm>
+            <a:off x="1715584" y="4000447"/>
+            <a:ext cx="1245325" cy="0"/>
+          </a:xfrm>
+          <a:prstGeom prst="line">
+            <a:avLst/>
+          </a:prstGeom>
+          <a:solidFill>
+            <a:schemeClr val="accent1"/>
+          </a:solidFill>
+          <a:ln w="6350" cap="flat" cmpd="sng" algn="ctr">
+            <a:solidFill>
+              <a:schemeClr val="tx1"/>
+            </a:solidFill>
+            <a:prstDash val="solid"/>
+            <a:round/>
+            <a:headEnd type="none" w="med" len="med"/>
+            <a:tailEnd type="none" w="med" len="med"/>
+          </a:ln>
+          <a:effectLst/>
+        </p:spPr>
+      </p:cxnSp>
+      <p:cxnSp>
+        <p:nvCxnSpPr>
+          <p:cNvPr id="54" name="Straight Connector 53"/>
+          <p:cNvCxnSpPr/>
+          <p:nvPr/>
+        </p:nvCxnSpPr>
+        <p:spPr bwMode="auto">
+          <a:xfrm>
+            <a:off x="1672039" y="4287831"/>
+            <a:ext cx="1262743" cy="627017"/>
+          </a:xfrm>
+          <a:prstGeom prst="line">
+            <a:avLst/>
+          </a:prstGeom>
+          <a:solidFill>
+            <a:schemeClr val="accent1"/>
+          </a:solidFill>
+          <a:ln w="6350" cap="flat" cmpd="sng" algn="ctr">
+            <a:solidFill>
+              <a:schemeClr val="tx1"/>
+            </a:solidFill>
+            <a:prstDash val="solid"/>
+            <a:round/>
+            <a:headEnd type="none" w="med" len="med"/>
+            <a:tailEnd type="none" w="med" len="med"/>
+          </a:ln>
+          <a:effectLst/>
+        </p:spPr>
+      </p:cxnSp>
+      <p:sp>
+        <p:nvSpPr>
+          <p:cNvPr id="57" name="Oval 56"/>
+          <p:cNvSpPr/>
+          <p:nvPr/>
+        </p:nvSpPr>
+        <p:spPr bwMode="auto">
+          <a:xfrm>
+            <a:off x="3313604" y="2482858"/>
+            <a:ext cx="1454332" cy="801188"/>
+          </a:xfrm>
+          <a:prstGeom prst="ellipse">
+            <a:avLst/>
+          </a:prstGeom>
+          <a:noFill/>
+          <a:ln w="28575" cap="flat" cmpd="sng" algn="ctr">
+            <a:solidFill>
+              <a:srgbClr val="FF0000"/>
+            </a:solidFill>
+            <a:prstDash val="solid"/>
+            <a:round/>
+            <a:headEnd type="none" w="med" len="med"/>
+            <a:tailEnd type="none" w="med" len="med"/>
+          </a:ln>
+          <a:effectLst/>
+        </p:spPr>
+        <p:txBody>
+          <a:bodyPr vert="horz" wrap="none" lIns="91440" tIns="45720" rIns="91440" bIns="45720" numCol="1" rtlCol="0" anchor="ctr" anchorCtr="0" compatLnSpc="1">
+            <a:prstTxWarp prst="textNoShape">
+              <a:avLst/>
+            </a:prstTxWarp>
+          </a:bodyPr>
+          <a:lstStyle/>
+          <a:p>
+            <a:pPr marL="0" marR="0" indent="0" algn="ctr" defTabSz="858838" rtl="0" eaLnBrk="0" fontAlgn="base" latinLnBrk="0" hangingPunct="0">
+              <a:lnSpc>
+                <a:spcPct val="100000"/>
+              </a:lnSpc>
+              <a:spcBef>
+                <a:spcPct val="50000"/>
+              </a:spcBef>
+              <a:spcAft>
+                <a:spcPct val="0"/>
+              </a:spcAft>
+              <a:buClrTx/>
+              <a:buSzTx/>
+              <a:buFontTx/>
+              <a:buNone/>
+              <a:tabLst/>
+            </a:pPr>
+            <a:r>
+              <a:rPr kumimoji="0" lang="en-US" sz="1400" b="1" u="none" strike="noStrike" cap="none" normalizeH="0" baseline="0" dirty="0" smtClean="0">
+                <a:ln>
+                  <a:noFill/>
+                </a:ln>
+                <a:effectLst/>
+                <a:latin typeface="Arial" charset="0"/>
+              </a:rPr>
+              <a:t>Bond Forward</a:t>
+            </a:r>
+          </a:p>
+        </p:txBody>
+      </p:sp>
+      <p:sp>
+        <p:nvSpPr>
+          <p:cNvPr id="59" name="Oval 58"/>
+          <p:cNvSpPr/>
+          <p:nvPr/>
+        </p:nvSpPr>
+        <p:spPr bwMode="auto">
+          <a:xfrm>
+            <a:off x="3339731" y="3660571"/>
+            <a:ext cx="1454332" cy="801188"/>
+          </a:xfrm>
+          <a:prstGeom prst="ellipse">
+            <a:avLst/>
+          </a:prstGeom>
+          <a:noFill/>
+          <a:ln w="28575" cap="flat" cmpd="sng" algn="ctr">
+            <a:solidFill>
+              <a:srgbClr val="7030A0"/>
+            </a:solidFill>
+            <a:prstDash val="solid"/>
+            <a:round/>
+            <a:headEnd type="none" w="med" len="med"/>
+            <a:tailEnd type="none" w="med" len="med"/>
+          </a:ln>
+          <a:effectLst/>
+        </p:spPr>
+        <p:txBody>
+          <a:bodyPr vert="horz" wrap="none" lIns="91440" tIns="45720" rIns="91440" bIns="45720" numCol="1" rtlCol="0" anchor="ctr" anchorCtr="0" compatLnSpc="1">
+            <a:prstTxWarp prst="textNoShape">
+              <a:avLst/>
+            </a:prstTxWarp>
+          </a:bodyPr>
+          <a:lstStyle/>
+          <a:p>
+            <a:pPr marL="0" marR="0" indent="0" algn="ctr" defTabSz="858838" rtl="0" eaLnBrk="0" fontAlgn="base" latinLnBrk="0" hangingPunct="0">
+              <a:lnSpc>
+                <a:spcPct val="100000"/>
+              </a:lnSpc>
+              <a:spcBef>
+                <a:spcPct val="50000"/>
+              </a:spcBef>
+              <a:spcAft>
+                <a:spcPct val="0"/>
+              </a:spcAft>
+              <a:buClrTx/>
+              <a:buSzTx/>
+              <a:buFontTx/>
+              <a:buNone/>
+              <a:tabLst/>
+            </a:pPr>
+            <a:r>
+              <a:rPr kumimoji="0" lang="en-US" sz="1400" b="1" u="none" strike="noStrike" cap="none" normalizeH="0" baseline="0" dirty="0" smtClean="0">
+                <a:ln>
+                  <a:noFill/>
+                </a:ln>
+                <a:effectLst/>
+                <a:latin typeface="Arial" charset="0"/>
+              </a:rPr>
+              <a:t>Bond</a:t>
+            </a:r>
+          </a:p>
+        </p:txBody>
+      </p:sp>
+      <p:sp>
+        <p:nvSpPr>
+          <p:cNvPr id="60" name="Oval 59"/>
+          <p:cNvSpPr/>
+          <p:nvPr/>
+        </p:nvSpPr>
+        <p:spPr bwMode="auto">
+          <a:xfrm>
+            <a:off x="3339731" y="4838284"/>
+            <a:ext cx="1454332" cy="801188"/>
+          </a:xfrm>
+          <a:prstGeom prst="ellipse">
+            <a:avLst/>
+          </a:prstGeom>
+          <a:noFill/>
+          <a:ln w="28575" cap="flat" cmpd="sng" algn="ctr">
+            <a:solidFill>
+              <a:srgbClr val="7030A0"/>
+            </a:solidFill>
+            <a:prstDash val="solid"/>
+            <a:round/>
+            <a:headEnd type="none" w="med" len="med"/>
+            <a:tailEnd type="none" w="med" len="med"/>
+          </a:ln>
+          <a:effectLst/>
+        </p:spPr>
+        <p:txBody>
+          <a:bodyPr vert="horz" wrap="none" lIns="91440" tIns="45720" rIns="91440" bIns="45720" numCol="1" rtlCol="0" anchor="ctr" anchorCtr="0" compatLnSpc="1">
+            <a:prstTxWarp prst="textNoShape">
+              <a:avLst/>
+            </a:prstTxWarp>
+          </a:bodyPr>
+          <a:lstStyle/>
+          <a:p>
+            <a:pPr marL="0" marR="0" indent="0" algn="ctr" defTabSz="858838" rtl="0" eaLnBrk="0" fontAlgn="base" latinLnBrk="0" hangingPunct="0">
+              <a:lnSpc>
+                <a:spcPct val="100000"/>
+              </a:lnSpc>
+              <a:spcBef>
+                <a:spcPct val="50000"/>
+              </a:spcBef>
+              <a:spcAft>
+                <a:spcPct val="0"/>
+              </a:spcAft>
+              <a:buClrTx/>
+              <a:buSzTx/>
+              <a:buFontTx/>
+              <a:buNone/>
+              <a:tabLst/>
+            </a:pPr>
+            <a:r>
+              <a:rPr lang="en-US" sz="1400" b="1" dirty="0" smtClean="0">
+                <a:latin typeface="Arial" charset="0"/>
+              </a:rPr>
+              <a:t>Bond Future</a:t>
+            </a:r>
+            <a:endParaRPr kumimoji="0" lang="en-US" sz="1400" b="1" u="none" strike="noStrike" cap="none" normalizeH="0" baseline="0" dirty="0" smtClean="0">
+              <a:ln>
+                <a:noFill/>
+              </a:ln>
+              <a:solidFill>
+                <a:schemeClr val="tx1"/>
+              </a:solidFill>
+              <a:effectLst/>
+              <a:latin typeface="Arial" charset="0"/>
+            </a:endParaRPr>
+          </a:p>
+        </p:txBody>
+      </p:sp>
+      <p:sp>
+        <p:nvSpPr>
+          <p:cNvPr id="61" name="TextBox 60"/>
+          <p:cNvSpPr txBox="1"/>
+          <p:nvPr/>
+        </p:nvSpPr>
+        <p:spPr>
+          <a:xfrm>
+            <a:off x="3503657" y="2042137"/>
+            <a:ext cx="1031051" cy="369332"/>
+          </a:xfrm>
+          <a:prstGeom prst="rect">
+            <a:avLst/>
+          </a:prstGeom>
+          <a:noFill/>
+        </p:spPr>
+        <p:txBody>
+          <a:bodyPr wrap="none" rtlCol="0">
+            <a:spAutoFit/>
+          </a:bodyPr>
+          <a:lstStyle/>
+          <a:p>
+            <a:r>
+              <a:rPr lang="en-US" b="1" dirty="0">
+                <a:solidFill>
+                  <a:schemeClr val="tx2"/>
+                </a:solidFill>
+              </a:rPr>
+              <a:t>S</a:t>
+            </a:r>
+            <a:r>
+              <a:rPr lang="en-US" b="1" dirty="0" smtClean="0">
+                <a:solidFill>
+                  <a:schemeClr val="tx2"/>
+                </a:solidFill>
+              </a:rPr>
+              <a:t>ummit</a:t>
+            </a:r>
+            <a:endParaRPr lang="en-US" b="1" dirty="0">
+              <a:solidFill>
+                <a:schemeClr val="tx2"/>
+              </a:solidFill>
+            </a:endParaRPr>
+          </a:p>
+        </p:txBody>
+      </p:sp>
+      <p:sp>
+        <p:nvSpPr>
+          <p:cNvPr id="62" name="TextBox 61"/>
+          <p:cNvSpPr txBox="1"/>
+          <p:nvPr/>
+        </p:nvSpPr>
+        <p:spPr>
+          <a:xfrm>
+            <a:off x="3529550" y="5762069"/>
+            <a:ext cx="1090876" cy="369332"/>
+          </a:xfrm>
+          <a:prstGeom prst="rect">
+            <a:avLst/>
+          </a:prstGeom>
+          <a:noFill/>
+        </p:spPr>
+        <p:txBody>
+          <a:bodyPr wrap="none" rtlCol="0">
+            <a:spAutoFit/>
+          </a:bodyPr>
+          <a:lstStyle/>
+          <a:p>
+            <a:r>
+              <a:rPr lang="en-US" b="1" dirty="0" smtClean="0">
+                <a:solidFill>
+                  <a:srgbClr val="7030A0"/>
+                </a:solidFill>
+              </a:rPr>
+              <a:t>TREATS</a:t>
+            </a:r>
+            <a:endParaRPr lang="en-US" b="1" dirty="0">
+              <a:solidFill>
+                <a:srgbClr val="7030A0"/>
+              </a:solidFill>
+            </a:endParaRPr>
+          </a:p>
+        </p:txBody>
+      </p:sp>
+      <p:cxnSp>
+        <p:nvCxnSpPr>
+          <p:cNvPr id="68" name="Straight Connector 67"/>
+          <p:cNvCxnSpPr/>
+          <p:nvPr/>
+        </p:nvCxnSpPr>
+        <p:spPr bwMode="auto">
+          <a:xfrm flipV="1">
+            <a:off x="5024840" y="2246234"/>
+            <a:ext cx="1227908" cy="348343"/>
+          </a:xfrm>
+          <a:prstGeom prst="line">
+            <a:avLst/>
+          </a:prstGeom>
+          <a:solidFill>
+            <a:schemeClr val="accent1"/>
+          </a:solidFill>
+          <a:ln w="6350" cap="flat" cmpd="sng" algn="ctr">
+            <a:solidFill>
+              <a:schemeClr val="tx1"/>
+            </a:solidFill>
+            <a:prstDash val="solid"/>
+            <a:round/>
+            <a:headEnd type="none" w="med" len="med"/>
+            <a:tailEnd type="none" w="med" len="med"/>
+          </a:ln>
+          <a:effectLst/>
+        </p:spPr>
+      </p:cxnSp>
+      <p:cxnSp>
+        <p:nvCxnSpPr>
+          <p:cNvPr id="70" name="Straight Connector 69"/>
+          <p:cNvCxnSpPr/>
+          <p:nvPr/>
+        </p:nvCxnSpPr>
+        <p:spPr bwMode="auto">
+          <a:xfrm>
+            <a:off x="5007423" y="2783867"/>
+            <a:ext cx="1335871" cy="0"/>
+          </a:xfrm>
+          <a:prstGeom prst="line">
+            <a:avLst/>
+          </a:prstGeom>
+          <a:solidFill>
+            <a:schemeClr val="accent1"/>
+          </a:solidFill>
+          <a:ln w="6350" cap="flat" cmpd="sng" algn="ctr">
+            <a:solidFill>
+              <a:schemeClr val="tx1"/>
+            </a:solidFill>
+            <a:prstDash val="solid"/>
+            <a:round/>
+            <a:headEnd type="none" w="med" len="med"/>
+            <a:tailEnd type="none" w="med" len="med"/>
+          </a:ln>
+          <a:effectLst/>
+        </p:spPr>
+      </p:cxnSp>
+      <p:cxnSp>
+        <p:nvCxnSpPr>
+          <p:cNvPr id="72" name="Straight Connector 71"/>
+          <p:cNvCxnSpPr/>
+          <p:nvPr/>
+        </p:nvCxnSpPr>
+        <p:spPr bwMode="auto">
+          <a:xfrm>
+            <a:off x="5024840" y="3005935"/>
+            <a:ext cx="1227908" cy="283029"/>
+          </a:xfrm>
+          <a:prstGeom prst="line">
+            <a:avLst/>
+          </a:prstGeom>
+          <a:solidFill>
+            <a:schemeClr val="accent1"/>
+          </a:solidFill>
+          <a:ln w="6350" cap="flat" cmpd="sng" algn="ctr">
+            <a:solidFill>
+              <a:schemeClr val="tx1"/>
+            </a:solidFill>
+            <a:prstDash val="solid"/>
+            <a:round/>
+            <a:headEnd type="none" w="med" len="med"/>
+            <a:tailEnd type="none" w="med" len="med"/>
+          </a:ln>
+          <a:effectLst/>
+        </p:spPr>
+      </p:cxnSp>
+      <p:pic>
+        <p:nvPicPr>
+          <p:cNvPr id="73" name="Picture 72"/>
+          <p:cNvPicPr>
+            <a:picLocks noChangeAspect="1"/>
+          </p:cNvPicPr>
+          <p:nvPr/>
+        </p:nvPicPr>
+        <p:blipFill>
+          <a:blip r:embed="rId2" cstate="print">
+            <a:extLst>
+              <a:ext uri="{28A0092B-C50C-407E-A947-70E740481C1C}">
+                <a14:useLocalDpi xmlns:a14="http://schemas.microsoft.com/office/drawing/2010/main" val="0"/>
+              </a:ext>
+            </a:extLst>
+          </a:blip>
+          <a:stretch>
+            <a:fillRect/>
+          </a:stretch>
+        </p:blipFill>
+        <p:spPr>
+          <a:xfrm>
+            <a:off x="6614159" y="1904221"/>
+            <a:ext cx="589638" cy="589638"/>
+          </a:xfrm>
+          <a:prstGeom prst="rect">
+            <a:avLst/>
+          </a:prstGeom>
+        </p:spPr>
+      </p:pic>
+      <p:pic>
+        <p:nvPicPr>
+          <p:cNvPr id="74" name="Picture 73"/>
+          <p:cNvPicPr>
+            <a:picLocks noChangeAspect="1"/>
+          </p:cNvPicPr>
+          <p:nvPr/>
+        </p:nvPicPr>
+        <p:blipFill>
+          <a:blip r:embed="rId2" cstate="print">
+            <a:extLst>
+              <a:ext uri="{28A0092B-C50C-407E-A947-70E740481C1C}">
+                <a14:useLocalDpi xmlns:a14="http://schemas.microsoft.com/office/drawing/2010/main" val="0"/>
+              </a:ext>
+            </a:extLst>
+          </a:blip>
+          <a:stretch>
+            <a:fillRect/>
+          </a:stretch>
+        </p:blipFill>
+        <p:spPr>
+          <a:xfrm>
+            <a:off x="6704705" y="2345819"/>
+            <a:ext cx="589638" cy="589638"/>
+          </a:xfrm>
+          <a:prstGeom prst="rect">
+            <a:avLst/>
+          </a:prstGeom>
+        </p:spPr>
+      </p:pic>
+      <p:pic>
+        <p:nvPicPr>
+          <p:cNvPr id="75" name="Picture 74"/>
+          <p:cNvPicPr>
+            <a:picLocks noChangeAspect="1"/>
+          </p:cNvPicPr>
+          <p:nvPr/>
+        </p:nvPicPr>
+        <p:blipFill>
+          <a:blip r:embed="rId2" cstate="print">
+            <a:extLst>
+              <a:ext uri="{28A0092B-C50C-407E-A947-70E740481C1C}">
+                <a14:useLocalDpi xmlns:a14="http://schemas.microsoft.com/office/drawing/2010/main" val="0"/>
+              </a:ext>
+            </a:extLst>
+          </a:blip>
+          <a:stretch>
+            <a:fillRect/>
+          </a:stretch>
+        </p:blipFill>
+        <p:spPr>
+          <a:xfrm>
+            <a:off x="6848168" y="2846357"/>
+            <a:ext cx="589638" cy="589638"/>
+          </a:xfrm>
+          <a:prstGeom prst="rect">
+            <a:avLst/>
+          </a:prstGeom>
+        </p:spPr>
+      </p:pic>
+      <p:cxnSp>
+        <p:nvCxnSpPr>
+          <p:cNvPr id="87" name="Straight Connector 86"/>
+          <p:cNvCxnSpPr/>
+          <p:nvPr/>
+        </p:nvCxnSpPr>
+        <p:spPr bwMode="auto">
+          <a:xfrm flipV="1">
+            <a:off x="5001798" y="3591257"/>
+            <a:ext cx="1318454" cy="247877"/>
+          </a:xfrm>
+          <a:prstGeom prst="line">
+            <a:avLst/>
+          </a:prstGeom>
+          <a:solidFill>
+            <a:schemeClr val="accent1"/>
+          </a:solidFill>
+          <a:ln w="6350" cap="flat" cmpd="sng" algn="ctr">
+            <a:solidFill>
+              <a:schemeClr val="tx1"/>
+            </a:solidFill>
+            <a:prstDash val="solid"/>
+            <a:round/>
+            <a:headEnd type="none" w="med" len="med"/>
+            <a:tailEnd type="none" w="med" len="med"/>
+          </a:ln>
+          <a:effectLst/>
+        </p:spPr>
+      </p:cxnSp>
+      <p:cxnSp>
+        <p:nvCxnSpPr>
+          <p:cNvPr id="89" name="Straight Connector 88"/>
+          <p:cNvCxnSpPr/>
+          <p:nvPr/>
+        </p:nvCxnSpPr>
+        <p:spPr bwMode="auto">
+          <a:xfrm>
+            <a:off x="5016131" y="4063221"/>
+            <a:ext cx="1335871" cy="0"/>
+          </a:xfrm>
+          <a:prstGeom prst="line">
+            <a:avLst/>
+          </a:prstGeom>
+          <a:solidFill>
+            <a:schemeClr val="accent1"/>
+          </a:solidFill>
+          <a:ln w="6350" cap="flat" cmpd="sng" algn="ctr">
+            <a:solidFill>
+              <a:schemeClr val="tx1"/>
+            </a:solidFill>
+            <a:prstDash val="solid"/>
+            <a:round/>
+            <a:headEnd type="none" w="med" len="med"/>
+            <a:tailEnd type="none" w="med" len="med"/>
+          </a:ln>
+          <a:effectLst/>
+        </p:spPr>
+      </p:cxnSp>
+      <p:cxnSp>
+        <p:nvCxnSpPr>
+          <p:cNvPr id="90" name="Straight Connector 89"/>
+          <p:cNvCxnSpPr/>
+          <p:nvPr/>
+        </p:nvCxnSpPr>
+        <p:spPr bwMode="auto">
+          <a:xfrm>
+            <a:off x="5014524" y="4274921"/>
+            <a:ext cx="1227908" cy="283029"/>
+          </a:xfrm>
+          <a:prstGeom prst="line">
+            <a:avLst/>
+          </a:prstGeom>
+          <a:solidFill>
+            <a:schemeClr val="accent1"/>
+          </a:solidFill>
+          <a:ln w="6350" cap="flat" cmpd="sng" algn="ctr">
+            <a:solidFill>
+              <a:schemeClr val="tx1"/>
+            </a:solidFill>
+            <a:prstDash val="solid"/>
+            <a:round/>
+            <a:headEnd type="none" w="med" len="med"/>
+            <a:tailEnd type="none" w="med" len="med"/>
+          </a:ln>
+          <a:effectLst/>
+        </p:spPr>
+      </p:cxnSp>
+      <p:cxnSp>
+        <p:nvCxnSpPr>
+          <p:cNvPr id="91" name="Straight Connector 90"/>
+          <p:cNvCxnSpPr/>
+          <p:nvPr/>
+        </p:nvCxnSpPr>
+        <p:spPr bwMode="auto">
+          <a:xfrm flipV="1">
+            <a:off x="5014524" y="4737108"/>
+            <a:ext cx="1318454" cy="247877"/>
+          </a:xfrm>
+          <a:prstGeom prst="line">
+            <a:avLst/>
+          </a:prstGeom>
+          <a:solidFill>
+            <a:schemeClr val="accent1"/>
+          </a:solidFill>
+          <a:ln w="6350" cap="flat" cmpd="sng" algn="ctr">
+            <a:solidFill>
+              <a:schemeClr val="tx1"/>
+            </a:solidFill>
+            <a:prstDash val="solid"/>
+            <a:round/>
+            <a:headEnd type="none" w="med" len="med"/>
+            <a:tailEnd type="none" w="med" len="med"/>
+          </a:ln>
+          <a:effectLst/>
+        </p:spPr>
+      </p:cxnSp>
+      <p:cxnSp>
+        <p:nvCxnSpPr>
+          <p:cNvPr id="92" name="Straight Connector 91"/>
+          <p:cNvCxnSpPr/>
+          <p:nvPr/>
+        </p:nvCxnSpPr>
+        <p:spPr bwMode="auto">
+          <a:xfrm>
+            <a:off x="5016131" y="5238878"/>
+            <a:ext cx="1335871" cy="0"/>
+          </a:xfrm>
+          <a:prstGeom prst="line">
+            <a:avLst/>
+          </a:prstGeom>
+          <a:solidFill>
+            <a:schemeClr val="accent1"/>
+          </a:solidFill>
+          <a:ln w="6350" cap="flat" cmpd="sng" algn="ctr">
+            <a:solidFill>
+              <a:schemeClr val="tx1"/>
+            </a:solidFill>
+            <a:prstDash val="solid"/>
+            <a:round/>
+            <a:headEnd type="none" w="med" len="med"/>
+            <a:tailEnd type="none" w="med" len="med"/>
+          </a:ln>
+          <a:effectLst/>
+        </p:spPr>
+      </p:cxnSp>
+      <p:cxnSp>
+        <p:nvCxnSpPr>
+          <p:cNvPr id="93" name="Straight Connector 92"/>
+          <p:cNvCxnSpPr/>
+          <p:nvPr/>
+        </p:nvCxnSpPr>
+        <p:spPr bwMode="auto">
+          <a:xfrm>
+            <a:off x="5014524" y="5479040"/>
+            <a:ext cx="1227908" cy="283029"/>
+          </a:xfrm>
+          <a:prstGeom prst="line">
+            <a:avLst/>
+          </a:prstGeom>
+          <a:solidFill>
+            <a:schemeClr val="accent1"/>
+          </a:solidFill>
+          <a:ln w="6350" cap="flat" cmpd="sng" algn="ctr">
+            <a:solidFill>
+              <a:schemeClr val="tx1"/>
+            </a:solidFill>
+            <a:prstDash val="solid"/>
+            <a:round/>
+            <a:headEnd type="none" w="med" len="med"/>
+            <a:tailEnd type="none" w="med" len="med"/>
+          </a:ln>
+          <a:effectLst/>
+        </p:spPr>
+      </p:cxnSp>
+      <p:sp>
+        <p:nvSpPr>
+          <p:cNvPr id="94" name="Cross 93"/>
+          <p:cNvSpPr/>
+          <p:nvPr/>
+        </p:nvSpPr>
+        <p:spPr bwMode="auto">
+          <a:xfrm>
+            <a:off x="1958051" y="1352426"/>
+            <a:ext cx="465904" cy="480280"/>
+          </a:xfrm>
+          <a:prstGeom prst="plus">
+            <a:avLst>
+              <a:gd name="adj" fmla="val 38084"/>
+            </a:avLst>
+          </a:prstGeom>
+          <a:solidFill>
+            <a:srgbClr val="FFC000"/>
+          </a:solidFill>
+          <a:ln w="6350" cap="flat" cmpd="sng" algn="ctr">
+            <a:noFill/>
+            <a:prstDash val="solid"/>
+            <a:round/>
+            <a:headEnd type="none" w="med" len="med"/>
+            <a:tailEnd type="none" w="med" len="med"/>
+          </a:ln>
+          <a:effectLst/>
+        </p:spPr>
+        <p:txBody>
+          <a:bodyPr vert="horz" wrap="none" lIns="91440" tIns="45720" rIns="91440" bIns="45720" numCol="1" rtlCol="0" anchor="ctr" anchorCtr="0" compatLnSpc="1">
+            <a:prstTxWarp prst="textNoShape">
+              <a:avLst/>
+            </a:prstTxWarp>
+          </a:bodyPr>
+          <a:lstStyle/>
+          <a:p>
+            <a:pPr marL="0" marR="0" indent="0" algn="ctr" defTabSz="858838" rtl="0" eaLnBrk="0" fontAlgn="base" latinLnBrk="0" hangingPunct="0">
+              <a:lnSpc>
+                <a:spcPct val="100000"/>
+              </a:lnSpc>
+              <a:spcBef>
+                <a:spcPct val="50000"/>
+              </a:spcBef>
+              <a:spcAft>
+                <a:spcPct val="0"/>
+              </a:spcAft>
+              <a:buClrTx/>
+              <a:buSzTx/>
+              <a:buFontTx/>
+              <a:buNone/>
+              <a:tabLst/>
+            </a:pPr>
+            <a:endParaRPr kumimoji="0" lang="en-US" sz="600" b="1" i="1" u="none" strike="noStrike" cap="none" normalizeH="0" baseline="0" smtClean="0">
+              <a:ln>
+                <a:noFill/>
+              </a:ln>
+              <a:solidFill>
+                <a:schemeClr val="tx1"/>
+              </a:solidFill>
+              <a:effectLst/>
+              <a:latin typeface="Arial" charset="0"/>
+            </a:endParaRPr>
+          </a:p>
+        </p:txBody>
+      </p:sp>
+      <p:sp>
+        <p:nvSpPr>
+          <p:cNvPr id="98" name="TextBox 97"/>
+          <p:cNvSpPr txBox="1"/>
+          <p:nvPr/>
+        </p:nvSpPr>
+        <p:spPr>
+          <a:xfrm>
+            <a:off x="7239898" y="1770768"/>
+            <a:ext cx="697627" cy="369332"/>
+          </a:xfrm>
+          <a:prstGeom prst="rect">
+            <a:avLst/>
+          </a:prstGeom>
+          <a:noFill/>
+        </p:spPr>
+        <p:txBody>
+          <a:bodyPr wrap="none" rtlCol="0">
+            <a:spAutoFit/>
+          </a:bodyPr>
+          <a:lstStyle/>
+          <a:p>
+            <a:r>
+              <a:rPr lang="en-US" dirty="0" smtClean="0"/>
+              <a:t>Error</a:t>
+            </a:r>
+            <a:endParaRPr lang="en-US" dirty="0"/>
+          </a:p>
+        </p:txBody>
+      </p:sp>
+      <p:sp>
+        <p:nvSpPr>
+          <p:cNvPr id="99" name="TextBox 98"/>
+          <p:cNvSpPr txBox="1"/>
+          <p:nvPr/>
+        </p:nvSpPr>
+        <p:spPr>
+          <a:xfrm>
+            <a:off x="7389034" y="2345819"/>
+            <a:ext cx="778868" cy="369332"/>
+          </a:xfrm>
+          <a:prstGeom prst="rect">
+            <a:avLst/>
+          </a:prstGeom>
+          <a:noFill/>
+        </p:spPr>
+        <p:txBody>
+          <a:bodyPr wrap="none" rtlCol="0">
+            <a:spAutoFit/>
+          </a:bodyPr>
+          <a:lstStyle/>
+          <a:p>
+            <a:r>
+              <a:rPr lang="en-US" dirty="0" smtClean="0"/>
+              <a:t>Trade</a:t>
+            </a:r>
+            <a:endParaRPr lang="en-US" dirty="0"/>
+          </a:p>
+        </p:txBody>
+      </p:sp>
+      <p:sp>
+        <p:nvSpPr>
+          <p:cNvPr id="100" name="TextBox 99"/>
+          <p:cNvSpPr txBox="1"/>
+          <p:nvPr/>
+        </p:nvSpPr>
+        <p:spPr>
+          <a:xfrm>
+            <a:off x="7581269" y="2883452"/>
+            <a:ext cx="633507" cy="369332"/>
+          </a:xfrm>
+          <a:prstGeom prst="rect">
+            <a:avLst/>
+          </a:prstGeom>
+          <a:noFill/>
+        </p:spPr>
+        <p:txBody>
+          <a:bodyPr wrap="none" rtlCol="0">
+            <a:spAutoFit/>
+          </a:bodyPr>
+          <a:lstStyle/>
+          <a:p>
+            <a:r>
+              <a:rPr lang="en-US" dirty="0" smtClean="0"/>
+              <a:t>Risk</a:t>
+            </a:r>
+            <a:endParaRPr lang="en-US" dirty="0"/>
+          </a:p>
+        </p:txBody>
+      </p:sp>
+      <p:sp>
+        <p:nvSpPr>
+          <p:cNvPr id="102" name="Rectangle 101"/>
+          <p:cNvSpPr/>
+          <p:nvPr/>
+        </p:nvSpPr>
+        <p:spPr bwMode="auto">
+          <a:xfrm>
+            <a:off x="6650260" y="3758892"/>
+            <a:ext cx="2189826" cy="2583006"/>
+          </a:xfrm>
+          <a:prstGeom prst="rect">
+            <a:avLst/>
+          </a:prstGeom>
+          <a:solidFill>
+            <a:srgbClr val="FB15E0"/>
+          </a:solidFill>
+          <a:ln w="6350" cap="flat" cmpd="sng" algn="ctr">
+            <a:noFill/>
+            <a:prstDash val="dash"/>
+            <a:round/>
+            <a:headEnd type="none" w="med" len="med"/>
+            <a:tailEnd type="none" w="med" len="med"/>
+          </a:ln>
+          <a:effectLst/>
+        </p:spPr>
+        <p:txBody>
+          <a:bodyPr vert="horz" wrap="none" lIns="91440" tIns="45720" rIns="91440" bIns="45720" numCol="1" rtlCol="0" anchor="ctr" anchorCtr="0" compatLnSpc="1">
+            <a:prstTxWarp prst="textNoShape">
+              <a:avLst/>
+            </a:prstTxWarp>
+          </a:bodyPr>
+          <a:lstStyle/>
+          <a:p>
+            <a:r>
+              <a:rPr lang="en-US" sz="2000" b="1" u="sng" dirty="0" smtClean="0">
+                <a:solidFill>
+                  <a:srgbClr val="F2F2F2"/>
+                </a:solidFill>
+              </a:rPr>
+              <a:t>Conclusion</a:t>
+            </a:r>
+            <a:endParaRPr lang="en-US" sz="2000" b="1" u="sng" dirty="0" smtClean="0">
+              <a:solidFill>
+                <a:srgbClr val="F2F2F2"/>
+              </a:solidFill>
+            </a:endParaRPr>
+          </a:p>
+          <a:p>
+            <a:r>
+              <a:rPr lang="en-US" sz="1600" b="1" dirty="0" smtClean="0">
+                <a:solidFill>
+                  <a:srgbClr val="F2F2F2"/>
+                </a:solidFill>
+              </a:rPr>
+              <a:t/>
+            </a:r>
+            <a:br>
+              <a:rPr lang="en-US" sz="1600" b="1" dirty="0" smtClean="0">
+                <a:solidFill>
+                  <a:srgbClr val="F2F2F2"/>
+                </a:solidFill>
+              </a:rPr>
+            </a:br>
+            <a:r>
+              <a:rPr lang="en-US" b="1" dirty="0" smtClean="0">
+                <a:solidFill>
+                  <a:srgbClr val="F2F2F2"/>
+                </a:solidFill>
+              </a:rPr>
+              <a:t>1 </a:t>
+            </a:r>
+            <a:r>
+              <a:rPr lang="en-US" b="1" dirty="0">
+                <a:solidFill>
+                  <a:srgbClr val="F2F2F2"/>
+                </a:solidFill>
+              </a:rPr>
+              <a:t>Cycle (SIT/UAT)</a:t>
+            </a:r>
+          </a:p>
+          <a:p>
+            <a:r>
+              <a:rPr lang="en-US" b="1" dirty="0">
+                <a:solidFill>
+                  <a:srgbClr val="F2F2F2"/>
+                </a:solidFill>
+              </a:rPr>
+              <a:t>=&gt; </a:t>
+            </a:r>
+            <a:r>
+              <a:rPr lang="en-US" b="1" u="sng" dirty="0">
+                <a:solidFill>
+                  <a:srgbClr val="F2F2F2"/>
+                </a:solidFill>
+              </a:rPr>
+              <a:t>400+</a:t>
+            </a:r>
+            <a:r>
+              <a:rPr lang="en-US" b="1" dirty="0">
+                <a:solidFill>
+                  <a:srgbClr val="F2F2F2"/>
+                </a:solidFill>
+              </a:rPr>
+              <a:t> Flat </a:t>
+            </a:r>
+            <a:r>
+              <a:rPr lang="en-US" b="1" dirty="0" smtClean="0">
+                <a:solidFill>
+                  <a:srgbClr val="F2F2F2"/>
+                </a:solidFill>
+              </a:rPr>
+              <a:t>Files</a:t>
+            </a:r>
+            <a:endParaRPr lang="en-US" b="1" dirty="0">
+              <a:solidFill>
+                <a:srgbClr val="F2F2F2"/>
+              </a:solidFill>
+            </a:endParaRPr>
+          </a:p>
+        </p:txBody>
+      </p:sp>
+      <p:sp>
+        <p:nvSpPr>
+          <p:cNvPr id="4" name="Footer Placeholder 3"/>
           <p:cNvSpPr>
             <a:spLocks noGrp="1"/>
           </p:cNvSpPr>
@@ -34164,6 +35814,10 @@
           <a:lstStyle/>
           <a:p>
             <a:pPr defTabSz="911351"/>
+            <a:r>
+              <a:rPr lang="en-US" smtClean="0"/>
+              <a:t>RESTRICTED</a:t>
+            </a:r>
             <a:endParaRPr lang="en-US" dirty="0"/>
           </a:p>
         </p:txBody>
@@ -34171,7 +35825,7 @@
     </p:spTree>
     <p:extLst>
       <p:ext uri="{BB962C8B-B14F-4D97-AF65-F5344CB8AC3E}">
-        <p14:creationId xmlns:p14="http://schemas.microsoft.com/office/powerpoint/2010/main" val="301149252"/>
+        <p14:creationId xmlns:p14="http://schemas.microsoft.com/office/powerpoint/2010/main" val="164363450"/>
       </p:ext>
     </p:extLst>
   </p:cSld>
@@ -34228,743 +35882,35 @@
               <a:rPr lang="en-US" dirty="0" smtClean="0"/>
             </a:br>
             <a:r>
-              <a:rPr lang="en-US" dirty="0">
+              <a:rPr lang="en-US" sz="1400" dirty="0" smtClean="0">
                 <a:solidFill>
                   <a:schemeClr val="bg1">
                     <a:lumMod val="50000"/>
                   </a:schemeClr>
                 </a:solidFill>
               </a:rPr>
-              <a:t>Why do we need it?</a:t>
-            </a:r>
+              <a:t>How does it work?</a:t>
+            </a:r>
+            <a:endParaRPr lang="en-US" sz="1400" dirty="0">
+              <a:solidFill>
+                <a:schemeClr val="bg1">
+                  <a:lumMod val="50000"/>
+                </a:schemeClr>
+              </a:solidFill>
+            </a:endParaRPr>
           </a:p>
         </p:txBody>
       </p:sp>
-      <p:sp>
-        <p:nvSpPr>
-          <p:cNvPr id="3" name="Footer Placeholder 2"/>
-          <p:cNvSpPr>
-            <a:spLocks noGrp="1"/>
-          </p:cNvSpPr>
-          <p:nvPr>
-            <p:ph type="ftr" sz="quarter" idx="10"/>
-          </p:nvPr>
-        </p:nvSpPr>
-        <p:spPr/>
-        <p:txBody>
-          <a:bodyPr/>
-          <a:lstStyle/>
-          <a:p>
-            <a:pPr defTabSz="911351"/>
-            <a:endParaRPr lang="en-US" dirty="0"/>
-          </a:p>
-        </p:txBody>
-      </p:sp>
-      <p:sp>
-        <p:nvSpPr>
-          <p:cNvPr id="45" name="Rectangle 44"/>
-          <p:cNvSpPr/>
-          <p:nvPr/>
-        </p:nvSpPr>
-        <p:spPr bwMode="auto">
-          <a:xfrm>
-            <a:off x="269960" y="1239548"/>
-            <a:ext cx="1515291" cy="722812"/>
-          </a:xfrm>
-          <a:prstGeom prst="rect">
-            <a:avLst/>
-          </a:prstGeom>
-          <a:solidFill>
-            <a:srgbClr val="00B050"/>
-          </a:solidFill>
-          <a:ln w="6350" cap="flat" cmpd="sng" algn="ctr">
-            <a:noFill/>
-            <a:prstDash val="solid"/>
-            <a:round/>
-            <a:headEnd type="none" w="med" len="med"/>
-            <a:tailEnd type="none" w="med" len="med"/>
-          </a:ln>
-          <a:effectLst/>
-        </p:spPr>
-        <p:txBody>
-          <a:bodyPr vert="horz" wrap="none" lIns="91440" tIns="45720" rIns="91440" bIns="45720" numCol="1" rtlCol="0" anchor="ctr" anchorCtr="0" compatLnSpc="1">
-            <a:prstTxWarp prst="textNoShape">
-              <a:avLst/>
-            </a:prstTxWarp>
-          </a:bodyPr>
-          <a:lstStyle/>
-          <a:p>
-            <a:pPr marL="0" marR="0" indent="0" algn="ctr" defTabSz="858838" rtl="0" eaLnBrk="0" fontAlgn="base" latinLnBrk="0" hangingPunct="0">
-              <a:lnSpc>
-                <a:spcPct val="100000"/>
-              </a:lnSpc>
-              <a:spcBef>
-                <a:spcPct val="50000"/>
-              </a:spcBef>
-              <a:spcAft>
-                <a:spcPct val="0"/>
-              </a:spcAft>
-              <a:buClrTx/>
-              <a:buSzTx/>
-              <a:buFontTx/>
-              <a:buNone/>
-              <a:tabLst/>
-            </a:pPr>
-            <a:r>
-              <a:rPr kumimoji="0" lang="en-US" u="none" strike="noStrike" cap="none" normalizeH="0" baseline="0" dirty="0" smtClean="0">
-                <a:ln>
-                  <a:noFill/>
-                </a:ln>
-                <a:solidFill>
-                  <a:schemeClr val="bg1"/>
-                </a:solidFill>
-                <a:effectLst/>
-                <a:latin typeface="Arial" charset="0"/>
-              </a:rPr>
-              <a:t>MARS</a:t>
-            </a:r>
-            <a:endParaRPr kumimoji="0" lang="en-US" u="none" strike="noStrike" cap="none" normalizeH="0" baseline="0" dirty="0" smtClean="0">
-              <a:ln>
-                <a:noFill/>
-              </a:ln>
-              <a:solidFill>
-                <a:schemeClr val="bg1"/>
-              </a:solidFill>
-              <a:effectLst/>
-              <a:latin typeface="Arial" charset="0"/>
-            </a:endParaRPr>
-          </a:p>
-        </p:txBody>
-      </p:sp>
-      <p:sp>
-        <p:nvSpPr>
-          <p:cNvPr id="46" name="Rectangle 45"/>
-          <p:cNvSpPr/>
-          <p:nvPr/>
-        </p:nvSpPr>
-        <p:spPr bwMode="auto">
-          <a:xfrm>
-            <a:off x="2596755" y="1247937"/>
-            <a:ext cx="1515291" cy="722812"/>
-          </a:xfrm>
-          <a:prstGeom prst="rect">
-            <a:avLst/>
-          </a:prstGeom>
-          <a:solidFill>
-            <a:srgbClr val="0070C0"/>
-          </a:solidFill>
-          <a:ln w="6350" cap="flat" cmpd="sng" algn="ctr">
-            <a:noFill/>
-            <a:prstDash val="solid"/>
-            <a:round/>
-            <a:headEnd type="none" w="med" len="med"/>
-            <a:tailEnd type="none" w="med" len="med"/>
-          </a:ln>
-          <a:effectLst/>
-        </p:spPr>
-        <p:txBody>
-          <a:bodyPr vert="horz" wrap="none" lIns="91440" tIns="45720" rIns="91440" bIns="45720" numCol="1" rtlCol="0" anchor="ctr" anchorCtr="0" compatLnSpc="1">
-            <a:prstTxWarp prst="textNoShape">
-              <a:avLst/>
-            </a:prstTxWarp>
-          </a:bodyPr>
-          <a:lstStyle/>
-          <a:p>
-            <a:pPr marL="0" marR="0" indent="0" algn="ctr" defTabSz="858838" rtl="0" eaLnBrk="0" fontAlgn="base" latinLnBrk="0" hangingPunct="0">
-              <a:lnSpc>
-                <a:spcPct val="100000"/>
-              </a:lnSpc>
-              <a:spcBef>
-                <a:spcPct val="50000"/>
-              </a:spcBef>
-              <a:spcAft>
-                <a:spcPct val="0"/>
-              </a:spcAft>
-              <a:buClrTx/>
-              <a:buSzTx/>
-              <a:buFontTx/>
-              <a:buNone/>
-              <a:tabLst/>
-            </a:pPr>
-            <a:r>
-              <a:rPr kumimoji="0" lang="en-US" u="none" strike="noStrike" cap="none" normalizeH="0" baseline="0" dirty="0" smtClean="0">
-                <a:ln>
-                  <a:noFill/>
-                </a:ln>
-                <a:solidFill>
-                  <a:schemeClr val="bg1"/>
-                </a:solidFill>
-                <a:effectLst/>
-                <a:latin typeface="Arial" charset="0"/>
-              </a:rPr>
-              <a:t>SPEAR</a:t>
-            </a:r>
-            <a:endParaRPr kumimoji="0" lang="en-US" u="none" strike="noStrike" cap="none" normalizeH="0" baseline="0" dirty="0" smtClean="0">
-              <a:ln>
-                <a:noFill/>
-              </a:ln>
-              <a:solidFill>
-                <a:schemeClr val="bg1"/>
-              </a:solidFill>
-              <a:effectLst/>
-              <a:latin typeface="Arial" charset="0"/>
-            </a:endParaRPr>
-          </a:p>
-        </p:txBody>
-      </p:sp>
-      <p:sp>
-        <p:nvSpPr>
-          <p:cNvPr id="47" name="Rectangle 46"/>
-          <p:cNvSpPr/>
-          <p:nvPr/>
-        </p:nvSpPr>
-        <p:spPr bwMode="auto">
-          <a:xfrm>
-            <a:off x="203380" y="3709854"/>
-            <a:ext cx="1381574" cy="539931"/>
-          </a:xfrm>
-          <a:prstGeom prst="rect">
-            <a:avLst/>
-          </a:prstGeom>
-          <a:solidFill>
-            <a:srgbClr val="84CAC6"/>
-          </a:solidFill>
-          <a:ln w="6350" cap="flat" cmpd="sng" algn="ctr">
-            <a:noFill/>
-            <a:prstDash val="solid"/>
-            <a:round/>
-            <a:headEnd type="none" w="med" len="med"/>
-            <a:tailEnd type="none" w="med" len="med"/>
-          </a:ln>
-          <a:effectLst/>
-        </p:spPr>
-        <p:txBody>
-          <a:bodyPr vert="horz" wrap="none" lIns="91440" tIns="45720" rIns="91440" bIns="45720" numCol="1" rtlCol="0" anchor="ctr" anchorCtr="0" compatLnSpc="1">
-            <a:prstTxWarp prst="textNoShape">
-              <a:avLst/>
-            </a:prstTxWarp>
-          </a:bodyPr>
-          <a:lstStyle/>
-          <a:p>
-            <a:pPr marL="0" marR="0" indent="0" algn="ctr" defTabSz="858838" rtl="0" eaLnBrk="0" fontAlgn="base" latinLnBrk="0" hangingPunct="0">
-              <a:lnSpc>
-                <a:spcPct val="100000"/>
-              </a:lnSpc>
-              <a:spcBef>
-                <a:spcPct val="50000"/>
-              </a:spcBef>
-              <a:spcAft>
-                <a:spcPct val="0"/>
-              </a:spcAft>
-              <a:buClrTx/>
-              <a:buSzTx/>
-              <a:buFontTx/>
-              <a:buNone/>
-              <a:tabLst/>
-            </a:pPr>
-            <a:r>
-              <a:rPr kumimoji="0" lang="en-US" u="none" strike="noStrike" cap="none" normalizeH="0" baseline="0" smtClean="0">
-                <a:ln>
-                  <a:noFill/>
-                </a:ln>
-                <a:solidFill>
-                  <a:schemeClr val="bg1"/>
-                </a:solidFill>
-                <a:effectLst/>
-                <a:latin typeface="Arial" charset="0"/>
-              </a:rPr>
-              <a:t>7 Locations</a:t>
-            </a:r>
-            <a:endParaRPr kumimoji="0" lang="en-US" u="none" strike="noStrike" cap="none" normalizeH="0" baseline="0" dirty="0" smtClean="0">
-              <a:ln>
-                <a:noFill/>
-              </a:ln>
-              <a:solidFill>
-                <a:schemeClr val="bg1"/>
-              </a:solidFill>
-              <a:effectLst/>
-              <a:latin typeface="Arial" charset="0"/>
-            </a:endParaRPr>
-          </a:p>
-        </p:txBody>
-      </p:sp>
-      <p:cxnSp>
-        <p:nvCxnSpPr>
-          <p:cNvPr id="49" name="Straight Connector 48"/>
-          <p:cNvCxnSpPr/>
-          <p:nvPr/>
-        </p:nvCxnSpPr>
-        <p:spPr bwMode="auto">
-          <a:xfrm flipV="1">
-            <a:off x="1672039" y="3105520"/>
-            <a:ext cx="1288869" cy="566058"/>
-          </a:xfrm>
-          <a:prstGeom prst="line">
-            <a:avLst/>
-          </a:prstGeom>
-          <a:solidFill>
-            <a:schemeClr val="accent1"/>
-          </a:solidFill>
-          <a:ln w="6350" cap="flat" cmpd="sng" algn="ctr">
-            <a:solidFill>
-              <a:schemeClr val="tx1"/>
-            </a:solidFill>
-            <a:prstDash val="solid"/>
-            <a:round/>
-            <a:headEnd type="none" w="med" len="med"/>
-            <a:tailEnd type="none" w="med" len="med"/>
-          </a:ln>
-          <a:effectLst/>
-        </p:spPr>
-      </p:cxnSp>
-      <p:cxnSp>
-        <p:nvCxnSpPr>
-          <p:cNvPr id="52" name="Straight Connector 51"/>
-          <p:cNvCxnSpPr/>
-          <p:nvPr/>
-        </p:nvCxnSpPr>
-        <p:spPr bwMode="auto">
-          <a:xfrm>
-            <a:off x="1715584" y="4000447"/>
-            <a:ext cx="1245325" cy="0"/>
-          </a:xfrm>
-          <a:prstGeom prst="line">
-            <a:avLst/>
-          </a:prstGeom>
-          <a:solidFill>
-            <a:schemeClr val="accent1"/>
-          </a:solidFill>
-          <a:ln w="6350" cap="flat" cmpd="sng" algn="ctr">
-            <a:solidFill>
-              <a:schemeClr val="tx1"/>
-            </a:solidFill>
-            <a:prstDash val="solid"/>
-            <a:round/>
-            <a:headEnd type="none" w="med" len="med"/>
-            <a:tailEnd type="none" w="med" len="med"/>
-          </a:ln>
-          <a:effectLst/>
-        </p:spPr>
-      </p:cxnSp>
-      <p:cxnSp>
-        <p:nvCxnSpPr>
-          <p:cNvPr id="54" name="Straight Connector 53"/>
-          <p:cNvCxnSpPr/>
-          <p:nvPr/>
-        </p:nvCxnSpPr>
-        <p:spPr bwMode="auto">
-          <a:xfrm>
-            <a:off x="1672039" y="4287831"/>
-            <a:ext cx="1262743" cy="627017"/>
-          </a:xfrm>
-          <a:prstGeom prst="line">
-            <a:avLst/>
-          </a:prstGeom>
-          <a:solidFill>
-            <a:schemeClr val="accent1"/>
-          </a:solidFill>
-          <a:ln w="6350" cap="flat" cmpd="sng" algn="ctr">
-            <a:solidFill>
-              <a:schemeClr val="tx1"/>
-            </a:solidFill>
-            <a:prstDash val="solid"/>
-            <a:round/>
-            <a:headEnd type="none" w="med" len="med"/>
-            <a:tailEnd type="none" w="med" len="med"/>
-          </a:ln>
-          <a:effectLst/>
-        </p:spPr>
-      </p:cxnSp>
-      <p:sp>
-        <p:nvSpPr>
-          <p:cNvPr id="57" name="Oval 56"/>
-          <p:cNvSpPr/>
-          <p:nvPr/>
-        </p:nvSpPr>
-        <p:spPr bwMode="auto">
-          <a:xfrm>
-            <a:off x="3313604" y="2482858"/>
-            <a:ext cx="1454332" cy="801188"/>
-          </a:xfrm>
-          <a:prstGeom prst="ellipse">
-            <a:avLst/>
-          </a:prstGeom>
-          <a:noFill/>
-          <a:ln w="28575" cap="flat" cmpd="sng" algn="ctr">
-            <a:solidFill>
-              <a:srgbClr val="FF0000"/>
-            </a:solidFill>
-            <a:prstDash val="solid"/>
-            <a:round/>
-            <a:headEnd type="none" w="med" len="med"/>
-            <a:tailEnd type="none" w="med" len="med"/>
-          </a:ln>
-          <a:effectLst/>
-        </p:spPr>
-        <p:txBody>
-          <a:bodyPr vert="horz" wrap="none" lIns="91440" tIns="45720" rIns="91440" bIns="45720" numCol="1" rtlCol="0" anchor="ctr" anchorCtr="0" compatLnSpc="1">
-            <a:prstTxWarp prst="textNoShape">
-              <a:avLst/>
-            </a:prstTxWarp>
-          </a:bodyPr>
-          <a:lstStyle/>
-          <a:p>
-            <a:pPr marL="0" marR="0" indent="0" algn="ctr" defTabSz="858838" rtl="0" eaLnBrk="0" fontAlgn="base" latinLnBrk="0" hangingPunct="0">
-              <a:lnSpc>
-                <a:spcPct val="100000"/>
-              </a:lnSpc>
-              <a:spcBef>
-                <a:spcPct val="50000"/>
-              </a:spcBef>
-              <a:spcAft>
-                <a:spcPct val="0"/>
-              </a:spcAft>
-              <a:buClrTx/>
-              <a:buSzTx/>
-              <a:buFontTx/>
-              <a:buNone/>
-              <a:tabLst/>
-            </a:pPr>
-            <a:r>
-              <a:rPr kumimoji="0" lang="en-US" sz="1400" u="none" strike="noStrike" cap="none" normalizeH="0" baseline="0" dirty="0" smtClean="0">
-                <a:ln>
-                  <a:noFill/>
-                </a:ln>
-                <a:effectLst/>
-                <a:latin typeface="Arial" charset="0"/>
-              </a:rPr>
-              <a:t>Bond Forward</a:t>
-            </a:r>
-            <a:endParaRPr kumimoji="0" lang="en-US" sz="1400" u="none" strike="noStrike" cap="none" normalizeH="0" baseline="0" dirty="0" smtClean="0">
-              <a:ln>
-                <a:noFill/>
-              </a:ln>
-              <a:effectLst/>
-              <a:latin typeface="Arial" charset="0"/>
-            </a:endParaRPr>
-          </a:p>
-        </p:txBody>
-      </p:sp>
-      <p:sp>
-        <p:nvSpPr>
-          <p:cNvPr id="59" name="Oval 58"/>
-          <p:cNvSpPr/>
-          <p:nvPr/>
-        </p:nvSpPr>
-        <p:spPr bwMode="auto">
-          <a:xfrm>
-            <a:off x="3339731" y="3660571"/>
-            <a:ext cx="1454332" cy="801188"/>
-          </a:xfrm>
-          <a:prstGeom prst="ellipse">
-            <a:avLst/>
-          </a:prstGeom>
-          <a:noFill/>
-          <a:ln w="28575" cap="flat" cmpd="sng" algn="ctr">
-            <a:solidFill>
-              <a:srgbClr val="7030A0"/>
-            </a:solidFill>
-            <a:prstDash val="solid"/>
-            <a:round/>
-            <a:headEnd type="none" w="med" len="med"/>
-            <a:tailEnd type="none" w="med" len="med"/>
-          </a:ln>
-          <a:effectLst/>
-        </p:spPr>
-        <p:txBody>
-          <a:bodyPr vert="horz" wrap="none" lIns="91440" tIns="45720" rIns="91440" bIns="45720" numCol="1" rtlCol="0" anchor="ctr" anchorCtr="0" compatLnSpc="1">
-            <a:prstTxWarp prst="textNoShape">
-              <a:avLst/>
-            </a:prstTxWarp>
-          </a:bodyPr>
-          <a:lstStyle/>
-          <a:p>
-            <a:pPr marL="0" marR="0" indent="0" algn="ctr" defTabSz="858838" rtl="0" eaLnBrk="0" fontAlgn="base" latinLnBrk="0" hangingPunct="0">
-              <a:lnSpc>
-                <a:spcPct val="100000"/>
-              </a:lnSpc>
-              <a:spcBef>
-                <a:spcPct val="50000"/>
-              </a:spcBef>
-              <a:spcAft>
-                <a:spcPct val="0"/>
-              </a:spcAft>
-              <a:buClrTx/>
-              <a:buSzTx/>
-              <a:buFontTx/>
-              <a:buNone/>
-              <a:tabLst/>
-            </a:pPr>
-            <a:r>
-              <a:rPr kumimoji="0" lang="en-US" sz="1400" u="none" strike="noStrike" cap="none" normalizeH="0" baseline="0" dirty="0" smtClean="0">
-                <a:ln>
-                  <a:noFill/>
-                </a:ln>
-                <a:effectLst/>
-                <a:latin typeface="Arial" charset="0"/>
-              </a:rPr>
-              <a:t>Bond</a:t>
-            </a:r>
-            <a:endParaRPr kumimoji="0" lang="en-US" sz="1400" u="none" strike="noStrike" cap="none" normalizeH="0" baseline="0" dirty="0" smtClean="0">
-              <a:ln>
-                <a:noFill/>
-              </a:ln>
-              <a:effectLst/>
-              <a:latin typeface="Arial" charset="0"/>
-            </a:endParaRPr>
-          </a:p>
-        </p:txBody>
-      </p:sp>
-      <p:sp>
-        <p:nvSpPr>
-          <p:cNvPr id="60" name="Oval 59"/>
-          <p:cNvSpPr/>
-          <p:nvPr/>
-        </p:nvSpPr>
-        <p:spPr bwMode="auto">
-          <a:xfrm>
-            <a:off x="3339731" y="4838284"/>
-            <a:ext cx="1454332" cy="801188"/>
-          </a:xfrm>
-          <a:prstGeom prst="ellipse">
-            <a:avLst/>
-          </a:prstGeom>
-          <a:noFill/>
-          <a:ln w="28575" cap="flat" cmpd="sng" algn="ctr">
-            <a:solidFill>
-              <a:srgbClr val="7030A0"/>
-            </a:solidFill>
-            <a:prstDash val="solid"/>
-            <a:round/>
-            <a:headEnd type="none" w="med" len="med"/>
-            <a:tailEnd type="none" w="med" len="med"/>
-          </a:ln>
-          <a:effectLst/>
-        </p:spPr>
-        <p:txBody>
-          <a:bodyPr vert="horz" wrap="none" lIns="91440" tIns="45720" rIns="91440" bIns="45720" numCol="1" rtlCol="0" anchor="ctr" anchorCtr="0" compatLnSpc="1">
-            <a:prstTxWarp prst="textNoShape">
-              <a:avLst/>
-            </a:prstTxWarp>
-          </a:bodyPr>
-          <a:lstStyle/>
-          <a:p>
-            <a:pPr marL="0" marR="0" indent="0" algn="ctr" defTabSz="858838" rtl="0" eaLnBrk="0" fontAlgn="base" latinLnBrk="0" hangingPunct="0">
-              <a:lnSpc>
-                <a:spcPct val="100000"/>
-              </a:lnSpc>
-              <a:spcBef>
-                <a:spcPct val="50000"/>
-              </a:spcBef>
-              <a:spcAft>
-                <a:spcPct val="0"/>
-              </a:spcAft>
-              <a:buClrTx/>
-              <a:buSzTx/>
-              <a:buFontTx/>
-              <a:buNone/>
-              <a:tabLst/>
-            </a:pPr>
-            <a:r>
-              <a:rPr lang="en-US" sz="1400" dirty="0" smtClean="0">
-                <a:latin typeface="Arial" charset="0"/>
-              </a:rPr>
-              <a:t>Bond Future</a:t>
-            </a:r>
-            <a:endParaRPr kumimoji="0" lang="en-US" sz="1400" u="none" strike="noStrike" cap="none" normalizeH="0" baseline="0" dirty="0" smtClean="0">
-              <a:ln>
-                <a:noFill/>
-              </a:ln>
-              <a:solidFill>
-                <a:schemeClr val="tx1"/>
-              </a:solidFill>
-              <a:effectLst/>
-              <a:latin typeface="Arial" charset="0"/>
-            </a:endParaRPr>
-          </a:p>
-        </p:txBody>
-      </p:sp>
-      <p:sp>
-        <p:nvSpPr>
-          <p:cNvPr id="61" name="TextBox 60"/>
-          <p:cNvSpPr txBox="1"/>
-          <p:nvPr/>
-        </p:nvSpPr>
-        <p:spPr>
-          <a:xfrm>
-            <a:off x="3539886" y="2054632"/>
-            <a:ext cx="966931" cy="369332"/>
-          </a:xfrm>
-          <a:prstGeom prst="rect">
-            <a:avLst/>
-          </a:prstGeom>
-          <a:noFill/>
-        </p:spPr>
-        <p:txBody>
-          <a:bodyPr wrap="none" rtlCol="0">
-            <a:spAutoFit/>
-          </a:bodyPr>
-          <a:lstStyle/>
-          <a:p>
-            <a:r>
-              <a:rPr lang="en-US" dirty="0">
-                <a:solidFill>
-                  <a:schemeClr val="tx2"/>
-                </a:solidFill>
-              </a:rPr>
-              <a:t>S</a:t>
-            </a:r>
-            <a:r>
-              <a:rPr lang="en-US" dirty="0" smtClean="0">
-                <a:solidFill>
-                  <a:schemeClr val="tx2"/>
-                </a:solidFill>
-              </a:rPr>
-              <a:t>ummit</a:t>
-            </a:r>
-            <a:endParaRPr lang="en-US" dirty="0">
-              <a:solidFill>
-                <a:schemeClr val="tx2"/>
-              </a:solidFill>
-            </a:endParaRPr>
-          </a:p>
-        </p:txBody>
-      </p:sp>
-      <p:sp>
-        <p:nvSpPr>
-          <p:cNvPr id="62" name="TextBox 61"/>
-          <p:cNvSpPr txBox="1"/>
-          <p:nvPr/>
-        </p:nvSpPr>
-        <p:spPr>
-          <a:xfrm>
-            <a:off x="2483543" y="4416435"/>
-            <a:ext cx="1078116" cy="369332"/>
-          </a:xfrm>
-          <a:prstGeom prst="rect">
-            <a:avLst/>
-          </a:prstGeom>
-          <a:noFill/>
-        </p:spPr>
-        <p:txBody>
-          <a:bodyPr wrap="none" rtlCol="0">
-            <a:spAutoFit/>
-          </a:bodyPr>
-          <a:lstStyle/>
-          <a:p>
-            <a:r>
-              <a:rPr lang="en-US" dirty="0" smtClean="0">
-                <a:solidFill>
-                  <a:srgbClr val="7030A0"/>
-                </a:solidFill>
-              </a:rPr>
-              <a:t>TREATS</a:t>
-            </a:r>
-            <a:endParaRPr lang="en-US" dirty="0">
-              <a:solidFill>
-                <a:srgbClr val="7030A0"/>
-              </a:solidFill>
-            </a:endParaRPr>
-          </a:p>
-        </p:txBody>
-      </p:sp>
-      <p:cxnSp>
-        <p:nvCxnSpPr>
-          <p:cNvPr id="68" name="Straight Connector 67"/>
-          <p:cNvCxnSpPr/>
-          <p:nvPr/>
-        </p:nvCxnSpPr>
-        <p:spPr bwMode="auto">
-          <a:xfrm flipV="1">
-            <a:off x="5024840" y="2345819"/>
-            <a:ext cx="1227908" cy="348343"/>
-          </a:xfrm>
-          <a:prstGeom prst="line">
-            <a:avLst/>
-          </a:prstGeom>
-          <a:solidFill>
-            <a:schemeClr val="accent1"/>
-          </a:solidFill>
-          <a:ln w="6350" cap="flat" cmpd="sng" algn="ctr">
-            <a:solidFill>
-              <a:schemeClr val="tx1"/>
-            </a:solidFill>
-            <a:prstDash val="solid"/>
-            <a:round/>
-            <a:headEnd type="none" w="med" len="med"/>
-            <a:tailEnd type="none" w="med" len="med"/>
-          </a:ln>
-          <a:effectLst/>
-        </p:spPr>
-      </p:cxnSp>
-      <p:cxnSp>
-        <p:nvCxnSpPr>
-          <p:cNvPr id="70" name="Straight Connector 69"/>
-          <p:cNvCxnSpPr/>
-          <p:nvPr/>
-        </p:nvCxnSpPr>
-        <p:spPr bwMode="auto">
-          <a:xfrm>
-            <a:off x="5007423" y="2883452"/>
-            <a:ext cx="1335871" cy="0"/>
-          </a:xfrm>
-          <a:prstGeom prst="line">
-            <a:avLst/>
-          </a:prstGeom>
-          <a:solidFill>
-            <a:schemeClr val="accent1"/>
-          </a:solidFill>
-          <a:ln w="6350" cap="flat" cmpd="sng" algn="ctr">
-            <a:solidFill>
-              <a:schemeClr val="tx1"/>
-            </a:solidFill>
-            <a:prstDash val="solid"/>
-            <a:round/>
-            <a:headEnd type="none" w="med" len="med"/>
-            <a:tailEnd type="none" w="med" len="med"/>
-          </a:ln>
-          <a:effectLst/>
-        </p:spPr>
-      </p:cxnSp>
-      <p:cxnSp>
-        <p:nvCxnSpPr>
-          <p:cNvPr id="72" name="Straight Connector 71"/>
-          <p:cNvCxnSpPr/>
-          <p:nvPr/>
-        </p:nvCxnSpPr>
-        <p:spPr bwMode="auto">
-          <a:xfrm>
-            <a:off x="5024840" y="3105520"/>
-            <a:ext cx="1227908" cy="283029"/>
-          </a:xfrm>
-          <a:prstGeom prst="line">
-            <a:avLst/>
-          </a:prstGeom>
-          <a:solidFill>
-            <a:schemeClr val="accent1"/>
-          </a:solidFill>
-          <a:ln w="6350" cap="flat" cmpd="sng" algn="ctr">
-            <a:solidFill>
-              <a:schemeClr val="tx1"/>
-            </a:solidFill>
-            <a:prstDash val="solid"/>
-            <a:round/>
-            <a:headEnd type="none" w="med" len="med"/>
-            <a:tailEnd type="none" w="med" len="med"/>
-          </a:ln>
-          <a:effectLst/>
-        </p:spPr>
-      </p:cxnSp>
       <p:pic>
         <p:nvPicPr>
-          <p:cNvPr id="73" name="Picture 72"/>
+          <p:cNvPr id="5" name="Picture 4"/>
           <p:cNvPicPr>
             <a:picLocks noChangeAspect="1"/>
           </p:cNvPicPr>
           <p:nvPr/>
         </p:nvPicPr>
         <p:blipFill>
-          <a:blip r:embed="rId2">
+          <a:blip r:embed="rId2" cstate="print">
             <a:extLst>
               <a:ext uri="{28A0092B-C50C-407E-A947-70E740481C1C}">
                 <a14:useLocalDpi xmlns:a14="http://schemas.microsoft.com/office/drawing/2010/main" val="0"/>
@@ -34977,8 +35923,8 @@
         </p:blipFill>
         <p:spPr>
           <a:xfrm>
-            <a:off x="6614159" y="1904221"/>
-            <a:ext cx="589638" cy="589638"/>
+            <a:off x="508185" y="1480454"/>
+            <a:ext cx="1873431" cy="1873431"/>
           </a:xfrm>
           <a:prstGeom prst="rect">
             <a:avLst/>
@@ -34987,14 +35933,14 @@
       </p:pic>
       <p:pic>
         <p:nvPicPr>
-          <p:cNvPr id="74" name="Picture 73"/>
+          <p:cNvPr id="6" name="Picture 5"/>
           <p:cNvPicPr>
             <a:picLocks noChangeAspect="1"/>
           </p:cNvPicPr>
           <p:nvPr/>
         </p:nvPicPr>
         <p:blipFill>
-          <a:blip r:embed="rId2">
+          <a:blip r:embed="rId3" cstate="print">
             <a:extLst>
               <a:ext uri="{28A0092B-C50C-407E-A947-70E740481C1C}">
                 <a14:useLocalDpi xmlns:a14="http://schemas.microsoft.com/office/drawing/2010/main" val="0"/>
@@ -35007,236 +35953,30 @@
         </p:blipFill>
         <p:spPr>
           <a:xfrm>
-            <a:off x="6650260" y="2553618"/>
-            <a:ext cx="589638" cy="589638"/>
+            <a:off x="6587140" y="1750422"/>
+            <a:ext cx="1385750" cy="1385750"/>
           </a:xfrm>
           <a:prstGeom prst="rect">
             <a:avLst/>
           </a:prstGeom>
         </p:spPr>
       </p:pic>
-      <p:pic>
-        <p:nvPicPr>
-          <p:cNvPr id="75" name="Picture 74"/>
-          <p:cNvPicPr>
-            <a:picLocks noChangeAspect="1"/>
-          </p:cNvPicPr>
-          <p:nvPr/>
-        </p:nvPicPr>
-        <p:blipFill>
-          <a:blip r:embed="rId2">
-            <a:extLst>
-              <a:ext uri="{28A0092B-C50C-407E-A947-70E740481C1C}">
-                <a14:useLocalDpi xmlns:a14="http://schemas.microsoft.com/office/drawing/2010/main" val="0"/>
-              </a:ext>
-            </a:extLst>
-          </a:blip>
-          <a:stretch>
-            <a:fillRect/>
-          </a:stretch>
-        </p:blipFill>
-        <p:spPr>
-          <a:xfrm>
-            <a:off x="6857995" y="3051217"/>
-            <a:ext cx="589638" cy="589638"/>
-          </a:xfrm>
-          <a:prstGeom prst="rect">
-            <a:avLst/>
-          </a:prstGeom>
-        </p:spPr>
-      </p:pic>
-      <p:cxnSp>
-        <p:nvCxnSpPr>
-          <p:cNvPr id="87" name="Straight Connector 86"/>
-          <p:cNvCxnSpPr/>
-          <p:nvPr/>
-        </p:nvCxnSpPr>
-        <p:spPr bwMode="auto">
-          <a:xfrm flipV="1">
-            <a:off x="5001798" y="3591257"/>
-            <a:ext cx="1318454" cy="247877"/>
-          </a:xfrm>
-          <a:prstGeom prst="line">
-            <a:avLst/>
-          </a:prstGeom>
-          <a:solidFill>
-            <a:schemeClr val="accent1"/>
-          </a:solidFill>
-          <a:ln w="6350" cap="flat" cmpd="sng" algn="ctr">
-            <a:solidFill>
-              <a:schemeClr val="tx1"/>
-            </a:solidFill>
-            <a:prstDash val="solid"/>
-            <a:round/>
-            <a:headEnd type="none" w="med" len="med"/>
-            <a:tailEnd type="none" w="med" len="med"/>
-          </a:ln>
-          <a:effectLst/>
-        </p:spPr>
-      </p:cxnSp>
-      <p:cxnSp>
-        <p:nvCxnSpPr>
-          <p:cNvPr id="89" name="Straight Connector 88"/>
-          <p:cNvCxnSpPr/>
-          <p:nvPr/>
-        </p:nvCxnSpPr>
-        <p:spPr bwMode="auto">
-          <a:xfrm>
-            <a:off x="5016131" y="4063221"/>
-            <a:ext cx="1335871" cy="0"/>
-          </a:xfrm>
-          <a:prstGeom prst="line">
-            <a:avLst/>
-          </a:prstGeom>
-          <a:solidFill>
-            <a:schemeClr val="accent1"/>
-          </a:solidFill>
-          <a:ln w="6350" cap="flat" cmpd="sng" algn="ctr">
-            <a:solidFill>
-              <a:schemeClr val="tx1"/>
-            </a:solidFill>
-            <a:prstDash val="solid"/>
-            <a:round/>
-            <a:headEnd type="none" w="med" len="med"/>
-            <a:tailEnd type="none" w="med" len="med"/>
-          </a:ln>
-          <a:effectLst/>
-        </p:spPr>
-      </p:cxnSp>
-      <p:cxnSp>
-        <p:nvCxnSpPr>
-          <p:cNvPr id="90" name="Straight Connector 89"/>
-          <p:cNvCxnSpPr/>
-          <p:nvPr/>
-        </p:nvCxnSpPr>
-        <p:spPr bwMode="auto">
-          <a:xfrm>
-            <a:off x="5014524" y="4274921"/>
-            <a:ext cx="1227908" cy="283029"/>
-          </a:xfrm>
-          <a:prstGeom prst="line">
-            <a:avLst/>
-          </a:prstGeom>
-          <a:solidFill>
-            <a:schemeClr val="accent1"/>
-          </a:solidFill>
-          <a:ln w="6350" cap="flat" cmpd="sng" algn="ctr">
-            <a:solidFill>
-              <a:schemeClr val="tx1"/>
-            </a:solidFill>
-            <a:prstDash val="solid"/>
-            <a:round/>
-            <a:headEnd type="none" w="med" len="med"/>
-            <a:tailEnd type="none" w="med" len="med"/>
-          </a:ln>
-          <a:effectLst/>
-        </p:spPr>
-      </p:cxnSp>
-      <p:cxnSp>
-        <p:nvCxnSpPr>
-          <p:cNvPr id="91" name="Straight Connector 90"/>
-          <p:cNvCxnSpPr/>
-          <p:nvPr/>
-        </p:nvCxnSpPr>
-        <p:spPr bwMode="auto">
-          <a:xfrm flipV="1">
-            <a:off x="5014524" y="4737108"/>
-            <a:ext cx="1318454" cy="247877"/>
-          </a:xfrm>
-          <a:prstGeom prst="line">
-            <a:avLst/>
-          </a:prstGeom>
-          <a:solidFill>
-            <a:schemeClr val="accent1"/>
-          </a:solidFill>
-          <a:ln w="6350" cap="flat" cmpd="sng" algn="ctr">
-            <a:solidFill>
-              <a:schemeClr val="tx1"/>
-            </a:solidFill>
-            <a:prstDash val="solid"/>
-            <a:round/>
-            <a:headEnd type="none" w="med" len="med"/>
-            <a:tailEnd type="none" w="med" len="med"/>
-          </a:ln>
-          <a:effectLst/>
-        </p:spPr>
-      </p:cxnSp>
-      <p:cxnSp>
-        <p:nvCxnSpPr>
-          <p:cNvPr id="92" name="Straight Connector 91"/>
-          <p:cNvCxnSpPr/>
-          <p:nvPr/>
-        </p:nvCxnSpPr>
-        <p:spPr bwMode="auto">
-          <a:xfrm>
-            <a:off x="5016131" y="5238878"/>
-            <a:ext cx="1335871" cy="0"/>
-          </a:xfrm>
-          <a:prstGeom prst="line">
-            <a:avLst/>
-          </a:prstGeom>
-          <a:solidFill>
-            <a:schemeClr val="accent1"/>
-          </a:solidFill>
-          <a:ln w="6350" cap="flat" cmpd="sng" algn="ctr">
-            <a:solidFill>
-              <a:schemeClr val="tx1"/>
-            </a:solidFill>
-            <a:prstDash val="solid"/>
-            <a:round/>
-            <a:headEnd type="none" w="med" len="med"/>
-            <a:tailEnd type="none" w="med" len="med"/>
-          </a:ln>
-          <a:effectLst/>
-        </p:spPr>
-      </p:cxnSp>
-      <p:cxnSp>
-        <p:nvCxnSpPr>
-          <p:cNvPr id="93" name="Straight Connector 92"/>
-          <p:cNvCxnSpPr/>
-          <p:nvPr/>
-        </p:nvCxnSpPr>
-        <p:spPr bwMode="auto">
-          <a:xfrm>
-            <a:off x="5014524" y="5479040"/>
-            <a:ext cx="1227908" cy="283029"/>
-          </a:xfrm>
-          <a:prstGeom prst="line">
-            <a:avLst/>
-          </a:prstGeom>
-          <a:solidFill>
-            <a:schemeClr val="accent1"/>
-          </a:solidFill>
-          <a:ln w="6350" cap="flat" cmpd="sng" algn="ctr">
-            <a:solidFill>
-              <a:schemeClr val="tx1"/>
-            </a:solidFill>
-            <a:prstDash val="solid"/>
-            <a:round/>
-            <a:headEnd type="none" w="med" len="med"/>
-            <a:tailEnd type="none" w="med" len="med"/>
-          </a:ln>
-          <a:effectLst/>
-        </p:spPr>
-      </p:cxnSp>
       <p:sp>
         <p:nvSpPr>
-          <p:cNvPr id="94" name="Cross 93"/>
+          <p:cNvPr id="7" name="Right Arrow 6"/>
           <p:cNvSpPr/>
           <p:nvPr/>
         </p:nvSpPr>
         <p:spPr bwMode="auto">
           <a:xfrm>
-            <a:off x="1958051" y="1352426"/>
-            <a:ext cx="465904" cy="480280"/>
-          </a:xfrm>
-          <a:prstGeom prst="plus">
-            <a:avLst>
-              <a:gd name="adj" fmla="val 38084"/>
-            </a:avLst>
+            <a:off x="2751371" y="2199457"/>
+            <a:ext cx="3413760" cy="487680"/>
+          </a:xfrm>
+          <a:prstGeom prst="rightArrow">
+            <a:avLst/>
           </a:prstGeom>
           <a:solidFill>
-            <a:srgbClr val="FFC000"/>
+            <a:srgbClr val="92D050"/>
           </a:solidFill>
           <a:ln w="6350" cap="flat" cmpd="sng" algn="ctr">
             <a:noFill/>
@@ -35284,21 +36024,177 @@
           </a:p>
         </p:txBody>
       </p:sp>
+      <p:pic>
+        <p:nvPicPr>
+          <p:cNvPr id="8" name="Picture 7"/>
+          <p:cNvPicPr>
+            <a:picLocks noChangeAspect="1"/>
+          </p:cNvPicPr>
+          <p:nvPr/>
+        </p:nvPicPr>
+        <p:blipFill>
+          <a:blip r:embed="rId4" cstate="print">
+            <a:extLst>
+              <a:ext uri="{28A0092B-C50C-407E-A947-70E740481C1C}">
+                <a14:useLocalDpi xmlns:a14="http://schemas.microsoft.com/office/drawing/2010/main" val="0"/>
+              </a:ext>
+            </a:extLst>
+          </a:blip>
+          <a:stretch>
+            <a:fillRect/>
+          </a:stretch>
+        </p:blipFill>
+        <p:spPr>
+          <a:xfrm>
+            <a:off x="2803625" y="2683325"/>
+            <a:ext cx="589638" cy="589638"/>
+          </a:xfrm>
+          <a:prstGeom prst="rect">
+            <a:avLst/>
+          </a:prstGeom>
+        </p:spPr>
+      </p:pic>
+      <p:pic>
+        <p:nvPicPr>
+          <p:cNvPr id="9" name="Picture 8"/>
+          <p:cNvPicPr>
+            <a:picLocks noChangeAspect="1"/>
+          </p:cNvPicPr>
+          <p:nvPr/>
+        </p:nvPicPr>
+        <p:blipFill>
+          <a:blip r:embed="rId4" cstate="print">
+            <a:extLst>
+              <a:ext uri="{28A0092B-C50C-407E-A947-70E740481C1C}">
+                <a14:useLocalDpi xmlns:a14="http://schemas.microsoft.com/office/drawing/2010/main" val="0"/>
+              </a:ext>
+            </a:extLst>
+          </a:blip>
+          <a:stretch>
+            <a:fillRect/>
+          </a:stretch>
+        </p:blipFill>
+        <p:spPr>
+          <a:xfrm>
+            <a:off x="3445517" y="2841353"/>
+            <a:ext cx="589638" cy="589638"/>
+          </a:xfrm>
+          <a:prstGeom prst="rect">
+            <a:avLst/>
+          </a:prstGeom>
+        </p:spPr>
+      </p:pic>
+      <p:pic>
+        <p:nvPicPr>
+          <p:cNvPr id="10" name="Picture 9"/>
+          <p:cNvPicPr>
+            <a:picLocks noChangeAspect="1"/>
+          </p:cNvPicPr>
+          <p:nvPr/>
+        </p:nvPicPr>
+        <p:blipFill>
+          <a:blip r:embed="rId4" cstate="print">
+            <a:extLst>
+              <a:ext uri="{28A0092B-C50C-407E-A947-70E740481C1C}">
+                <a14:useLocalDpi xmlns:a14="http://schemas.microsoft.com/office/drawing/2010/main" val="0"/>
+              </a:ext>
+            </a:extLst>
+          </a:blip>
+          <a:stretch>
+            <a:fillRect/>
+          </a:stretch>
+        </p:blipFill>
+        <p:spPr>
+          <a:xfrm>
+            <a:off x="4083964" y="2644679"/>
+            <a:ext cx="589638" cy="589638"/>
+          </a:xfrm>
+          <a:prstGeom prst="rect">
+            <a:avLst/>
+          </a:prstGeom>
+        </p:spPr>
+      </p:pic>
+      <p:pic>
+        <p:nvPicPr>
+          <p:cNvPr id="11" name="Picture 10"/>
+          <p:cNvPicPr>
+            <a:picLocks noChangeAspect="1"/>
+          </p:cNvPicPr>
+          <p:nvPr/>
+        </p:nvPicPr>
+        <p:blipFill>
+          <a:blip r:embed="rId4" cstate="print">
+            <a:extLst>
+              <a:ext uri="{28A0092B-C50C-407E-A947-70E740481C1C}">
+                <a14:useLocalDpi xmlns:a14="http://schemas.microsoft.com/office/drawing/2010/main" val="0"/>
+              </a:ext>
+            </a:extLst>
+          </a:blip>
+          <a:stretch>
+            <a:fillRect/>
+          </a:stretch>
+        </p:blipFill>
+        <p:spPr>
+          <a:xfrm>
+            <a:off x="4717163" y="2985393"/>
+            <a:ext cx="589638" cy="589638"/>
+          </a:xfrm>
+          <a:prstGeom prst="rect">
+            <a:avLst/>
+          </a:prstGeom>
+        </p:spPr>
+      </p:pic>
+      <p:pic>
+        <p:nvPicPr>
+          <p:cNvPr id="12" name="Picture 11"/>
+          <p:cNvPicPr>
+            <a:picLocks noChangeAspect="1"/>
+          </p:cNvPicPr>
+          <p:nvPr/>
+        </p:nvPicPr>
+        <p:blipFill>
+          <a:blip r:embed="rId4" cstate="print">
+            <a:extLst>
+              <a:ext uri="{28A0092B-C50C-407E-A947-70E740481C1C}">
+                <a14:useLocalDpi xmlns:a14="http://schemas.microsoft.com/office/drawing/2010/main" val="0"/>
+              </a:ext>
+            </a:extLst>
+          </a:blip>
+          <a:stretch>
+            <a:fillRect/>
+          </a:stretch>
+        </p:blipFill>
+        <p:spPr>
+          <a:xfrm>
+            <a:off x="5306801" y="2644679"/>
+            <a:ext cx="589638" cy="589638"/>
+          </a:xfrm>
+          <a:prstGeom prst="rect">
+            <a:avLst/>
+          </a:prstGeom>
+        </p:spPr>
+      </p:pic>
       <p:sp>
         <p:nvSpPr>
-          <p:cNvPr id="98" name="TextBox 97"/>
+          <p:cNvPr id="13" name="TextBox 12"/>
           <p:cNvSpPr txBox="1"/>
           <p:nvPr/>
         </p:nvSpPr>
         <p:spPr>
           <a:xfrm>
-            <a:off x="7239898" y="1770768"/>
-            <a:ext cx="697627" cy="369332"/>
+            <a:off x="3895317" y="1830125"/>
+            <a:ext cx="966931" cy="369332"/>
           </a:xfrm>
           <a:prstGeom prst="rect">
             <a:avLst/>
           </a:prstGeom>
           <a:noFill/>
+          <a:ln>
+            <a:solidFill>
+              <a:schemeClr val="tx1"/>
+            </a:solidFill>
+            <a:prstDash val="dash"/>
+          </a:ln>
         </p:spPr>
         <p:txBody>
           <a:bodyPr wrap="none" rtlCol="0">
@@ -35307,36 +36203,34 @@
           <a:lstStyle/>
           <a:p>
             <a:r>
-              <a:rPr lang="en-US" dirty="0" smtClean="0">
-                <a:solidFill>
-                  <a:srgbClr val="FF0000"/>
-                </a:solidFill>
-              </a:rPr>
-              <a:t>Error</a:t>
-            </a:r>
-            <a:endParaRPr lang="en-US" dirty="0">
-              <a:solidFill>
-                <a:srgbClr val="FF0000"/>
-              </a:solidFill>
-            </a:endParaRPr>
+              <a:rPr lang="en-US" b="1" dirty="0" smtClean="0"/>
+              <a:t>Upload</a:t>
+            </a:r>
+            <a:endParaRPr lang="en-US" b="1" dirty="0"/>
           </a:p>
         </p:txBody>
       </p:sp>
       <p:sp>
         <p:nvSpPr>
-          <p:cNvPr id="99" name="TextBox 98"/>
+          <p:cNvPr id="14" name="TextBox 13"/>
           <p:cNvSpPr txBox="1"/>
           <p:nvPr/>
         </p:nvSpPr>
         <p:spPr>
           <a:xfrm>
-            <a:off x="7389034" y="2345819"/>
-            <a:ext cx="778868" cy="369332"/>
+            <a:off x="1005516" y="3397751"/>
+            <a:ext cx="878767" cy="584775"/>
           </a:xfrm>
           <a:prstGeom prst="rect">
             <a:avLst/>
           </a:prstGeom>
           <a:noFill/>
+          <a:ln>
+            <a:solidFill>
+              <a:schemeClr val="tx1"/>
+            </a:solidFill>
+            <a:prstDash val="dash"/>
+          </a:ln>
         </p:spPr>
         <p:txBody>
           <a:bodyPr wrap="none" rtlCol="0">
@@ -35344,37 +36238,43 @@
           </a:bodyPr>
           <a:lstStyle/>
           <a:p>
-            <a:r>
-              <a:rPr lang="en-US" dirty="0" smtClean="0">
-                <a:solidFill>
-                  <a:srgbClr val="FF0000"/>
-                </a:solidFill>
-              </a:rPr>
-              <a:t>Trade</a:t>
-            </a:r>
-            <a:endParaRPr lang="en-US" dirty="0">
-              <a:solidFill>
-                <a:srgbClr val="FF0000"/>
-              </a:solidFill>
-            </a:endParaRPr>
+            <a:pPr algn="ctr"/>
+            <a:r>
+              <a:rPr lang="en-US" sz="1600" b="1" dirty="0" smtClean="0"/>
+              <a:t>Python</a:t>
+            </a:r>
+            <a:br>
+              <a:rPr lang="en-US" sz="1600" b="1" dirty="0" smtClean="0"/>
+            </a:br>
+            <a:r>
+              <a:rPr lang="en-US" sz="1600" b="1" dirty="0" smtClean="0"/>
+              <a:t>Script</a:t>
+            </a:r>
+            <a:endParaRPr lang="en-US" sz="1600" b="1" dirty="0"/>
           </a:p>
         </p:txBody>
       </p:sp>
       <p:sp>
         <p:nvSpPr>
-          <p:cNvPr id="100" name="TextBox 99"/>
+          <p:cNvPr id="15" name="TextBox 14"/>
           <p:cNvSpPr txBox="1"/>
           <p:nvPr/>
         </p:nvSpPr>
         <p:spPr>
           <a:xfrm>
-            <a:off x="7581269" y="2883452"/>
-            <a:ext cx="633507" cy="369332"/>
+            <a:off x="6691552" y="3397750"/>
+            <a:ext cx="1176925" cy="338554"/>
           </a:xfrm>
           <a:prstGeom prst="rect">
             <a:avLst/>
           </a:prstGeom>
           <a:noFill/>
+          <a:ln>
+            <a:solidFill>
+              <a:schemeClr val="tx1"/>
+            </a:solidFill>
+            <a:prstDash val="dash"/>
+          </a:ln>
         </p:spPr>
         <p:txBody>
           <a:bodyPr wrap="none" rtlCol="0">
@@ -35382,131 +36282,171 @@
           </a:bodyPr>
           <a:lstStyle/>
           <a:p>
-            <a:r>
-              <a:rPr lang="en-US" dirty="0" smtClean="0">
-                <a:solidFill>
-                  <a:srgbClr val="FF0000"/>
-                </a:solidFill>
-              </a:rPr>
-              <a:t>Risk</a:t>
-            </a:r>
-            <a:endParaRPr lang="en-US" dirty="0">
-              <a:solidFill>
-                <a:srgbClr val="FF0000"/>
-              </a:solidFill>
-            </a:endParaRPr>
+            <a:pPr algn="ctr"/>
+            <a:r>
+              <a:rPr lang="en-US" sz="1600" b="1" dirty="0" smtClean="0"/>
+              <a:t>Oracle DB</a:t>
+            </a:r>
+            <a:endParaRPr lang="en-US" sz="1600" b="1" dirty="0"/>
           </a:p>
         </p:txBody>
       </p:sp>
       <p:sp>
         <p:nvSpPr>
-          <p:cNvPr id="102" name="Rectangle 101"/>
-          <p:cNvSpPr/>
+          <p:cNvPr id="16" name="TextBox 15"/>
+          <p:cNvSpPr txBox="1"/>
           <p:nvPr/>
         </p:nvSpPr>
-        <p:spPr bwMode="auto">
+        <p:spPr>
           <a:xfrm>
-            <a:off x="6719043" y="3763473"/>
-            <a:ext cx="2189826" cy="2436618"/>
+            <a:off x="897313" y="4267201"/>
+            <a:ext cx="1095172" cy="369332"/>
           </a:xfrm>
           <a:prstGeom prst="rect">
             <a:avLst/>
           </a:prstGeom>
-          <a:solidFill>
-            <a:schemeClr val="accent6">
-              <a:lumMod val="75000"/>
-            </a:schemeClr>
-          </a:solidFill>
-          <a:ln w="6350" cap="flat" cmpd="sng" algn="ctr">
+          <a:noFill/>
+          <a:ln w="9525">
             <a:solidFill>
-              <a:schemeClr val="tx1"/>
+              <a:schemeClr val="tx2"/>
             </a:solidFill>
-            <a:prstDash val="dash"/>
-            <a:round/>
-            <a:headEnd type="none" w="med" len="med"/>
-            <a:tailEnd type="none" w="med" len="med"/>
           </a:ln>
-          <a:effectLst/>
         </p:spPr>
         <p:txBody>
-          <a:bodyPr vert="horz" wrap="none" lIns="91440" tIns="45720" rIns="91440" bIns="45720" numCol="1" rtlCol="0" anchor="ctr" anchorCtr="0" compatLnSpc="1">
-            <a:prstTxWarp prst="textNoShape">
-              <a:avLst/>
-            </a:prstTxWarp>
+          <a:bodyPr wrap="none" rtlCol="0">
+            <a:spAutoFit/>
           </a:bodyPr>
           <a:lstStyle/>
           <a:p>
             <a:r>
-              <a:rPr lang="en-US" sz="1600" b="1" dirty="0" smtClean="0">
+              <a:rPr lang="en-US" dirty="0" smtClean="0">
                 <a:solidFill>
-                  <a:schemeClr val="bg1"/>
+                  <a:schemeClr val="tx2"/>
                 </a:solidFill>
               </a:rPr>
-              <a:t>Conclusion:</a:t>
-            </a:r>
-          </a:p>
-          <a:p>
-            <a:r>
-              <a:rPr lang="en-US" sz="1600" b="1" dirty="0" smtClean="0">
-                <a:solidFill>
-                  <a:schemeClr val="bg1"/>
-                </a:solidFill>
-              </a:rPr>
-              <a:t/>
-            </a:r>
-            <a:br>
-              <a:rPr lang="en-US" sz="1600" b="1" dirty="0" smtClean="0">
-                <a:solidFill>
-                  <a:schemeClr val="bg1"/>
-                </a:solidFill>
-              </a:rPr>
-            </a:br>
-            <a:r>
-              <a:rPr lang="en-US" sz="1600" b="1" dirty="0" smtClean="0">
-                <a:solidFill>
-                  <a:schemeClr val="bg1"/>
-                </a:solidFill>
-              </a:rPr>
-              <a:t>1 </a:t>
-            </a:r>
-            <a:r>
-              <a:rPr lang="en-US" sz="1600" b="1" dirty="0">
-                <a:solidFill>
-                  <a:schemeClr val="bg1"/>
-                </a:solidFill>
-              </a:rPr>
-              <a:t>Cycle (SIT/UAT)</a:t>
-            </a:r>
-          </a:p>
-          <a:p>
-            <a:r>
-              <a:rPr lang="en-US" sz="1600" b="1" dirty="0">
-                <a:solidFill>
-                  <a:schemeClr val="bg1"/>
-                </a:solidFill>
-              </a:rPr>
-              <a:t>=&gt; 400+ Flat Files </a:t>
-            </a:r>
-            <a:r>
-              <a:rPr lang="en-US" sz="1600" b="1" dirty="0" smtClean="0">
-                <a:solidFill>
-                  <a:schemeClr val="bg1"/>
-                </a:solidFill>
-              </a:rPr>
-              <a:t>!!!!</a:t>
-            </a:r>
-            <a:endParaRPr lang="en-US" sz="1600" b="1" dirty="0">
+              <a:t>Features</a:t>
+            </a:r>
+            <a:endParaRPr lang="en-US" dirty="0">
               <a:solidFill>
-                <a:schemeClr val="bg1"/>
+                <a:schemeClr val="tx2"/>
               </a:solidFill>
             </a:endParaRPr>
+          </a:p>
+        </p:txBody>
+      </p:sp>
+      <p:sp>
+        <p:nvSpPr>
+          <p:cNvPr id="18" name="TextBox 17"/>
+          <p:cNvSpPr txBox="1"/>
+          <p:nvPr/>
+        </p:nvSpPr>
+        <p:spPr>
+          <a:xfrm>
+            <a:off x="897313" y="4754601"/>
+            <a:ext cx="7075577" cy="1200329"/>
+          </a:xfrm>
+          <a:prstGeom prst="rect">
+            <a:avLst/>
+          </a:prstGeom>
+          <a:noFill/>
+        </p:spPr>
+        <p:txBody>
+          <a:bodyPr wrap="square" rtlCol="0">
+            <a:spAutoFit/>
+          </a:bodyPr>
+          <a:lstStyle/>
+          <a:p>
+            <a:pPr marL="285750" indent="-285750">
+              <a:buClr>
+                <a:schemeClr val="tx2"/>
+              </a:buClr>
+              <a:buFont typeface="Wingdings" charset="2"/>
+              <a:buChar char="§"/>
+            </a:pPr>
+            <a:r>
+              <a:rPr lang="en-US" dirty="0"/>
+              <a:t>U</a:t>
+            </a:r>
+            <a:r>
+              <a:rPr lang="en-US" dirty="0" smtClean="0"/>
+              <a:t>pload large amount of files for data analysis in minutes</a:t>
+            </a:r>
+          </a:p>
+          <a:p>
+            <a:pPr marL="285750" indent="-285750">
+              <a:buClr>
+                <a:schemeClr val="tx2"/>
+              </a:buClr>
+              <a:buFont typeface="Wingdings" charset="2"/>
+              <a:buChar char="§"/>
+            </a:pPr>
+            <a:r>
+              <a:rPr lang="en-US" dirty="0" smtClean="0"/>
+              <a:t>Use SQL to extract data in forms of what they want</a:t>
+            </a:r>
+          </a:p>
+          <a:p>
+            <a:pPr marL="285750" indent="-285750">
+              <a:buClr>
+                <a:schemeClr val="tx2"/>
+              </a:buClr>
+              <a:buFont typeface="Wingdings" charset="2"/>
+              <a:buChar char="§"/>
+            </a:pPr>
+            <a:r>
+              <a:rPr lang="en-US" dirty="0" smtClean="0"/>
+              <a:t>Categorize flat files into different </a:t>
+            </a:r>
+            <a:r>
+              <a:rPr lang="en-US" dirty="0"/>
+              <a:t>kinds intelligently</a:t>
+            </a:r>
+            <a:endParaRPr lang="en-US" dirty="0" smtClean="0"/>
+          </a:p>
+          <a:p>
+            <a:pPr marL="285750" indent="-285750">
+              <a:buClr>
+                <a:schemeClr val="tx2"/>
+              </a:buClr>
+              <a:buFont typeface="Wingdings" charset="2"/>
+              <a:buChar char="§"/>
+            </a:pPr>
+            <a:r>
+              <a:rPr lang="en-US" dirty="0" smtClean="0"/>
+              <a:t>Benefit for Business Analysts globally</a:t>
+            </a:r>
+            <a:endParaRPr lang="en-US" dirty="0"/>
+          </a:p>
+        </p:txBody>
+      </p:sp>
+      <p:sp>
+        <p:nvSpPr>
+          <p:cNvPr id="4" name="Footer Placeholder 3"/>
+          <p:cNvSpPr>
+            <a:spLocks noGrp="1"/>
+          </p:cNvSpPr>
+          <p:nvPr>
+            <p:ph type="ftr" sz="quarter" idx="10"/>
+          </p:nvPr>
+        </p:nvSpPr>
+        <p:spPr/>
+        <p:txBody>
+          <a:bodyPr/>
+          <a:lstStyle/>
+          <a:p>
+            <a:pPr defTabSz="911351"/>
+            <a:r>
+              <a:rPr lang="en-US" smtClean="0"/>
+              <a:t>RESTRICTED</a:t>
+            </a:r>
+            <a:endParaRPr lang="en-US" dirty="0"/>
           </a:p>
         </p:txBody>
       </p:sp>
     </p:spTree>
     <p:extLst>
       <p:ext uri="{BB962C8B-B14F-4D97-AF65-F5344CB8AC3E}">
-        <p14:creationId xmlns:p14="http://schemas.microsoft.com/office/powerpoint/2010/main" val="164363450"/>
+        <p14:creationId xmlns:p14="http://schemas.microsoft.com/office/powerpoint/2010/main" val="792534108"/>
       </p:ext>
     </p:extLst>
   </p:cSld>
@@ -35557,130 +36497,312 @@
           <a:p>
             <a:r>
               <a:rPr lang="en-US" dirty="0" smtClean="0"/>
-              <a:t>Files Loader</a:t>
+              <a:t>Agenda</a:t>
             </a:r>
             <a:br>
               <a:rPr lang="en-US" dirty="0" smtClean="0"/>
             </a:br>
             <a:r>
-              <a:rPr lang="en-US" dirty="0" smtClean="0">
+              <a:rPr lang="en-US" sz="1400" dirty="0">
                 <a:solidFill>
                   <a:schemeClr val="bg1">
                     <a:lumMod val="50000"/>
                   </a:schemeClr>
                 </a:solidFill>
               </a:rPr>
-              <a:t>How does it work?</a:t>
-            </a:r>
-            <a:endParaRPr lang="en-US" dirty="0">
-              <a:solidFill>
-                <a:schemeClr val="bg1">
-                  <a:lumMod val="50000"/>
-                </a:schemeClr>
-              </a:solidFill>
-            </a:endParaRPr>
+              <a:t>What’s next?</a:t>
+            </a:r>
+            <a:endParaRPr lang="en-US" sz="1400" dirty="0"/>
           </a:p>
         </p:txBody>
       </p:sp>
       <p:sp>
         <p:nvSpPr>
-          <p:cNvPr id="3" name="Footer Placeholder 2"/>
-          <p:cNvSpPr>
-            <a:spLocks noGrp="1"/>
-          </p:cNvSpPr>
-          <p:nvPr>
-            <p:ph type="ftr" sz="quarter" idx="10"/>
-          </p:nvPr>
-        </p:nvSpPr>
-        <p:spPr/>
-        <p:txBody>
-          <a:bodyPr/>
-          <a:lstStyle/>
-          <a:p>
-            <a:pPr defTabSz="911351"/>
-            <a:endParaRPr lang="en-US" dirty="0"/>
-          </a:p>
-        </p:txBody>
-      </p:sp>
-      <p:pic>
-        <p:nvPicPr>
-          <p:cNvPr id="5" name="Picture 4"/>
-          <p:cNvPicPr>
-            <a:picLocks noChangeAspect="1"/>
-          </p:cNvPicPr>
-          <p:nvPr/>
-        </p:nvPicPr>
-        <p:blipFill>
-          <a:blip r:embed="rId2">
-            <a:extLst>
-              <a:ext uri="{28A0092B-C50C-407E-A947-70E740481C1C}">
-                <a14:useLocalDpi xmlns:a14="http://schemas.microsoft.com/office/drawing/2010/main" val="0"/>
-              </a:ext>
-            </a:extLst>
-          </a:blip>
-          <a:stretch>
-            <a:fillRect/>
-          </a:stretch>
-        </p:blipFill>
-        <p:spPr>
-          <a:xfrm>
-            <a:off x="508185" y="1480454"/>
-            <a:ext cx="1873431" cy="1873431"/>
-          </a:xfrm>
-          <a:prstGeom prst="rect">
-            <a:avLst/>
-          </a:prstGeom>
-        </p:spPr>
-      </p:pic>
-      <p:pic>
-        <p:nvPicPr>
-          <p:cNvPr id="6" name="Picture 5"/>
-          <p:cNvPicPr>
-            <a:picLocks noChangeAspect="1"/>
-          </p:cNvPicPr>
-          <p:nvPr/>
-        </p:nvPicPr>
-        <p:blipFill>
-          <a:blip r:embed="rId3">
-            <a:extLst>
-              <a:ext uri="{28A0092B-C50C-407E-A947-70E740481C1C}">
-                <a14:useLocalDpi xmlns:a14="http://schemas.microsoft.com/office/drawing/2010/main" val="0"/>
-              </a:ext>
-            </a:extLst>
-          </a:blip>
-          <a:stretch>
-            <a:fillRect/>
-          </a:stretch>
-        </p:blipFill>
-        <p:spPr>
-          <a:xfrm>
-            <a:off x="6587140" y="1750422"/>
-            <a:ext cx="1385750" cy="1385750"/>
-          </a:xfrm>
-          <a:prstGeom prst="rect">
-            <a:avLst/>
-          </a:prstGeom>
-        </p:spPr>
-      </p:pic>
-      <p:sp>
-        <p:nvSpPr>
-          <p:cNvPr id="7" name="Right Arrow 6"/>
+          <p:cNvPr id="4" name="Rounded Rectangle 3"/>
           <p:cNvSpPr/>
           <p:nvPr/>
         </p:nvSpPr>
         <p:spPr bwMode="auto">
           <a:xfrm>
-            <a:off x="2751371" y="2199457"/>
-            <a:ext cx="3413760" cy="487680"/>
-          </a:xfrm>
-          <a:prstGeom prst="rightArrow">
+            <a:off x="750494" y="1319835"/>
+            <a:ext cx="3657600" cy="2130724"/>
+          </a:xfrm>
+          <a:prstGeom prst="roundRect">
             <a:avLst/>
           </a:prstGeom>
           <a:solidFill>
-            <a:srgbClr val="92D050"/>
+            <a:srgbClr val="00B050">
+              <a:alpha val="30000"/>
+            </a:srgbClr>
           </a:solidFill>
-          <a:ln w="6350" cap="flat" cmpd="sng" algn="ctr">
-            <a:noFill/>
+          <a:ln w="57150" cap="flat" cmpd="sng" algn="ctr">
+            <a:solidFill>
+              <a:schemeClr val="tx1">
+                <a:alpha val="30000"/>
+              </a:schemeClr>
+            </a:solidFill>
+            <a:prstDash val="solid"/>
+            <a:round/>
+            <a:headEnd type="none" w="med" len="med"/>
+            <a:tailEnd type="none" w="med" len="med"/>
+          </a:ln>
+          <a:effectLst/>
+        </p:spPr>
+        <p:txBody>
+          <a:bodyPr vert="horz" wrap="none" lIns="91440" tIns="45720" rIns="91440" bIns="45720" numCol="1" rtlCol="0" anchor="ctr" anchorCtr="0" compatLnSpc="1">
+            <a:prstTxWarp prst="textNoShape">
+              <a:avLst/>
+            </a:prstTxWarp>
+          </a:bodyPr>
+          <a:lstStyle/>
+          <a:p>
+            <a:pPr marL="0" marR="0" indent="0" algn="ctr" defTabSz="858838" rtl="0" eaLnBrk="0" fontAlgn="base" latinLnBrk="0" hangingPunct="0">
+              <a:lnSpc>
+                <a:spcPct val="100000"/>
+              </a:lnSpc>
+              <a:spcBef>
+                <a:spcPct val="50000"/>
+              </a:spcBef>
+              <a:spcAft>
+                <a:spcPct val="0"/>
+              </a:spcAft>
+              <a:buClrTx/>
+              <a:buSzTx/>
+              <a:buFontTx/>
+              <a:buNone/>
+              <a:tabLst/>
+            </a:pPr>
+            <a:r>
+              <a:rPr kumimoji="0" lang="en-US" sz="2400" b="1" u="none" strike="noStrike" cap="none" normalizeH="0" baseline="0" dirty="0" smtClean="0">
+                <a:ln>
+                  <a:noFill/>
+                </a:ln>
+                <a:solidFill>
+                  <a:schemeClr val="bg1"/>
+                </a:solidFill>
+                <a:effectLst/>
+                <a:latin typeface="Arial" charset="0"/>
+              </a:rPr>
+              <a:t>Self-Introduction</a:t>
+            </a:r>
+          </a:p>
+        </p:txBody>
+      </p:sp>
+      <p:sp>
+        <p:nvSpPr>
+          <p:cNvPr id="5" name="Rounded Rectangle 4"/>
+          <p:cNvSpPr/>
+          <p:nvPr/>
+        </p:nvSpPr>
+        <p:spPr bwMode="auto">
+          <a:xfrm>
+            <a:off x="4710021" y="3825711"/>
+            <a:ext cx="3657600" cy="2130724"/>
+          </a:xfrm>
+          <a:prstGeom prst="roundRect">
+            <a:avLst/>
+          </a:prstGeom>
+          <a:solidFill>
+            <a:srgbClr val="FF0000">
+              <a:alpha val="30000"/>
+            </a:srgbClr>
+          </a:solidFill>
+          <a:ln w="57150" cap="flat" cmpd="sng" algn="ctr">
+            <a:solidFill>
+              <a:schemeClr val="tx1">
+                <a:alpha val="30000"/>
+              </a:schemeClr>
+            </a:solidFill>
+            <a:prstDash val="solid"/>
+            <a:round/>
+            <a:headEnd type="none" w="med" len="med"/>
+            <a:tailEnd type="none" w="med" len="med"/>
+          </a:ln>
+          <a:effectLst/>
+        </p:spPr>
+        <p:txBody>
+          <a:bodyPr vert="horz" wrap="none" lIns="91440" tIns="45720" rIns="91440" bIns="45720" numCol="1" rtlCol="0" anchor="ctr" anchorCtr="0" compatLnSpc="1">
+            <a:prstTxWarp prst="textNoShape">
+              <a:avLst/>
+            </a:prstTxWarp>
+          </a:bodyPr>
+          <a:lstStyle/>
+          <a:p>
+            <a:pPr marL="0" marR="0" indent="0" algn="ctr" defTabSz="858838" rtl="0" eaLnBrk="0" fontAlgn="base" latinLnBrk="0" hangingPunct="0">
+              <a:lnSpc>
+                <a:spcPct val="100000"/>
+              </a:lnSpc>
+              <a:spcBef>
+                <a:spcPct val="50000"/>
+              </a:spcBef>
+              <a:spcAft>
+                <a:spcPct val="0"/>
+              </a:spcAft>
+              <a:buClrTx/>
+              <a:buSzTx/>
+              <a:buFontTx/>
+              <a:buNone/>
+              <a:tabLst/>
+            </a:pPr>
+            <a:r>
+              <a:rPr kumimoji="0" lang="en-US" sz="2400" b="1" u="none" strike="noStrike" cap="none" normalizeH="0" baseline="0" dirty="0" smtClean="0">
+                <a:ln>
+                  <a:noFill/>
+                </a:ln>
+                <a:solidFill>
+                  <a:schemeClr val="bg1"/>
+                </a:solidFill>
+                <a:effectLst/>
+                <a:latin typeface="Arial" charset="0"/>
+              </a:rPr>
+              <a:t>Comments</a:t>
+            </a:r>
+          </a:p>
+        </p:txBody>
+      </p:sp>
+      <p:sp>
+        <p:nvSpPr>
+          <p:cNvPr id="6" name="Rounded Rectangle 5"/>
+          <p:cNvSpPr/>
+          <p:nvPr/>
+        </p:nvSpPr>
+        <p:spPr bwMode="auto">
+          <a:xfrm>
+            <a:off x="750494" y="3825711"/>
+            <a:ext cx="3657600" cy="2130724"/>
+          </a:xfrm>
+          <a:prstGeom prst="roundRect">
+            <a:avLst/>
+          </a:prstGeom>
+          <a:solidFill>
+            <a:srgbClr val="00B0F0"/>
+          </a:solidFill>
+          <a:ln w="57150" cap="flat" cmpd="sng" algn="ctr">
+            <a:solidFill>
+              <a:schemeClr val="tx1"/>
+            </a:solidFill>
+            <a:prstDash val="solid"/>
+            <a:round/>
+            <a:headEnd type="none" w="med" len="med"/>
+            <a:tailEnd type="none" w="med" len="med"/>
+          </a:ln>
+          <a:effectLst/>
+        </p:spPr>
+        <p:txBody>
+          <a:bodyPr vert="horz" wrap="none" lIns="91440" tIns="45720" rIns="91440" bIns="45720" numCol="1" rtlCol="0" anchor="ctr" anchorCtr="0" compatLnSpc="1">
+            <a:prstTxWarp prst="textNoShape">
+              <a:avLst/>
+            </a:prstTxWarp>
+          </a:bodyPr>
+          <a:lstStyle/>
+          <a:p>
+            <a:pPr algn="ctr" defTabSz="858838" eaLnBrk="0" fontAlgn="base" hangingPunct="0">
+              <a:spcBef>
+                <a:spcPct val="50000"/>
+              </a:spcBef>
+              <a:spcAft>
+                <a:spcPct val="0"/>
+              </a:spcAft>
+            </a:pPr>
+            <a:r>
+              <a:rPr lang="en-US" altLang="zh-TW" sz="2400" b="1" dirty="0" smtClean="0">
+                <a:solidFill>
+                  <a:schemeClr val="bg1"/>
+                </a:solidFill>
+                <a:latin typeface="Arial" charset="0"/>
+              </a:rPr>
+              <a:t>Comparison</a:t>
+            </a:r>
+          </a:p>
+        </p:txBody>
+      </p:sp>
+      <p:sp>
+        <p:nvSpPr>
+          <p:cNvPr id="7" name="Rounded Rectangle 6"/>
+          <p:cNvSpPr/>
+          <p:nvPr/>
+        </p:nvSpPr>
+        <p:spPr bwMode="auto">
+          <a:xfrm>
+            <a:off x="4710021" y="1319835"/>
+            <a:ext cx="3657600" cy="2130724"/>
+          </a:xfrm>
+          <a:prstGeom prst="roundRect">
+            <a:avLst/>
+          </a:prstGeom>
+          <a:solidFill>
+            <a:srgbClr val="FFC000">
+              <a:alpha val="30000"/>
+            </a:srgbClr>
+          </a:solidFill>
+          <a:ln w="57150" cap="flat" cmpd="sng" algn="ctr">
+            <a:solidFill>
+              <a:schemeClr val="tx1">
+                <a:alpha val="30000"/>
+              </a:schemeClr>
+            </a:solidFill>
+            <a:prstDash val="solid"/>
+            <a:round/>
+            <a:headEnd type="none" w="med" len="med"/>
+            <a:tailEnd type="none" w="med" len="med"/>
+          </a:ln>
+          <a:effectLst/>
+        </p:spPr>
+        <p:txBody>
+          <a:bodyPr vert="horz" wrap="none" lIns="91440" tIns="45720" rIns="91440" bIns="45720" numCol="1" rtlCol="0" anchor="ctr" anchorCtr="0" compatLnSpc="1">
+            <a:prstTxWarp prst="textNoShape">
+              <a:avLst/>
+            </a:prstTxWarp>
+          </a:bodyPr>
+          <a:lstStyle/>
+          <a:p>
+            <a:pPr algn="ctr" defTabSz="858838" eaLnBrk="0" fontAlgn="base" hangingPunct="0">
+              <a:spcBef>
+                <a:spcPct val="50000"/>
+              </a:spcBef>
+              <a:spcAft>
+                <a:spcPct val="0"/>
+              </a:spcAft>
+            </a:pPr>
+            <a:r>
+              <a:rPr lang="en-US" sz="2400" b="1" dirty="0" smtClean="0">
+                <a:solidFill>
+                  <a:schemeClr val="bg1"/>
+                </a:solidFill>
+                <a:latin typeface="Arial" charset="0"/>
+              </a:rPr>
+              <a:t>Projects</a:t>
+            </a:r>
+            <a:endParaRPr lang="en-US" sz="2400" b="1" dirty="0">
+              <a:solidFill>
+                <a:schemeClr val="bg1"/>
+              </a:solidFill>
+              <a:latin typeface="Arial" charset="0"/>
+            </a:endParaRPr>
+          </a:p>
+        </p:txBody>
+      </p:sp>
+      <p:sp>
+        <p:nvSpPr>
+          <p:cNvPr id="8" name="Flowchart: Connector 9"/>
+          <p:cNvSpPr/>
+          <p:nvPr/>
+        </p:nvSpPr>
+        <p:spPr bwMode="auto">
+          <a:xfrm>
+            <a:off x="3319490" y="2494737"/>
+            <a:ext cx="2462183" cy="2396336"/>
+          </a:xfrm>
+          <a:prstGeom prst="flowChartConnector">
+            <a:avLst/>
+          </a:prstGeom>
+          <a:solidFill>
+            <a:schemeClr val="bg1"/>
+          </a:solidFill>
+          <a:ln w="50800" cap="flat" cmpd="sng" algn="ctr">
+            <a:solidFill>
+              <a:schemeClr val="bg1"/>
+            </a:solidFill>
             <a:prstDash val="solid"/>
             <a:round/>
             <a:headEnd type="none" w="med" len="med"/>
@@ -35727,394 +36849,64 @@
       </p:sp>
       <p:pic>
         <p:nvPicPr>
-          <p:cNvPr id="8" name="Picture 7"/>
+          <p:cNvPr id="9" name="Picture 2" descr="HSBC的圖片搜尋結果"/>
           <p:cNvPicPr>
-            <a:picLocks noChangeAspect="1"/>
+            <a:picLocks noChangeAspect="1" noChangeArrowheads="1"/>
           </p:cNvPicPr>
           <p:nvPr/>
         </p:nvPicPr>
         <p:blipFill>
-          <a:blip r:embed="rId4">
+          <a:blip r:embed="rId2" cstate="print">
             <a:extLst>
               <a:ext uri="{28A0092B-C50C-407E-A947-70E740481C1C}">
                 <a14:useLocalDpi xmlns:a14="http://schemas.microsoft.com/office/drawing/2010/main" val="0"/>
               </a:ext>
             </a:extLst>
           </a:blip>
+          <a:srcRect/>
           <a:stretch>
             <a:fillRect/>
           </a:stretch>
         </p:blipFill>
-        <p:spPr>
+        <p:spPr bwMode="auto">
           <a:xfrm>
-            <a:off x="2803625" y="2683325"/>
-            <a:ext cx="589638" cy="589638"/>
-          </a:xfrm>
-          <a:prstGeom prst="rect">
-            <a:avLst/>
-          </a:prstGeom>
-        </p:spPr>
-      </p:pic>
-      <p:pic>
-        <p:nvPicPr>
-          <p:cNvPr id="9" name="Picture 8"/>
-          <p:cNvPicPr>
-            <a:picLocks noChangeAspect="1"/>
-          </p:cNvPicPr>
-          <p:nvPr/>
-        </p:nvPicPr>
-        <p:blipFill>
-          <a:blip r:embed="rId4">
-            <a:extLst>
-              <a:ext uri="{28A0092B-C50C-407E-A947-70E740481C1C}">
-                <a14:useLocalDpi xmlns:a14="http://schemas.microsoft.com/office/drawing/2010/main" val="0"/>
-              </a:ext>
-            </a:extLst>
-          </a:blip>
-          <a:stretch>
-            <a:fillRect/>
-          </a:stretch>
-        </p:blipFill>
-        <p:spPr>
-          <a:xfrm>
-            <a:off x="3445517" y="2841353"/>
-            <a:ext cx="589638" cy="589638"/>
-          </a:xfrm>
-          <a:prstGeom prst="rect">
-            <a:avLst/>
-          </a:prstGeom>
-        </p:spPr>
-      </p:pic>
-      <p:pic>
-        <p:nvPicPr>
-          <p:cNvPr id="10" name="Picture 9"/>
-          <p:cNvPicPr>
-            <a:picLocks noChangeAspect="1"/>
-          </p:cNvPicPr>
-          <p:nvPr/>
-        </p:nvPicPr>
-        <p:blipFill>
-          <a:blip r:embed="rId4">
-            <a:extLst>
-              <a:ext uri="{28A0092B-C50C-407E-A947-70E740481C1C}">
-                <a14:useLocalDpi xmlns:a14="http://schemas.microsoft.com/office/drawing/2010/main" val="0"/>
-              </a:ext>
-            </a:extLst>
-          </a:blip>
-          <a:stretch>
-            <a:fillRect/>
-          </a:stretch>
-        </p:blipFill>
-        <p:spPr>
-          <a:xfrm>
-            <a:off x="4083964" y="2644679"/>
-            <a:ext cx="589638" cy="589638"/>
-          </a:xfrm>
-          <a:prstGeom prst="rect">
-            <a:avLst/>
-          </a:prstGeom>
-        </p:spPr>
-      </p:pic>
-      <p:pic>
-        <p:nvPicPr>
-          <p:cNvPr id="11" name="Picture 10"/>
-          <p:cNvPicPr>
-            <a:picLocks noChangeAspect="1"/>
-          </p:cNvPicPr>
-          <p:nvPr/>
-        </p:nvPicPr>
-        <p:blipFill>
-          <a:blip r:embed="rId4">
-            <a:extLst>
-              <a:ext uri="{28A0092B-C50C-407E-A947-70E740481C1C}">
-                <a14:useLocalDpi xmlns:a14="http://schemas.microsoft.com/office/drawing/2010/main" val="0"/>
-              </a:ext>
-            </a:extLst>
-          </a:blip>
-          <a:stretch>
-            <a:fillRect/>
-          </a:stretch>
-        </p:blipFill>
-        <p:spPr>
-          <a:xfrm>
-            <a:off x="4717163" y="2985393"/>
-            <a:ext cx="589638" cy="589638"/>
-          </a:xfrm>
-          <a:prstGeom prst="rect">
-            <a:avLst/>
-          </a:prstGeom>
-        </p:spPr>
-      </p:pic>
-      <p:pic>
-        <p:nvPicPr>
-          <p:cNvPr id="12" name="Picture 11"/>
-          <p:cNvPicPr>
-            <a:picLocks noChangeAspect="1"/>
-          </p:cNvPicPr>
-          <p:nvPr/>
-        </p:nvPicPr>
-        <p:blipFill>
-          <a:blip r:embed="rId4">
-            <a:extLst>
-              <a:ext uri="{28A0092B-C50C-407E-A947-70E740481C1C}">
-                <a14:useLocalDpi xmlns:a14="http://schemas.microsoft.com/office/drawing/2010/main" val="0"/>
-              </a:ext>
-            </a:extLst>
-          </a:blip>
-          <a:stretch>
-            <a:fillRect/>
-          </a:stretch>
-        </p:blipFill>
-        <p:spPr>
-          <a:xfrm>
-            <a:off x="5306801" y="2644679"/>
-            <a:ext cx="589638" cy="589638"/>
-          </a:xfrm>
-          <a:prstGeom prst="rect">
-            <a:avLst/>
-          </a:prstGeom>
-        </p:spPr>
-      </p:pic>
-      <p:sp>
-        <p:nvSpPr>
-          <p:cNvPr id="13" name="TextBox 12"/>
-          <p:cNvSpPr txBox="1"/>
-          <p:nvPr/>
-        </p:nvSpPr>
-        <p:spPr>
-          <a:xfrm>
-            <a:off x="3895317" y="1830125"/>
-            <a:ext cx="966931" cy="369332"/>
+            <a:off x="3814718" y="3041049"/>
+            <a:ext cx="1476523" cy="1246562"/>
           </a:xfrm>
           <a:prstGeom prst="rect">
             <a:avLst/>
           </a:prstGeom>
           <a:noFill/>
-          <a:ln>
-            <a:solidFill>
-              <a:schemeClr val="tx1"/>
-            </a:solidFill>
-            <a:prstDash val="dash"/>
-          </a:ln>
-        </p:spPr>
-        <p:txBody>
-          <a:bodyPr wrap="none" rtlCol="0">
-            <a:spAutoFit/>
-          </a:bodyPr>
-          <a:lstStyle/>
-          <a:p>
-            <a:r>
-              <a:rPr lang="en-US" b="1" dirty="0" smtClean="0"/>
-              <a:t>Upload</a:t>
-            </a:r>
-            <a:endParaRPr lang="en-US" b="1" dirty="0"/>
-          </a:p>
-        </p:txBody>
-      </p:sp>
+          <a:extLst>
+            <a:ext uri="{909E8E84-426E-40DD-AFC4-6F175D3DCCD1}">
+              <a14:hiddenFill xmlns:a14="http://schemas.microsoft.com/office/drawing/2010/main">
+                <a:solidFill>
+                  <a:srgbClr val="FFFFFF"/>
+                </a:solidFill>
+              </a14:hiddenFill>
+            </a:ext>
+          </a:extLst>
+        </p:spPr>
+      </p:pic>
       <p:sp>
         <p:nvSpPr>
-          <p:cNvPr id="14" name="TextBox 13"/>
-          <p:cNvSpPr txBox="1"/>
-          <p:nvPr/>
+          <p:cNvPr id="10" name="Footer Placeholder 9"/>
+          <p:cNvSpPr>
+            <a:spLocks noGrp="1"/>
+          </p:cNvSpPr>
+          <p:nvPr>
+            <p:ph type="ftr" sz="quarter" idx="10"/>
+          </p:nvPr>
         </p:nvSpPr>
-        <p:spPr>
-          <a:xfrm>
-            <a:off x="1005516" y="3397751"/>
-            <a:ext cx="878767" cy="584775"/>
-          </a:xfrm>
-          <a:prstGeom prst="rect">
-            <a:avLst/>
-          </a:prstGeom>
-          <a:noFill/>
-          <a:ln>
-            <a:solidFill>
-              <a:schemeClr val="tx1"/>
-            </a:solidFill>
-            <a:prstDash val="dash"/>
-          </a:ln>
-        </p:spPr>
+        <p:spPr/>
         <p:txBody>
-          <a:bodyPr wrap="none" rtlCol="0">
-            <a:spAutoFit/>
-          </a:bodyPr>
+          <a:bodyPr/>
           <a:lstStyle/>
           <a:p>
-            <a:pPr algn="ctr"/>
-            <a:r>
-              <a:rPr lang="en-US" sz="1600" b="1" dirty="0" smtClean="0"/>
-              <a:t>Python</a:t>
-            </a:r>
-            <a:br>
-              <a:rPr lang="en-US" sz="1600" b="1" dirty="0" smtClean="0"/>
-            </a:br>
-            <a:r>
-              <a:rPr lang="en-US" sz="1600" b="1" dirty="0" smtClean="0"/>
-              <a:t>Script</a:t>
-            </a:r>
-            <a:endParaRPr lang="en-US" sz="1600" b="1" dirty="0"/>
-          </a:p>
-        </p:txBody>
-      </p:sp>
-      <p:sp>
-        <p:nvSpPr>
-          <p:cNvPr id="15" name="TextBox 14"/>
-          <p:cNvSpPr txBox="1"/>
-          <p:nvPr/>
-        </p:nvSpPr>
-        <p:spPr>
-          <a:xfrm>
-            <a:off x="6691552" y="3397750"/>
-            <a:ext cx="1176925" cy="338554"/>
-          </a:xfrm>
-          <a:prstGeom prst="rect">
-            <a:avLst/>
-          </a:prstGeom>
-          <a:noFill/>
-          <a:ln>
-            <a:solidFill>
-              <a:schemeClr val="tx1"/>
-            </a:solidFill>
-            <a:prstDash val="dash"/>
-          </a:ln>
-        </p:spPr>
-        <p:txBody>
-          <a:bodyPr wrap="none" rtlCol="0">
-            <a:spAutoFit/>
-          </a:bodyPr>
-          <a:lstStyle/>
-          <a:p>
-            <a:pPr algn="ctr"/>
-            <a:r>
-              <a:rPr lang="en-US" sz="1600" b="1" dirty="0" smtClean="0"/>
-              <a:t>Oracle DB</a:t>
-            </a:r>
-            <a:endParaRPr lang="en-US" sz="1600" b="1" dirty="0"/>
-          </a:p>
-        </p:txBody>
-      </p:sp>
-      <p:sp>
-        <p:nvSpPr>
-          <p:cNvPr id="16" name="TextBox 15"/>
-          <p:cNvSpPr txBox="1"/>
-          <p:nvPr/>
-        </p:nvSpPr>
-        <p:spPr>
-          <a:xfrm>
-            <a:off x="897313" y="4267201"/>
-            <a:ext cx="1095172" cy="369332"/>
-          </a:xfrm>
-          <a:prstGeom prst="rect">
-            <a:avLst/>
-          </a:prstGeom>
-          <a:noFill/>
-          <a:ln w="9525">
-            <a:solidFill>
-              <a:schemeClr val="tx2"/>
-            </a:solidFill>
-          </a:ln>
-        </p:spPr>
-        <p:txBody>
-          <a:bodyPr wrap="none" rtlCol="0">
-            <a:spAutoFit/>
-          </a:bodyPr>
-          <a:lstStyle/>
-          <a:p>
-            <a:r>
-              <a:rPr lang="en-US" dirty="0" smtClean="0">
-                <a:solidFill>
-                  <a:schemeClr val="tx2"/>
-                </a:solidFill>
-              </a:rPr>
-              <a:t>Features</a:t>
-            </a:r>
-            <a:endParaRPr lang="en-US" dirty="0">
-              <a:solidFill>
-                <a:schemeClr val="tx2"/>
-              </a:solidFill>
-            </a:endParaRPr>
-          </a:p>
-        </p:txBody>
-      </p:sp>
-      <p:sp>
-        <p:nvSpPr>
-          <p:cNvPr id="18" name="TextBox 17"/>
-          <p:cNvSpPr txBox="1"/>
-          <p:nvPr/>
-        </p:nvSpPr>
-        <p:spPr>
-          <a:xfrm>
-            <a:off x="897313" y="4754601"/>
-            <a:ext cx="7075577" cy="1200329"/>
-          </a:xfrm>
-          <a:prstGeom prst="rect">
-            <a:avLst/>
-          </a:prstGeom>
-          <a:noFill/>
-        </p:spPr>
-        <p:txBody>
-          <a:bodyPr wrap="square" rtlCol="0">
-            <a:spAutoFit/>
-          </a:bodyPr>
-          <a:lstStyle/>
-          <a:p>
-            <a:pPr marL="285750" indent="-285750">
-              <a:buClr>
-                <a:schemeClr val="tx2"/>
-              </a:buClr>
-              <a:buFont typeface="Wingdings" charset="2"/>
-              <a:buChar char="§"/>
-            </a:pPr>
-            <a:r>
-              <a:rPr lang="en-US" dirty="0"/>
-              <a:t>U</a:t>
-            </a:r>
-            <a:r>
-              <a:rPr lang="en-US" dirty="0" smtClean="0"/>
-              <a:t>pload large amount of files for data analysis in minutes</a:t>
-            </a:r>
-          </a:p>
-          <a:p>
-            <a:pPr marL="285750" indent="-285750">
-              <a:buClr>
-                <a:schemeClr val="tx2"/>
-              </a:buClr>
-              <a:buFont typeface="Wingdings" charset="2"/>
-              <a:buChar char="§"/>
-            </a:pPr>
-            <a:r>
-              <a:rPr lang="en-US" dirty="0" smtClean="0"/>
-              <a:t>Use SQL to extract data in forms of what they want</a:t>
-            </a:r>
-          </a:p>
-          <a:p>
-            <a:pPr marL="285750" indent="-285750">
-              <a:buClr>
-                <a:schemeClr val="tx2"/>
-              </a:buClr>
-              <a:buFont typeface="Wingdings" charset="2"/>
-              <a:buChar char="§"/>
-            </a:pPr>
-            <a:r>
-              <a:rPr lang="en-US" dirty="0" smtClean="0"/>
-              <a:t>Categorize flat files into different </a:t>
-            </a:r>
-            <a:r>
-              <a:rPr lang="en-US" dirty="0"/>
-              <a:t>kinds intelligently</a:t>
-            </a:r>
-            <a:endParaRPr lang="en-US" dirty="0" smtClean="0"/>
-          </a:p>
-          <a:p>
-            <a:pPr marL="285750" indent="-285750">
-              <a:buClr>
-                <a:schemeClr val="tx2"/>
-              </a:buClr>
-              <a:buFont typeface="Wingdings" charset="2"/>
-              <a:buChar char="§"/>
-            </a:pPr>
-            <a:r>
-              <a:rPr lang="en-US" dirty="0" smtClean="0"/>
-              <a:t>Benefit for Business Analysts globally</a:t>
+            <a:pPr defTabSz="911351"/>
+            <a:r>
+              <a:rPr lang="en-US" smtClean="0"/>
+              <a:t>RESTRICTED</a:t>
             </a:r>
             <a:endParaRPr lang="en-US" dirty="0"/>
           </a:p>
@@ -36123,13 +36915,25 @@
     </p:spTree>
     <p:extLst>
       <p:ext uri="{BB962C8B-B14F-4D97-AF65-F5344CB8AC3E}">
-        <p14:creationId xmlns:p14="http://schemas.microsoft.com/office/powerpoint/2010/main" val="792534108"/>
+        <p14:creationId xmlns:p14="http://schemas.microsoft.com/office/powerpoint/2010/main" val="1755423525"/>
       </p:ext>
     </p:extLst>
   </p:cSld>
   <p:clrMapOvr>
     <a:masterClrMapping/>
   </p:clrMapOvr>
+  <mc:AlternateContent xmlns:mc="http://schemas.openxmlformats.org/markup-compatibility/2006" xmlns:p14="http://schemas.microsoft.com/office/powerpoint/2010/main">
+    <mc:Choice Requires="p14">
+      <p:transition spd="med" p14:dur="700">
+        <p:fade/>
+      </p:transition>
+    </mc:Choice>
+    <mc:Fallback xmlns="">
+      <p:transition spd="med">
+        <p:fade/>
+      </p:transition>
+    </mc:Fallback>
+  </mc:AlternateContent>
   <p:timing>
     <p:tnLst>
       <p:par>
@@ -36174,478 +36978,13 @@
           <a:p>
             <a:r>
               <a:rPr lang="en-US" dirty="0" smtClean="0"/>
-              <a:t>Agenda</a:t>
+              <a:t>Comparison</a:t>
             </a:r>
             <a:br>
               <a:rPr lang="en-US" dirty="0" smtClean="0"/>
             </a:br>
             <a:r>
-              <a:rPr lang="en-US" dirty="0">
-                <a:solidFill>
-                  <a:schemeClr val="bg1">
-                    <a:lumMod val="50000"/>
-                  </a:schemeClr>
-                </a:solidFill>
-              </a:rPr>
-              <a:t>What’s next?</a:t>
-            </a:r>
-            <a:endParaRPr lang="en-US" dirty="0"/>
-          </a:p>
-        </p:txBody>
-      </p:sp>
-      <p:sp>
-        <p:nvSpPr>
-          <p:cNvPr id="3" name="Footer Placeholder 2"/>
-          <p:cNvSpPr>
-            <a:spLocks noGrp="1"/>
-          </p:cNvSpPr>
-          <p:nvPr>
-            <p:ph type="ftr" sz="quarter" idx="10"/>
-          </p:nvPr>
-        </p:nvSpPr>
-        <p:spPr/>
-        <p:txBody>
-          <a:bodyPr/>
-          <a:lstStyle/>
-          <a:p>
-            <a:pPr defTabSz="911351"/>
-            <a:endParaRPr lang="en-US" dirty="0"/>
-          </a:p>
-        </p:txBody>
-      </p:sp>
-      <p:sp>
-        <p:nvSpPr>
-          <p:cNvPr id="4" name="Rounded Rectangle 3"/>
-          <p:cNvSpPr/>
-          <p:nvPr/>
-        </p:nvSpPr>
-        <p:spPr bwMode="auto">
-          <a:xfrm>
-            <a:off x="750494" y="1319835"/>
-            <a:ext cx="3657600" cy="2130724"/>
-          </a:xfrm>
-          <a:prstGeom prst="roundRect">
-            <a:avLst/>
-          </a:prstGeom>
-          <a:solidFill>
-            <a:srgbClr val="00B050">
-              <a:alpha val="30000"/>
-            </a:srgbClr>
-          </a:solidFill>
-          <a:ln w="57150" cap="flat" cmpd="sng" algn="ctr">
-            <a:solidFill>
-              <a:schemeClr val="tx1">
-                <a:alpha val="30000"/>
-              </a:schemeClr>
-            </a:solidFill>
-            <a:prstDash val="solid"/>
-            <a:round/>
-            <a:headEnd type="none" w="med" len="med"/>
-            <a:tailEnd type="none" w="med" len="med"/>
-          </a:ln>
-          <a:effectLst/>
-        </p:spPr>
-        <p:txBody>
-          <a:bodyPr vert="horz" wrap="none" lIns="91440" tIns="45720" rIns="91440" bIns="45720" numCol="1" rtlCol="0" anchor="ctr" anchorCtr="0" compatLnSpc="1">
-            <a:prstTxWarp prst="textNoShape">
-              <a:avLst/>
-            </a:prstTxWarp>
-          </a:bodyPr>
-          <a:lstStyle/>
-          <a:p>
-            <a:pPr marL="0" marR="0" indent="0" algn="ctr" defTabSz="858838" rtl="0" eaLnBrk="0" fontAlgn="base" latinLnBrk="0" hangingPunct="0">
-              <a:lnSpc>
-                <a:spcPct val="100000"/>
-              </a:lnSpc>
-              <a:spcBef>
-                <a:spcPct val="50000"/>
-              </a:spcBef>
-              <a:spcAft>
-                <a:spcPct val="0"/>
-              </a:spcAft>
-              <a:buClrTx/>
-              <a:buSzTx/>
-              <a:buFontTx/>
-              <a:buNone/>
-              <a:tabLst/>
-            </a:pPr>
-            <a:r>
-              <a:rPr kumimoji="0" lang="en-US" sz="2400" b="1" u="none" strike="noStrike" cap="none" normalizeH="0" baseline="0" dirty="0" smtClean="0">
-                <a:ln>
-                  <a:noFill/>
-                </a:ln>
-                <a:solidFill>
-                  <a:schemeClr val="bg1"/>
-                </a:solidFill>
-                <a:effectLst/>
-                <a:latin typeface="Arial" charset="0"/>
-              </a:rPr>
-              <a:t>Self-Introduction</a:t>
-            </a:r>
-          </a:p>
-        </p:txBody>
-      </p:sp>
-      <p:sp>
-        <p:nvSpPr>
-          <p:cNvPr id="5" name="Rounded Rectangle 4"/>
-          <p:cNvSpPr/>
-          <p:nvPr/>
-        </p:nvSpPr>
-        <p:spPr bwMode="auto">
-          <a:xfrm>
-            <a:off x="4710021" y="3825711"/>
-            <a:ext cx="3657600" cy="2130724"/>
-          </a:xfrm>
-          <a:prstGeom prst="roundRect">
-            <a:avLst/>
-          </a:prstGeom>
-          <a:solidFill>
-            <a:srgbClr val="FF0000">
-              <a:alpha val="30000"/>
-            </a:srgbClr>
-          </a:solidFill>
-          <a:ln w="57150" cap="flat" cmpd="sng" algn="ctr">
-            <a:solidFill>
-              <a:schemeClr val="tx1">
-                <a:alpha val="30000"/>
-              </a:schemeClr>
-            </a:solidFill>
-            <a:prstDash val="solid"/>
-            <a:round/>
-            <a:headEnd type="none" w="med" len="med"/>
-            <a:tailEnd type="none" w="med" len="med"/>
-          </a:ln>
-          <a:effectLst/>
-        </p:spPr>
-        <p:txBody>
-          <a:bodyPr vert="horz" wrap="none" lIns="91440" tIns="45720" rIns="91440" bIns="45720" numCol="1" rtlCol="0" anchor="ctr" anchorCtr="0" compatLnSpc="1">
-            <a:prstTxWarp prst="textNoShape">
-              <a:avLst/>
-            </a:prstTxWarp>
-          </a:bodyPr>
-          <a:lstStyle/>
-          <a:p>
-            <a:pPr marL="0" marR="0" indent="0" algn="ctr" defTabSz="858838" rtl="0" eaLnBrk="0" fontAlgn="base" latinLnBrk="0" hangingPunct="0">
-              <a:lnSpc>
-                <a:spcPct val="100000"/>
-              </a:lnSpc>
-              <a:spcBef>
-                <a:spcPct val="50000"/>
-              </a:spcBef>
-              <a:spcAft>
-                <a:spcPct val="0"/>
-              </a:spcAft>
-              <a:buClrTx/>
-              <a:buSzTx/>
-              <a:buFontTx/>
-              <a:buNone/>
-              <a:tabLst/>
-            </a:pPr>
-            <a:r>
-              <a:rPr kumimoji="0" lang="en-US" sz="2400" b="1" u="none" strike="noStrike" cap="none" normalizeH="0" baseline="0" dirty="0" smtClean="0">
-                <a:ln>
-                  <a:noFill/>
-                </a:ln>
-                <a:solidFill>
-                  <a:schemeClr val="bg1"/>
-                </a:solidFill>
-                <a:effectLst/>
-                <a:latin typeface="Arial" charset="0"/>
-              </a:rPr>
-              <a:t>Comments</a:t>
-            </a:r>
-          </a:p>
-        </p:txBody>
-      </p:sp>
-      <p:sp>
-        <p:nvSpPr>
-          <p:cNvPr id="6" name="Rounded Rectangle 5"/>
-          <p:cNvSpPr/>
-          <p:nvPr/>
-        </p:nvSpPr>
-        <p:spPr bwMode="auto">
-          <a:xfrm>
-            <a:off x="750494" y="3825711"/>
-            <a:ext cx="3657600" cy="2130724"/>
-          </a:xfrm>
-          <a:prstGeom prst="roundRect">
-            <a:avLst/>
-          </a:prstGeom>
-          <a:solidFill>
-            <a:srgbClr val="00B0F0"/>
-          </a:solidFill>
-          <a:ln w="57150" cap="flat" cmpd="sng" algn="ctr">
-            <a:solidFill>
-              <a:schemeClr val="tx1"/>
-            </a:solidFill>
-            <a:prstDash val="solid"/>
-            <a:round/>
-            <a:headEnd type="none" w="med" len="med"/>
-            <a:tailEnd type="none" w="med" len="med"/>
-          </a:ln>
-          <a:effectLst/>
-        </p:spPr>
-        <p:txBody>
-          <a:bodyPr vert="horz" wrap="none" lIns="91440" tIns="45720" rIns="91440" bIns="45720" numCol="1" rtlCol="0" anchor="ctr" anchorCtr="0" compatLnSpc="1">
-            <a:prstTxWarp prst="textNoShape">
-              <a:avLst/>
-            </a:prstTxWarp>
-          </a:bodyPr>
-          <a:lstStyle/>
-          <a:p>
-            <a:pPr algn="ctr" defTabSz="858838" eaLnBrk="0" fontAlgn="base" hangingPunct="0">
-              <a:spcBef>
-                <a:spcPct val="50000"/>
-              </a:spcBef>
-              <a:spcAft>
-                <a:spcPct val="0"/>
-              </a:spcAft>
-            </a:pPr>
-            <a:r>
-              <a:rPr lang="en-US" altLang="zh-TW" sz="2400" b="1" dirty="0" smtClean="0">
-                <a:solidFill>
-                  <a:schemeClr val="bg1"/>
-                </a:solidFill>
-                <a:latin typeface="Arial" charset="0"/>
-              </a:rPr>
-              <a:t>Comparison</a:t>
-            </a:r>
-          </a:p>
-        </p:txBody>
-      </p:sp>
-      <p:sp>
-        <p:nvSpPr>
-          <p:cNvPr id="7" name="Rounded Rectangle 6"/>
-          <p:cNvSpPr/>
-          <p:nvPr/>
-        </p:nvSpPr>
-        <p:spPr bwMode="auto">
-          <a:xfrm>
-            <a:off x="4710021" y="1319835"/>
-            <a:ext cx="3657600" cy="2130724"/>
-          </a:xfrm>
-          <a:prstGeom prst="roundRect">
-            <a:avLst/>
-          </a:prstGeom>
-          <a:solidFill>
-            <a:srgbClr val="FFC000">
-              <a:alpha val="30000"/>
-            </a:srgbClr>
-          </a:solidFill>
-          <a:ln w="57150" cap="flat" cmpd="sng" algn="ctr">
-            <a:solidFill>
-              <a:schemeClr val="tx1">
-                <a:alpha val="30000"/>
-              </a:schemeClr>
-            </a:solidFill>
-            <a:prstDash val="solid"/>
-            <a:round/>
-            <a:headEnd type="none" w="med" len="med"/>
-            <a:tailEnd type="none" w="med" len="med"/>
-          </a:ln>
-          <a:effectLst/>
-        </p:spPr>
-        <p:txBody>
-          <a:bodyPr vert="horz" wrap="none" lIns="91440" tIns="45720" rIns="91440" bIns="45720" numCol="1" rtlCol="0" anchor="ctr" anchorCtr="0" compatLnSpc="1">
-            <a:prstTxWarp prst="textNoShape">
-              <a:avLst/>
-            </a:prstTxWarp>
-          </a:bodyPr>
-          <a:lstStyle/>
-          <a:p>
-            <a:pPr algn="ctr" defTabSz="858838" eaLnBrk="0" fontAlgn="base" hangingPunct="0">
-              <a:spcBef>
-                <a:spcPct val="50000"/>
-              </a:spcBef>
-              <a:spcAft>
-                <a:spcPct val="0"/>
-              </a:spcAft>
-            </a:pPr>
-            <a:r>
-              <a:rPr lang="en-US" sz="2400" b="1" dirty="0" smtClean="0">
-                <a:solidFill>
-                  <a:schemeClr val="bg1"/>
-                </a:solidFill>
-                <a:latin typeface="Arial" charset="0"/>
-              </a:rPr>
-              <a:t>Projects</a:t>
-            </a:r>
-            <a:endParaRPr lang="en-US" sz="2400" b="1" dirty="0">
-              <a:solidFill>
-                <a:schemeClr val="bg1"/>
-              </a:solidFill>
-              <a:latin typeface="Arial" charset="0"/>
-            </a:endParaRPr>
-          </a:p>
-        </p:txBody>
-      </p:sp>
-      <p:sp>
-        <p:nvSpPr>
-          <p:cNvPr id="8" name="Flowchart: Connector 9"/>
-          <p:cNvSpPr/>
-          <p:nvPr/>
-        </p:nvSpPr>
-        <p:spPr bwMode="auto">
-          <a:xfrm>
-            <a:off x="3319490" y="2494737"/>
-            <a:ext cx="2462183" cy="2396336"/>
-          </a:xfrm>
-          <a:prstGeom prst="flowChartConnector">
-            <a:avLst/>
-          </a:prstGeom>
-          <a:solidFill>
-            <a:schemeClr val="bg1"/>
-          </a:solidFill>
-          <a:ln w="50800" cap="flat" cmpd="sng" algn="ctr">
-            <a:solidFill>
-              <a:schemeClr val="bg1"/>
-            </a:solidFill>
-            <a:prstDash val="solid"/>
-            <a:round/>
-            <a:headEnd type="none" w="med" len="med"/>
-            <a:tailEnd type="none" w="med" len="med"/>
-          </a:ln>
-          <a:effectLst/>
-        </p:spPr>
-        <p:txBody>
-          <a:bodyPr vert="horz" wrap="none" lIns="91440" tIns="45720" rIns="91440" bIns="45720" numCol="1" rtlCol="0" anchor="ctr" anchorCtr="0" compatLnSpc="1">
-            <a:prstTxWarp prst="textNoShape">
-              <a:avLst/>
-            </a:prstTxWarp>
-          </a:bodyPr>
-          <a:lstStyle/>
-          <a:p>
-            <a:pPr marL="0" marR="0" indent="0" algn="ctr" defTabSz="858838" rtl="0" eaLnBrk="0" fontAlgn="base" latinLnBrk="0" hangingPunct="0">
-              <a:lnSpc>
-                <a:spcPct val="100000"/>
-              </a:lnSpc>
-              <a:spcBef>
-                <a:spcPct val="50000"/>
-              </a:spcBef>
-              <a:spcAft>
-                <a:spcPct val="0"/>
-              </a:spcAft>
-              <a:buClrTx/>
-              <a:buSzTx/>
-              <a:buFontTx/>
-              <a:buNone/>
-              <a:tabLst/>
-            </a:pPr>
-            <a:endParaRPr kumimoji="0" lang="en-US" sz="600" b="1" i="1" u="none" strike="noStrike" cap="none" normalizeH="0" baseline="0" smtClean="0">
-              <a:ln>
-                <a:noFill/>
-              </a:ln>
-              <a:solidFill>
-                <a:schemeClr val="tx1"/>
-              </a:solidFill>
-              <a:effectLst/>
-              <a:latin typeface="Arial" charset="0"/>
-            </a:endParaRPr>
-          </a:p>
-        </p:txBody>
-      </p:sp>
-      <p:pic>
-        <p:nvPicPr>
-          <p:cNvPr id="9" name="Picture 2" descr="HSBC的圖片搜尋結果"/>
-          <p:cNvPicPr>
-            <a:picLocks noChangeAspect="1" noChangeArrowheads="1"/>
-          </p:cNvPicPr>
-          <p:nvPr/>
-        </p:nvPicPr>
-        <p:blipFill>
-          <a:blip r:embed="rId2" cstate="print">
-            <a:extLst>
-              <a:ext uri="{28A0092B-C50C-407E-A947-70E740481C1C}">
-                <a14:useLocalDpi xmlns:a14="http://schemas.microsoft.com/office/drawing/2010/main" val="0"/>
-              </a:ext>
-            </a:extLst>
-          </a:blip>
-          <a:srcRect/>
-          <a:stretch>
-            <a:fillRect/>
-          </a:stretch>
-        </p:blipFill>
-        <p:spPr bwMode="auto">
-          <a:xfrm>
-            <a:off x="3814718" y="3041049"/>
-            <a:ext cx="1476523" cy="1246562"/>
-          </a:xfrm>
-          <a:prstGeom prst="rect">
-            <a:avLst/>
-          </a:prstGeom>
-          <a:noFill/>
-          <a:extLst>
-            <a:ext uri="{909E8E84-426E-40DD-AFC4-6F175D3DCCD1}">
-              <a14:hiddenFill xmlns:a14="http://schemas.microsoft.com/office/drawing/2010/main">
-                <a:solidFill>
-                  <a:srgbClr val="FFFFFF"/>
-                </a:solidFill>
-              </a14:hiddenFill>
-            </a:ext>
-          </a:extLst>
-        </p:spPr>
-      </p:pic>
-    </p:spTree>
-    <p:extLst>
-      <p:ext uri="{BB962C8B-B14F-4D97-AF65-F5344CB8AC3E}">
-        <p14:creationId xmlns:p14="http://schemas.microsoft.com/office/powerpoint/2010/main" val="1755423525"/>
-      </p:ext>
-    </p:extLst>
-  </p:cSld>
-  <p:clrMapOvr>
-    <a:masterClrMapping/>
-  </p:clrMapOvr>
-  <p:timing>
-    <p:tnLst>
-      <p:par>
-        <p:cTn id="1" dur="indefinite" restart="never" nodeType="tmRoot"/>
-      </p:par>
-    </p:tnLst>
-  </p:timing>
-</p:sld>
-</file>
-
-<file path=ppt/slides/slide16.xml><?xml version="1.0" encoding="utf-8"?>
-<p:sld xmlns:a="http://schemas.openxmlformats.org/drawingml/2006/main" xmlns:r="http://schemas.openxmlformats.org/officeDocument/2006/relationships" xmlns:p="http://schemas.openxmlformats.org/presentationml/2006/main">
-  <p:cSld>
-    <p:spTree>
-      <p:nvGrpSpPr>
-        <p:cNvPr id="1" name=""/>
-        <p:cNvGrpSpPr/>
-        <p:nvPr/>
-      </p:nvGrpSpPr>
-      <p:grpSpPr>
-        <a:xfrm>
-          <a:off x="0" y="0"/>
-          <a:ext cx="0" cy="0"/>
-          <a:chOff x="0" y="0"/>
-          <a:chExt cx="0" cy="0"/>
-        </a:xfrm>
-      </p:grpSpPr>
-      <p:sp>
-        <p:nvSpPr>
-          <p:cNvPr id="2" name="Title 1"/>
-          <p:cNvSpPr>
-            <a:spLocks noGrp="1"/>
-          </p:cNvSpPr>
-          <p:nvPr>
-            <p:ph type="title"/>
-          </p:nvPr>
-        </p:nvSpPr>
-        <p:spPr/>
-        <p:txBody>
-          <a:bodyPr/>
-          <a:lstStyle/>
-          <a:p>
-            <a:r>
-              <a:rPr lang="en-US" dirty="0" smtClean="0"/>
-              <a:t>Comparison</a:t>
-            </a:r>
-            <a:br>
-              <a:rPr lang="en-US" dirty="0" smtClean="0"/>
-            </a:br>
-            <a:r>
-              <a:rPr lang="en-US" dirty="0" smtClean="0">
+              <a:rPr lang="en-US" sz="1400" dirty="0" smtClean="0">
                 <a:solidFill>
                   <a:schemeClr val="bg1">
                     <a:lumMod val="50000"/>
@@ -36654,33 +36993,13 @@
               </a:rPr>
               <a:t>How do they differ?</a:t>
             </a:r>
-            <a:endParaRPr lang="en-US" dirty="0">
+            <a:endParaRPr lang="en-US" sz="1400" dirty="0">
               <a:solidFill>
                 <a:schemeClr val="bg1">
                   <a:lumMod val="50000"/>
                 </a:schemeClr>
               </a:solidFill>
             </a:endParaRPr>
-          </a:p>
-        </p:txBody>
-      </p:sp>
-      <p:sp>
-        <p:nvSpPr>
-          <p:cNvPr id="3" name="Footer Placeholder 2"/>
-          <p:cNvSpPr>
-            <a:spLocks noGrp="1"/>
-          </p:cNvSpPr>
-          <p:nvPr>
-            <p:ph type="ftr" sz="quarter" idx="10"/>
-          </p:nvPr>
-        </p:nvSpPr>
-        <p:spPr/>
-        <p:txBody>
-          <a:bodyPr/>
-          <a:lstStyle/>
-          <a:p>
-            <a:pPr defTabSz="911351"/>
-            <a:endParaRPr lang="en-US" dirty="0"/>
           </a:p>
         </p:txBody>
       </p:sp>
@@ -36693,14 +37012,14 @@
           <p:nvPr>
             <p:extLst>
               <p:ext uri="{D42A27DB-BD31-4B8C-83A1-F6EECF244321}">
-                <p14:modId xmlns:p14="http://schemas.microsoft.com/office/powerpoint/2010/main" val="111113340"/>
+                <p14:modId xmlns:p14="http://schemas.microsoft.com/office/powerpoint/2010/main" val="30876565"/>
               </p:ext>
             </p:extLst>
           </p:nvPr>
         </p:nvGraphicFramePr>
         <p:xfrm>
-          <a:off x="679263" y="1135742"/>
-          <a:ext cx="7724504" cy="4961191"/>
+          <a:off x="679263" y="1099529"/>
+          <a:ext cx="7722354" cy="5054159"/>
         </p:xfrm>
         <a:graphic>
           <a:graphicData uri="http://schemas.openxmlformats.org/drawingml/2006/table">
@@ -36709,12 +37028,12 @@
                 <a:tableStyleId>{F5AB1C69-6EDB-4FF4-983F-18BD219EF322}</a:tableStyleId>
               </a:tblPr>
               <a:tblGrid>
-                <a:gridCol w="1201786"/>
-                <a:gridCol w="1994263"/>
-                <a:gridCol w="2281646"/>
-                <a:gridCol w="2246809"/>
+                <a:gridCol w="1201452"/>
+                <a:gridCol w="2139956"/>
+                <a:gridCol w="2134762"/>
+                <a:gridCol w="2246184"/>
               </a:tblGrid>
-              <a:tr h="559406">
+              <a:tr h="670932">
                 <a:tc>
                   <a:txBody>
                     <a:bodyPr/>
@@ -36772,7 +37091,7 @@
                   <a:tcPr anchor="ctr"/>
                 </a:tc>
               </a:tr>
-              <a:tr h="664873">
+              <a:tr h="797425">
                 <a:tc>
                   <a:txBody>
                     <a:bodyPr/>
@@ -36846,7 +37165,7 @@
                   <a:tcPr anchor="ctr"/>
                 </a:tc>
               </a:tr>
-              <a:tr h="664873">
+              <a:tr h="725137">
                 <a:tc>
                   <a:txBody>
                     <a:bodyPr/>
@@ -36876,14 +37195,22 @@
                     <a:p>
                       <a:pPr algn="ctr"/>
                       <a:r>
-                        <a:rPr lang="en-US" sz="1200" dirty="0" smtClean="0"/>
+                        <a:rPr lang="en-US" sz="1400" dirty="0" smtClean="0"/>
                         <a:t>Mainly Hong</a:t>
                       </a:r>
                       <a:r>
-                        <a:rPr lang="en-US" sz="1200" baseline="0" dirty="0" smtClean="0"/>
-                        <a:t> Kong, but serving other APAC countries</a:t>
+                        <a:rPr lang="en-US" sz="1400" baseline="0" dirty="0" smtClean="0"/>
+                        <a:t> Kong, </a:t>
                       </a:r>
-                      <a:endParaRPr lang="en-US" sz="1200" dirty="0"/>
+                      <a:r>
+                        <a:rPr lang="en-US" sz="1400" baseline="0" dirty="0" smtClean="0"/>
+                        <a:t>and serving </a:t>
+                      </a:r>
+                      <a:r>
+                        <a:rPr lang="en-US" sz="1400" baseline="0" dirty="0" smtClean="0"/>
+                        <a:t>other APAC countries</a:t>
+                      </a:r>
+                      <a:endParaRPr lang="en-US" sz="1400" dirty="0"/>
                     </a:p>
                   </a:txBody>
                   <a:tcPr anchor="ctr"/>
@@ -36895,14 +37222,14 @@
                     <a:p>
                       <a:pPr algn="ctr"/>
                       <a:r>
-                        <a:rPr lang="en-US" sz="1200" dirty="0" smtClean="0"/>
+                        <a:rPr lang="en-US" sz="1400" dirty="0" smtClean="0"/>
                         <a:t>Coordinated</a:t>
                       </a:r>
                       <a:r>
-                        <a:rPr lang="en-US" sz="1200" baseline="0" dirty="0" smtClean="0"/>
+                        <a:rPr lang="en-US" sz="1400" baseline="0" dirty="0" smtClean="0"/>
                         <a:t> with APAC Teams</a:t>
                       </a:r>
-                      <a:endParaRPr lang="en-US" sz="1200" dirty="0"/>
+                      <a:endParaRPr lang="en-US" sz="1400" dirty="0"/>
                     </a:p>
                   </a:txBody>
                   <a:tcPr anchor="ctr"/>
@@ -36914,16 +37241,16 @@
                     <a:p>
                       <a:pPr algn="ctr"/>
                       <a:r>
-                        <a:rPr lang="en-US" sz="1200" dirty="0" smtClean="0"/>
+                        <a:rPr lang="en-US" sz="1400" dirty="0" smtClean="0"/>
                         <a:t>Globally Support</a:t>
                       </a:r>
-                      <a:endParaRPr lang="en-US" sz="1200" dirty="0"/>
+                      <a:endParaRPr lang="en-US" sz="1400" dirty="0"/>
                     </a:p>
                   </a:txBody>
                   <a:tcPr anchor="ctr"/>
                 </a:tc>
               </a:tr>
-              <a:tr h="1024013">
+              <a:tr h="1626118">
                 <a:tc>
                   <a:txBody>
                     <a:bodyPr/>
@@ -36949,7 +37276,7 @@
                         <a:buChar char="§"/>
                       </a:pPr>
                       <a:r>
-                        <a:rPr lang="en-US" sz="1200" baseline="0" dirty="0" smtClean="0"/>
+                        <a:rPr lang="en-US" sz="1400" baseline="0" dirty="0" smtClean="0"/>
                         <a:t>Startup-like</a:t>
                       </a:r>
                     </a:p>
@@ -36959,7 +37286,7 @@
                         <a:buChar char="§"/>
                       </a:pPr>
                       <a:r>
-                        <a:rPr lang="en-US" sz="1200" dirty="0" smtClean="0"/>
+                        <a:rPr lang="en-US" sz="1400" dirty="0" smtClean="0"/>
                         <a:t>Relaxing</a:t>
                       </a:r>
                     </a:p>
@@ -36969,11 +37296,11 @@
                         <a:buChar char="§"/>
                       </a:pPr>
                       <a:r>
-                        <a:rPr lang="en-US" sz="1200" dirty="0" smtClean="0"/>
+                        <a:rPr lang="en-US" sz="1400" dirty="0" smtClean="0"/>
                         <a:t>Internal</a:t>
                       </a:r>
                       <a:r>
-                        <a:rPr lang="en-US" sz="1200" baseline="0" dirty="0" smtClean="0"/>
+                        <a:rPr lang="en-US" sz="1400" baseline="0" dirty="0" smtClean="0"/>
                         <a:t> sharing</a:t>
                       </a:r>
                     </a:p>
@@ -36983,10 +37310,10 @@
                         <a:buChar char="§"/>
                       </a:pPr>
                       <a:r>
-                        <a:rPr lang="en-US" sz="1200" baseline="0" dirty="0" smtClean="0"/>
+                        <a:rPr lang="en-US" sz="1400" baseline="0" dirty="0" smtClean="0"/>
                         <a:t>Embraces new Tech</a:t>
                       </a:r>
-                      <a:endParaRPr lang="en-US" sz="1200" dirty="0"/>
+                      <a:endParaRPr lang="en-US" sz="1400" dirty="0"/>
                     </a:p>
                   </a:txBody>
                   <a:tcPr anchor="ctr"/>
@@ -37002,7 +37329,7 @@
                         <a:buChar char="§"/>
                       </a:pPr>
                       <a:r>
-                        <a:rPr lang="en-US" sz="1200" dirty="0" smtClean="0"/>
+                        <a:rPr lang="en-US" sz="1400" dirty="0" smtClean="0"/>
                         <a:t>Innovative</a:t>
                       </a:r>
                     </a:p>
@@ -37013,7 +37340,7 @@
                         <a:buChar char="§"/>
                       </a:pPr>
                       <a:r>
-                        <a:rPr lang="en-US" sz="1200" baseline="0" dirty="0" smtClean="0"/>
+                        <a:rPr lang="en-US" sz="1400" baseline="0" dirty="0" smtClean="0"/>
                         <a:t>Rapid Development</a:t>
                       </a:r>
                     </a:p>
@@ -37024,7 +37351,7 @@
                         <a:buChar char="§"/>
                       </a:pPr>
                       <a:r>
-                        <a:rPr lang="en-US" sz="1200" baseline="0" dirty="0" smtClean="0"/>
+                        <a:rPr lang="en-US" sz="1400" baseline="0" dirty="0" smtClean="0"/>
                         <a:t>Solid Control</a:t>
                       </a:r>
                     </a:p>
@@ -37047,11 +37374,11 @@
                         <a:defRPr/>
                       </a:pPr>
                       <a:r>
-                        <a:rPr lang="en-US" sz="1200" dirty="0" smtClean="0"/>
+                        <a:rPr lang="en-US" sz="1400" dirty="0" smtClean="0"/>
                         <a:t>Diversified</a:t>
                       </a:r>
                       <a:r>
-                        <a:rPr lang="en-US" sz="1200" baseline="0" dirty="0" smtClean="0"/>
+                        <a:rPr lang="en-US" sz="1400" baseline="0" dirty="0" smtClean="0"/>
                         <a:t> team structure</a:t>
                       </a:r>
                     </a:p>
@@ -37069,7 +37396,7 @@
                         <a:buChar char="§"/>
                       </a:pPr>
                       <a:r>
-                        <a:rPr lang="en-US" sz="1200" dirty="0" smtClean="0"/>
+                        <a:rPr lang="en-US" sz="1400" dirty="0" smtClean="0"/>
                         <a:t>Intense but exciting</a:t>
                       </a:r>
                     </a:p>
@@ -37080,7 +37407,7 @@
                         <a:buChar char="§"/>
                       </a:pPr>
                       <a:r>
-                        <a:rPr lang="en-US" sz="1200" dirty="0" smtClean="0"/>
+                        <a:rPr lang="en-US" sz="1400" dirty="0" smtClean="0"/>
                         <a:t>Conservative</a:t>
                       </a:r>
                     </a:p>
@@ -37091,11 +37418,11 @@
                         <a:buChar char="§"/>
                       </a:pPr>
                       <a:r>
-                        <a:rPr lang="en-US" sz="1200" dirty="0" smtClean="0"/>
+                        <a:rPr lang="en-US" sz="1400" dirty="0" smtClean="0"/>
                         <a:t>Precise</a:t>
                       </a:r>
                       <a:r>
-                        <a:rPr lang="en-US" sz="1200" baseline="0" dirty="0" smtClean="0"/>
+                        <a:rPr lang="en-US" sz="1400" baseline="0" dirty="0" smtClean="0"/>
                         <a:t> computing</a:t>
                       </a:r>
                     </a:p>
@@ -37106,65 +37433,16 @@
                         <a:buChar char="§"/>
                       </a:pPr>
                       <a:r>
-                        <a:rPr lang="en-US" sz="1200" baseline="0" dirty="0" smtClean="0"/>
-                        <a:t>Filled with Prod Issues</a:t>
+                        <a:rPr lang="en-US" sz="1400" baseline="0" dirty="0" smtClean="0"/>
+                        <a:t>Adaptive to Prod Issues</a:t>
                       </a:r>
-                      <a:endParaRPr lang="en-US" sz="1200" dirty="0"/>
-                    </a:p>
-                  </a:txBody>
-                  <a:tcPr anchor="ctr"/>
-                </a:tc>
-              </a:tr>
-              <a:tr h="1024013">
-                <a:tc>
-                  <a:txBody>
-                    <a:bodyPr/>
-                    <a:lstStyle/>
-                    <a:p>
-                      <a:pPr algn="ctr"/>
-                      <a:endParaRPr lang="en-US" sz="1400" dirty="0"/>
-                    </a:p>
-                  </a:txBody>
-                  <a:tcPr anchor="ctr"/>
-                </a:tc>
-                <a:tc>
-                  <a:txBody>
-                    <a:bodyPr/>
-                    <a:lstStyle/>
-                    <a:p>
-                      <a:pPr marL="285750" indent="-285750" algn="l">
-                        <a:buFont typeface="Arial" charset="0"/>
-                        <a:buChar char="•"/>
-                      </a:pPr>
-                      <a:endParaRPr lang="en-US" sz="1400" dirty="0"/>
-                    </a:p>
-                  </a:txBody>
-                  <a:tcPr anchor="ctr"/>
-                </a:tc>
-                <a:tc>
-                  <a:txBody>
-                    <a:bodyPr/>
-                    <a:lstStyle/>
-                    <a:p>
-                      <a:pPr algn="l"/>
-                      <a:endParaRPr lang="en-US" sz="1400" dirty="0"/>
-                    </a:p>
-                  </a:txBody>
-                  <a:tcPr anchor="ctr"/>
-                </a:tc>
-                <a:tc>
-                  <a:txBody>
-                    <a:bodyPr/>
-                    <a:lstStyle/>
-                    <a:p>
-                      <a:pPr algn="l"/>
                       <a:endParaRPr lang="en-US" sz="1400" dirty="0"/>
                     </a:p>
                   </a:txBody>
                   <a:tcPr anchor="ctr"/>
                 </a:tc>
               </a:tr>
-              <a:tr h="1024013">
+              <a:tr h="1228164">
                 <a:tc>
                   <a:txBody>
                     <a:bodyPr/>
@@ -37172,8 +37450,12 @@
                     <a:p>
                       <a:pPr algn="ctr"/>
                       <a:r>
-                        <a:rPr lang="en-US" sz="1400" smtClean="0"/>
-                        <a:t>DevOps Progress</a:t>
+                        <a:rPr lang="en-US" sz="1400" dirty="0" err="1" smtClean="0"/>
+                        <a:t>DevOps</a:t>
+                      </a:r>
+                      <a:r>
+                        <a:rPr lang="en-US" sz="1400" dirty="0" smtClean="0"/>
+                        <a:t> Progress</a:t>
                       </a:r>
                       <a:endParaRPr lang="en-US" sz="1400" dirty="0"/>
                     </a:p>
@@ -37234,6 +37516,30 @@
           </a:graphicData>
         </a:graphic>
       </p:graphicFrame>
+      <p:sp>
+        <p:nvSpPr>
+          <p:cNvPr id="5" name="Footer Placeholder 4"/>
+          <p:cNvSpPr>
+            <a:spLocks noGrp="1"/>
+          </p:cNvSpPr>
+          <p:nvPr>
+            <p:ph type="ftr" sz="quarter" idx="10"/>
+          </p:nvPr>
+        </p:nvSpPr>
+        <p:spPr/>
+        <p:txBody>
+          <a:bodyPr/>
+          <a:lstStyle/>
+          <a:p>
+            <a:pPr defTabSz="911351"/>
+            <a:r>
+              <a:rPr lang="en-US" smtClean="0"/>
+              <a:t>RESTRICTED</a:t>
+            </a:r>
+            <a:endParaRPr lang="en-US" dirty="0"/>
+          </a:p>
+        </p:txBody>
+      </p:sp>
     </p:spTree>
     <p:extLst>
       <p:ext uri="{BB962C8B-B14F-4D97-AF65-F5344CB8AC3E}">
@@ -37244,6 +37550,487 @@
   <p:clrMapOvr>
     <a:masterClrMapping/>
   </p:clrMapOvr>
+  <p:timing>
+    <p:tnLst>
+      <p:par>
+        <p:cTn id="1" dur="indefinite" restart="never" nodeType="tmRoot"/>
+      </p:par>
+    </p:tnLst>
+  </p:timing>
+</p:sld>
+</file>
+
+<file path=ppt/slides/slide16.xml><?xml version="1.0" encoding="utf-8"?>
+<p:sld xmlns:a="http://schemas.openxmlformats.org/drawingml/2006/main" xmlns:r="http://schemas.openxmlformats.org/officeDocument/2006/relationships" xmlns:p="http://schemas.openxmlformats.org/presentationml/2006/main">
+  <p:cSld>
+    <p:spTree>
+      <p:nvGrpSpPr>
+        <p:cNvPr id="1" name=""/>
+        <p:cNvGrpSpPr/>
+        <p:nvPr/>
+      </p:nvGrpSpPr>
+      <p:grpSpPr>
+        <a:xfrm>
+          <a:off x="0" y="0"/>
+          <a:ext cx="0" cy="0"/>
+          <a:chOff x="0" y="0"/>
+          <a:chExt cx="0" cy="0"/>
+        </a:xfrm>
+      </p:grpSpPr>
+      <p:sp>
+        <p:nvSpPr>
+          <p:cNvPr id="2" name="Title 1"/>
+          <p:cNvSpPr>
+            <a:spLocks noGrp="1"/>
+          </p:cNvSpPr>
+          <p:nvPr>
+            <p:ph type="title"/>
+          </p:nvPr>
+        </p:nvSpPr>
+        <p:spPr/>
+        <p:txBody>
+          <a:bodyPr/>
+          <a:lstStyle/>
+          <a:p>
+            <a:r>
+              <a:rPr lang="en-US" dirty="0" smtClean="0"/>
+              <a:t>Agenda</a:t>
+            </a:r>
+            <a:br>
+              <a:rPr lang="en-US" dirty="0" smtClean="0"/>
+            </a:br>
+            <a:r>
+              <a:rPr lang="en-US" sz="1400" dirty="0">
+                <a:solidFill>
+                  <a:schemeClr val="bg1">
+                    <a:lumMod val="50000"/>
+                  </a:schemeClr>
+                </a:solidFill>
+              </a:rPr>
+              <a:t>What’s next?</a:t>
+            </a:r>
+            <a:endParaRPr lang="en-US" sz="1400" dirty="0"/>
+          </a:p>
+        </p:txBody>
+      </p:sp>
+      <p:sp>
+        <p:nvSpPr>
+          <p:cNvPr id="4" name="Rounded Rectangle 3"/>
+          <p:cNvSpPr/>
+          <p:nvPr/>
+        </p:nvSpPr>
+        <p:spPr bwMode="auto">
+          <a:xfrm>
+            <a:off x="750494" y="1319835"/>
+            <a:ext cx="3657600" cy="2130724"/>
+          </a:xfrm>
+          <a:prstGeom prst="roundRect">
+            <a:avLst/>
+          </a:prstGeom>
+          <a:solidFill>
+            <a:srgbClr val="00B050">
+              <a:alpha val="30000"/>
+            </a:srgbClr>
+          </a:solidFill>
+          <a:ln w="57150" cap="flat" cmpd="sng" algn="ctr">
+            <a:solidFill>
+              <a:schemeClr val="tx1">
+                <a:alpha val="30000"/>
+              </a:schemeClr>
+            </a:solidFill>
+            <a:prstDash val="solid"/>
+            <a:round/>
+            <a:headEnd type="none" w="med" len="med"/>
+            <a:tailEnd type="none" w="med" len="med"/>
+          </a:ln>
+          <a:effectLst/>
+        </p:spPr>
+        <p:txBody>
+          <a:bodyPr vert="horz" wrap="none" lIns="91440" tIns="45720" rIns="91440" bIns="45720" numCol="1" rtlCol="0" anchor="ctr" anchorCtr="0" compatLnSpc="1">
+            <a:prstTxWarp prst="textNoShape">
+              <a:avLst/>
+            </a:prstTxWarp>
+          </a:bodyPr>
+          <a:lstStyle/>
+          <a:p>
+            <a:pPr marL="0" marR="0" indent="0" algn="ctr" defTabSz="858838" rtl="0" eaLnBrk="0" fontAlgn="base" latinLnBrk="0" hangingPunct="0">
+              <a:lnSpc>
+                <a:spcPct val="100000"/>
+              </a:lnSpc>
+              <a:spcBef>
+                <a:spcPct val="50000"/>
+              </a:spcBef>
+              <a:spcAft>
+                <a:spcPct val="0"/>
+              </a:spcAft>
+              <a:buClrTx/>
+              <a:buSzTx/>
+              <a:buFontTx/>
+              <a:buNone/>
+              <a:tabLst/>
+            </a:pPr>
+            <a:r>
+              <a:rPr kumimoji="0" lang="en-US" sz="2400" b="1" u="none" strike="noStrike" cap="none" normalizeH="0" baseline="0" dirty="0" smtClean="0">
+                <a:ln>
+                  <a:noFill/>
+                </a:ln>
+                <a:solidFill>
+                  <a:schemeClr val="bg1"/>
+                </a:solidFill>
+                <a:effectLst/>
+                <a:latin typeface="Arial" charset="0"/>
+              </a:rPr>
+              <a:t>Self-Introduction</a:t>
+            </a:r>
+          </a:p>
+        </p:txBody>
+      </p:sp>
+      <p:sp>
+        <p:nvSpPr>
+          <p:cNvPr id="5" name="Rounded Rectangle 4"/>
+          <p:cNvSpPr/>
+          <p:nvPr/>
+        </p:nvSpPr>
+        <p:spPr bwMode="auto">
+          <a:xfrm>
+            <a:off x="4710021" y="3825711"/>
+            <a:ext cx="3657600" cy="2130724"/>
+          </a:xfrm>
+          <a:prstGeom prst="roundRect">
+            <a:avLst/>
+          </a:prstGeom>
+          <a:solidFill>
+            <a:schemeClr val="tx2"/>
+          </a:solidFill>
+          <a:ln w="57150" cap="flat" cmpd="sng" algn="ctr">
+            <a:solidFill>
+              <a:schemeClr val="tx1"/>
+            </a:solidFill>
+            <a:prstDash val="solid"/>
+            <a:round/>
+            <a:headEnd type="none" w="med" len="med"/>
+            <a:tailEnd type="none" w="med" len="med"/>
+          </a:ln>
+          <a:effectLst/>
+        </p:spPr>
+        <p:txBody>
+          <a:bodyPr vert="horz" wrap="none" lIns="91440" tIns="45720" rIns="91440" bIns="45720" numCol="1" rtlCol="0" anchor="ctr" anchorCtr="0" compatLnSpc="1">
+            <a:prstTxWarp prst="textNoShape">
+              <a:avLst/>
+            </a:prstTxWarp>
+          </a:bodyPr>
+          <a:lstStyle/>
+          <a:p>
+            <a:pPr marL="0" marR="0" indent="0" algn="ctr" defTabSz="858838" rtl="0" eaLnBrk="0" fontAlgn="base" latinLnBrk="0" hangingPunct="0">
+              <a:lnSpc>
+                <a:spcPct val="100000"/>
+              </a:lnSpc>
+              <a:spcBef>
+                <a:spcPct val="50000"/>
+              </a:spcBef>
+              <a:spcAft>
+                <a:spcPct val="0"/>
+              </a:spcAft>
+              <a:buClrTx/>
+              <a:buSzTx/>
+              <a:buFontTx/>
+              <a:buNone/>
+              <a:tabLst/>
+            </a:pPr>
+            <a:r>
+              <a:rPr kumimoji="0" lang="en-US" sz="2400" b="1" u="none" strike="noStrike" cap="none" normalizeH="0" baseline="0" dirty="0" smtClean="0">
+                <a:ln>
+                  <a:noFill/>
+                </a:ln>
+                <a:solidFill>
+                  <a:schemeClr val="bg1"/>
+                </a:solidFill>
+                <a:effectLst/>
+                <a:latin typeface="Arial" charset="0"/>
+              </a:rPr>
+              <a:t>Comments</a:t>
+            </a:r>
+          </a:p>
+        </p:txBody>
+      </p:sp>
+      <p:sp>
+        <p:nvSpPr>
+          <p:cNvPr id="6" name="Rounded Rectangle 5"/>
+          <p:cNvSpPr/>
+          <p:nvPr/>
+        </p:nvSpPr>
+        <p:spPr bwMode="auto">
+          <a:xfrm>
+            <a:off x="750494" y="3825711"/>
+            <a:ext cx="3657600" cy="2130724"/>
+          </a:xfrm>
+          <a:prstGeom prst="roundRect">
+            <a:avLst/>
+          </a:prstGeom>
+          <a:solidFill>
+            <a:srgbClr val="00B0F0">
+              <a:alpha val="30000"/>
+            </a:srgbClr>
+          </a:solidFill>
+          <a:ln w="57150" cap="flat" cmpd="sng" algn="ctr">
+            <a:solidFill>
+              <a:schemeClr val="tx1">
+                <a:alpha val="30000"/>
+              </a:schemeClr>
+            </a:solidFill>
+            <a:prstDash val="solid"/>
+            <a:round/>
+            <a:headEnd type="none" w="med" len="med"/>
+            <a:tailEnd type="none" w="med" len="med"/>
+          </a:ln>
+          <a:effectLst/>
+        </p:spPr>
+        <p:txBody>
+          <a:bodyPr vert="horz" wrap="none" lIns="91440" tIns="45720" rIns="91440" bIns="45720" numCol="1" rtlCol="0" anchor="ctr" anchorCtr="0" compatLnSpc="1">
+            <a:prstTxWarp prst="textNoShape">
+              <a:avLst/>
+            </a:prstTxWarp>
+          </a:bodyPr>
+          <a:lstStyle/>
+          <a:p>
+            <a:pPr algn="ctr" defTabSz="858838" eaLnBrk="0" fontAlgn="base" hangingPunct="0">
+              <a:spcBef>
+                <a:spcPct val="50000"/>
+              </a:spcBef>
+              <a:spcAft>
+                <a:spcPct val="0"/>
+              </a:spcAft>
+            </a:pPr>
+            <a:r>
+              <a:rPr lang="en-US" altLang="zh-TW" sz="2400" b="1" dirty="0" smtClean="0">
+                <a:solidFill>
+                  <a:schemeClr val="bg1"/>
+                </a:solidFill>
+                <a:latin typeface="Arial" charset="0"/>
+              </a:rPr>
+              <a:t>Comparison</a:t>
+            </a:r>
+          </a:p>
+        </p:txBody>
+      </p:sp>
+      <p:sp>
+        <p:nvSpPr>
+          <p:cNvPr id="7" name="Rounded Rectangle 6"/>
+          <p:cNvSpPr/>
+          <p:nvPr/>
+        </p:nvSpPr>
+        <p:spPr bwMode="auto">
+          <a:xfrm>
+            <a:off x="4710021" y="1319835"/>
+            <a:ext cx="3657600" cy="2130724"/>
+          </a:xfrm>
+          <a:prstGeom prst="roundRect">
+            <a:avLst/>
+          </a:prstGeom>
+          <a:solidFill>
+            <a:srgbClr val="FFC000">
+              <a:alpha val="30000"/>
+            </a:srgbClr>
+          </a:solidFill>
+          <a:ln w="57150" cap="flat" cmpd="sng" algn="ctr">
+            <a:solidFill>
+              <a:schemeClr val="tx1">
+                <a:alpha val="30000"/>
+              </a:schemeClr>
+            </a:solidFill>
+            <a:prstDash val="solid"/>
+            <a:round/>
+            <a:headEnd type="none" w="med" len="med"/>
+            <a:tailEnd type="none" w="med" len="med"/>
+          </a:ln>
+          <a:effectLst/>
+        </p:spPr>
+        <p:txBody>
+          <a:bodyPr vert="horz" wrap="none" lIns="91440" tIns="45720" rIns="91440" bIns="45720" numCol="1" rtlCol="0" anchor="ctr" anchorCtr="0" compatLnSpc="1">
+            <a:prstTxWarp prst="textNoShape">
+              <a:avLst/>
+            </a:prstTxWarp>
+          </a:bodyPr>
+          <a:lstStyle/>
+          <a:p>
+            <a:pPr algn="ctr" defTabSz="858838" eaLnBrk="0" fontAlgn="base" hangingPunct="0">
+              <a:spcBef>
+                <a:spcPct val="50000"/>
+              </a:spcBef>
+              <a:spcAft>
+                <a:spcPct val="0"/>
+              </a:spcAft>
+            </a:pPr>
+            <a:r>
+              <a:rPr lang="en-US" sz="2400" b="1" dirty="0" smtClean="0">
+                <a:solidFill>
+                  <a:schemeClr val="bg1"/>
+                </a:solidFill>
+                <a:latin typeface="Arial" charset="0"/>
+              </a:rPr>
+              <a:t>Projects</a:t>
+            </a:r>
+            <a:endParaRPr lang="en-US" sz="2400" b="1" dirty="0">
+              <a:solidFill>
+                <a:schemeClr val="bg1"/>
+              </a:solidFill>
+              <a:latin typeface="Arial" charset="0"/>
+            </a:endParaRPr>
+          </a:p>
+        </p:txBody>
+      </p:sp>
+      <p:sp>
+        <p:nvSpPr>
+          <p:cNvPr id="8" name="Flowchart: Connector 9"/>
+          <p:cNvSpPr/>
+          <p:nvPr/>
+        </p:nvSpPr>
+        <p:spPr bwMode="auto">
+          <a:xfrm>
+            <a:off x="3319490" y="2494737"/>
+            <a:ext cx="2462183" cy="2396336"/>
+          </a:xfrm>
+          <a:prstGeom prst="flowChartConnector">
+            <a:avLst/>
+          </a:prstGeom>
+          <a:solidFill>
+            <a:schemeClr val="bg1"/>
+          </a:solidFill>
+          <a:ln w="50800" cap="flat" cmpd="sng" algn="ctr">
+            <a:solidFill>
+              <a:schemeClr val="bg1"/>
+            </a:solidFill>
+            <a:prstDash val="solid"/>
+            <a:round/>
+            <a:headEnd type="none" w="med" len="med"/>
+            <a:tailEnd type="none" w="med" len="med"/>
+          </a:ln>
+          <a:effectLst/>
+        </p:spPr>
+        <p:txBody>
+          <a:bodyPr vert="horz" wrap="none" lIns="91440" tIns="45720" rIns="91440" bIns="45720" numCol="1" rtlCol="0" anchor="ctr" anchorCtr="0" compatLnSpc="1">
+            <a:prstTxWarp prst="textNoShape">
+              <a:avLst/>
+            </a:prstTxWarp>
+          </a:bodyPr>
+          <a:lstStyle/>
+          <a:p>
+            <a:pPr marL="0" marR="0" indent="0" algn="ctr" defTabSz="858838" rtl="0" eaLnBrk="0" fontAlgn="base" latinLnBrk="0" hangingPunct="0">
+              <a:lnSpc>
+                <a:spcPct val="100000"/>
+              </a:lnSpc>
+              <a:spcBef>
+                <a:spcPct val="50000"/>
+              </a:spcBef>
+              <a:spcAft>
+                <a:spcPct val="0"/>
+              </a:spcAft>
+              <a:buClrTx/>
+              <a:buSzTx/>
+              <a:buFontTx/>
+              <a:buNone/>
+              <a:tabLst/>
+            </a:pPr>
+            <a:endParaRPr kumimoji="0" lang="en-US" sz="600" b="1" i="1" u="none" strike="noStrike" cap="none" normalizeH="0" baseline="0" smtClean="0">
+              <a:ln>
+                <a:noFill/>
+              </a:ln>
+              <a:solidFill>
+                <a:schemeClr val="tx1"/>
+              </a:solidFill>
+              <a:effectLst/>
+              <a:latin typeface="Arial" charset="0"/>
+            </a:endParaRPr>
+          </a:p>
+        </p:txBody>
+      </p:sp>
+      <p:pic>
+        <p:nvPicPr>
+          <p:cNvPr id="9" name="Picture 2" descr="HSBC的圖片搜尋結果"/>
+          <p:cNvPicPr>
+            <a:picLocks noChangeAspect="1" noChangeArrowheads="1"/>
+          </p:cNvPicPr>
+          <p:nvPr/>
+        </p:nvPicPr>
+        <p:blipFill>
+          <a:blip r:embed="rId2" cstate="print">
+            <a:extLst>
+              <a:ext uri="{28A0092B-C50C-407E-A947-70E740481C1C}">
+                <a14:useLocalDpi xmlns:a14="http://schemas.microsoft.com/office/drawing/2010/main" val="0"/>
+              </a:ext>
+            </a:extLst>
+          </a:blip>
+          <a:srcRect/>
+          <a:stretch>
+            <a:fillRect/>
+          </a:stretch>
+        </p:blipFill>
+        <p:spPr bwMode="auto">
+          <a:xfrm>
+            <a:off x="3814718" y="3041049"/>
+            <a:ext cx="1476523" cy="1246562"/>
+          </a:xfrm>
+          <a:prstGeom prst="rect">
+            <a:avLst/>
+          </a:prstGeom>
+          <a:noFill/>
+          <a:extLst>
+            <a:ext uri="{909E8E84-426E-40DD-AFC4-6F175D3DCCD1}">
+              <a14:hiddenFill xmlns:a14="http://schemas.microsoft.com/office/drawing/2010/main">
+                <a:solidFill>
+                  <a:srgbClr val="FFFFFF"/>
+                </a:solidFill>
+              </a14:hiddenFill>
+            </a:ext>
+          </a:extLst>
+        </p:spPr>
+      </p:pic>
+      <p:sp>
+        <p:nvSpPr>
+          <p:cNvPr id="10" name="Footer Placeholder 9"/>
+          <p:cNvSpPr>
+            <a:spLocks noGrp="1"/>
+          </p:cNvSpPr>
+          <p:nvPr>
+            <p:ph type="ftr" sz="quarter" idx="10"/>
+          </p:nvPr>
+        </p:nvSpPr>
+        <p:spPr/>
+        <p:txBody>
+          <a:bodyPr/>
+          <a:lstStyle/>
+          <a:p>
+            <a:pPr defTabSz="911351"/>
+            <a:r>
+              <a:rPr lang="en-US" smtClean="0"/>
+              <a:t>RESTRICTED</a:t>
+            </a:r>
+            <a:endParaRPr lang="en-US" dirty="0"/>
+          </a:p>
+        </p:txBody>
+      </p:sp>
+    </p:spTree>
+    <p:extLst>
+      <p:ext uri="{BB962C8B-B14F-4D97-AF65-F5344CB8AC3E}">
+        <p14:creationId xmlns:p14="http://schemas.microsoft.com/office/powerpoint/2010/main" val="1665291423"/>
+      </p:ext>
+    </p:extLst>
+  </p:cSld>
+  <p:clrMapOvr>
+    <a:masterClrMapping/>
+  </p:clrMapOvr>
+  <mc:AlternateContent xmlns:mc="http://schemas.openxmlformats.org/markup-compatibility/2006" xmlns:p14="http://schemas.microsoft.com/office/powerpoint/2010/main">
+    <mc:Choice Requires="p14">
+      <p:transition spd="med" p14:dur="700">
+        <p:fade/>
+      </p:transition>
+    </mc:Choice>
+    <mc:Fallback xmlns="">
+      <p:transition spd="med">
+        <p:fade/>
+      </p:transition>
+    </mc:Fallback>
+  </mc:AlternateContent>
   <p:timing>
     <p:tnLst>
       <p:par>
@@ -37288,69 +38075,49 @@
           <a:p>
             <a:r>
               <a:rPr lang="en-US" dirty="0" smtClean="0"/>
-              <a:t>Agenda</a:t>
+              <a:t>Comments</a:t>
             </a:r>
             <a:br>
               <a:rPr lang="en-US" dirty="0" smtClean="0"/>
             </a:br>
             <a:r>
-              <a:rPr lang="en-US" dirty="0">
+              <a:rPr lang="en-US" sz="1400" dirty="0" smtClean="0">
                 <a:solidFill>
                   <a:schemeClr val="bg1">
                     <a:lumMod val="50000"/>
                   </a:schemeClr>
                 </a:solidFill>
               </a:rPr>
-              <a:t>What’s next?</a:t>
-            </a:r>
-            <a:endParaRPr lang="en-US" dirty="0"/>
+              <a:t>How’s being an Intern in HSBC?</a:t>
+            </a:r>
+            <a:endParaRPr lang="en-US" sz="1400" dirty="0">
+              <a:solidFill>
+                <a:schemeClr val="bg1">
+                  <a:lumMod val="50000"/>
+                </a:schemeClr>
+              </a:solidFill>
+            </a:endParaRPr>
           </a:p>
         </p:txBody>
       </p:sp>
       <p:sp>
         <p:nvSpPr>
-          <p:cNvPr id="3" name="Footer Placeholder 2"/>
-          <p:cNvSpPr>
-            <a:spLocks noGrp="1"/>
-          </p:cNvSpPr>
-          <p:nvPr>
-            <p:ph type="ftr" sz="quarter" idx="10"/>
-          </p:nvPr>
-        </p:nvSpPr>
-        <p:spPr/>
-        <p:txBody>
-          <a:bodyPr/>
-          <a:lstStyle/>
-          <a:p>
-            <a:pPr defTabSz="911351"/>
-            <a:endParaRPr lang="en-US" dirty="0"/>
-          </a:p>
-        </p:txBody>
-      </p:sp>
-      <p:sp>
-        <p:nvSpPr>
-          <p:cNvPr id="4" name="Rounded Rectangle 3"/>
+          <p:cNvPr id="4" name="Rectangle 3"/>
           <p:cNvSpPr/>
           <p:nvPr/>
         </p:nvSpPr>
         <p:spPr bwMode="auto">
           <a:xfrm>
-            <a:off x="750494" y="1319835"/>
-            <a:ext cx="3657600" cy="2130724"/>
-          </a:xfrm>
-          <a:prstGeom prst="roundRect">
+            <a:off x="357051" y="1143326"/>
+            <a:ext cx="2090058" cy="365760"/>
+          </a:xfrm>
+          <a:prstGeom prst="rect">
             <a:avLst/>
           </a:prstGeom>
-          <a:solidFill>
-            <a:srgbClr val="00B050">
-              <a:alpha val="30000"/>
-            </a:srgbClr>
-          </a:solidFill>
-          <a:ln w="57150" cap="flat" cmpd="sng" algn="ctr">
+          <a:noFill/>
+          <a:ln w="12700" cap="flat" cmpd="sng" algn="ctr">
             <a:solidFill>
-              <a:schemeClr val="tx1">
-                <a:alpha val="30000"/>
-              </a:schemeClr>
+              <a:schemeClr val="tx2"/>
             </a:solidFill>
             <a:prstDash val="solid"/>
             <a:round/>
@@ -37384,41 +38151,149 @@
               <a:tabLst/>
             </a:pPr>
             <a:r>
-              <a:rPr kumimoji="0" lang="en-US" sz="2400" b="1" u="none" strike="noStrike" cap="none" normalizeH="0" baseline="0" dirty="0" smtClean="0">
+              <a:rPr kumimoji="0" lang="en-US" sz="1600" u="none" strike="noStrike" cap="none" normalizeH="0" baseline="0" dirty="0" smtClean="0">
                 <a:ln>
                   <a:noFill/>
                 </a:ln>
                 <a:solidFill>
-                  <a:schemeClr val="bg1"/>
+                  <a:schemeClr val="tx2"/>
                 </a:solidFill>
                 <a:effectLst/>
                 <a:latin typeface="Arial" charset="0"/>
               </a:rPr>
-              <a:t>Self-Introduction</a:t>
+              <a:t>Intern Experience</a:t>
             </a:r>
           </a:p>
         </p:txBody>
       </p:sp>
       <p:sp>
         <p:nvSpPr>
-          <p:cNvPr id="5" name="Rounded Rectangle 4"/>
+          <p:cNvPr id="5" name="TextBox 4"/>
+          <p:cNvSpPr txBox="1"/>
+          <p:nvPr/>
+        </p:nvSpPr>
+        <p:spPr>
+          <a:xfrm>
+            <a:off x="357051" y="1587347"/>
+            <a:ext cx="3477234" cy="1015663"/>
+          </a:xfrm>
+          <a:prstGeom prst="rect">
+            <a:avLst/>
+          </a:prstGeom>
+          <a:noFill/>
+        </p:spPr>
+        <p:txBody>
+          <a:bodyPr wrap="none" rtlCol="0">
+            <a:spAutoFit/>
+          </a:bodyPr>
+          <a:lstStyle/>
+          <a:p>
+            <a:pPr marL="171450" indent="-171450">
+              <a:buClr>
+                <a:schemeClr val="tx2"/>
+              </a:buClr>
+              <a:buSzPct val="120000"/>
+              <a:buFont typeface="Wingdings" charset="2"/>
+              <a:buChar char="§"/>
+            </a:pPr>
+            <a:r>
+              <a:rPr lang="en-US" sz="1200" dirty="0" smtClean="0"/>
+              <a:t>Stepped into the real business world</a:t>
+            </a:r>
+          </a:p>
+          <a:p>
+            <a:pPr marL="171450" indent="-171450">
+              <a:buClr>
+                <a:schemeClr val="tx2"/>
+              </a:buClr>
+              <a:buSzPct val="120000"/>
+              <a:buFont typeface="Wingdings" charset="2"/>
+              <a:buChar char="§"/>
+            </a:pPr>
+            <a:r>
+              <a:rPr lang="en-US" sz="1200" dirty="0" smtClean="0"/>
+              <a:t>Experienced the Investment </a:t>
+            </a:r>
+            <a:r>
+              <a:rPr lang="en-US" sz="1200" dirty="0"/>
+              <a:t>B</a:t>
+            </a:r>
+            <a:r>
+              <a:rPr lang="en-US" sz="1200" dirty="0" smtClean="0"/>
+              <a:t>anking business</a:t>
+            </a:r>
+          </a:p>
+          <a:p>
+            <a:pPr marL="171450" indent="-171450">
+              <a:buClr>
+                <a:schemeClr val="tx2"/>
+              </a:buClr>
+              <a:buSzPct val="120000"/>
+              <a:buFont typeface="Wingdings" charset="2"/>
+              <a:buChar char="§"/>
+            </a:pPr>
+            <a:r>
+              <a:rPr lang="en-US" sz="1200" dirty="0" smtClean="0"/>
+              <a:t>Appreciated rotation training</a:t>
+            </a:r>
+          </a:p>
+          <a:p>
+            <a:pPr marL="171450" indent="-171450">
+              <a:buClr>
+                <a:schemeClr val="tx2"/>
+              </a:buClr>
+              <a:buSzPct val="120000"/>
+              <a:buFont typeface="Wingdings" charset="2"/>
+              <a:buChar char="§"/>
+            </a:pPr>
+            <a:r>
+              <a:rPr lang="en-US" sz="1200" dirty="0" smtClean="0"/>
+              <a:t>Acquired Middle to Back Office experience</a:t>
+            </a:r>
+          </a:p>
+          <a:p>
+            <a:pPr marL="171450" indent="-171450">
+              <a:buClr>
+                <a:schemeClr val="tx2"/>
+              </a:buClr>
+              <a:buSzPct val="120000"/>
+              <a:buFont typeface="Wingdings" charset="2"/>
+              <a:buChar char="§"/>
+            </a:pPr>
+            <a:r>
+              <a:rPr lang="en-US" sz="1200" dirty="0" smtClean="0"/>
+              <a:t>Learnt </a:t>
+            </a:r>
+            <a:r>
+              <a:rPr lang="en-US" sz="1200" dirty="0"/>
+              <a:t>T</a:t>
+            </a:r>
+            <a:r>
+              <a:rPr lang="en-US" sz="1200" dirty="0" smtClean="0"/>
+              <a:t>ime Management</a:t>
+            </a:r>
+            <a:endParaRPr lang="en-US" sz="1200" dirty="0"/>
+          </a:p>
+        </p:txBody>
+      </p:sp>
+      <p:sp>
+        <p:nvSpPr>
+          <p:cNvPr id="6" name="Rectangle 5"/>
           <p:cNvSpPr/>
           <p:nvPr/>
         </p:nvSpPr>
         <p:spPr bwMode="auto">
           <a:xfrm>
-            <a:off x="4710021" y="3825711"/>
-            <a:ext cx="3657600" cy="2130724"/>
-          </a:xfrm>
-          <a:prstGeom prst="roundRect">
+            <a:off x="357051" y="2851986"/>
+            <a:ext cx="2090058" cy="365760"/>
+          </a:xfrm>
+          <a:prstGeom prst="rect">
             <a:avLst/>
           </a:prstGeom>
-          <a:solidFill>
-            <a:schemeClr val="tx2"/>
-          </a:solidFill>
-          <a:ln w="57150" cap="flat" cmpd="sng" algn="ctr">
+          <a:noFill/>
+          <a:ln w="12700" cap="flat" cmpd="sng" algn="ctr">
             <a:solidFill>
-              <a:schemeClr val="tx1"/>
+              <a:schemeClr val="tx2"/>
             </a:solidFill>
             <a:prstDash val="solid"/>
             <a:round/>
@@ -37452,335 +38327,242 @@
               <a:tabLst/>
             </a:pPr>
             <a:r>
-              <a:rPr kumimoji="0" lang="en-US" sz="2400" b="1" u="none" strike="noStrike" cap="none" normalizeH="0" baseline="0" dirty="0" smtClean="0">
-                <a:ln>
-                  <a:noFill/>
-                </a:ln>
+              <a:rPr lang="en-US" sz="1600" dirty="0" smtClean="0">
                 <a:solidFill>
-                  <a:schemeClr val="bg1"/>
+                  <a:schemeClr val="tx2"/>
                 </a:solidFill>
-                <a:effectLst/>
                 <a:latin typeface="Arial" charset="0"/>
               </a:rPr>
               <a:t>Comments</a:t>
             </a:r>
+            <a:endParaRPr kumimoji="0" lang="en-US" sz="1600" u="none" strike="noStrike" cap="none" normalizeH="0" baseline="0" dirty="0" smtClean="0">
+              <a:ln>
+                <a:noFill/>
+              </a:ln>
+              <a:solidFill>
+                <a:schemeClr val="tx2"/>
+              </a:solidFill>
+              <a:effectLst/>
+              <a:latin typeface="Arial" charset="0"/>
+            </a:endParaRPr>
           </a:p>
         </p:txBody>
       </p:sp>
       <p:sp>
         <p:nvSpPr>
-          <p:cNvPr id="6" name="Rounded Rectangle 5"/>
-          <p:cNvSpPr/>
+          <p:cNvPr id="8" name="TextBox 7"/>
+          <p:cNvSpPr txBox="1"/>
           <p:nvPr/>
         </p:nvSpPr>
-        <p:spPr bwMode="auto">
+        <p:spPr>
           <a:xfrm>
-            <a:off x="750494" y="3825711"/>
-            <a:ext cx="3657600" cy="2130724"/>
-          </a:xfrm>
-          <a:prstGeom prst="roundRect">
+            <a:off x="357051" y="3301977"/>
+            <a:ext cx="8847294" cy="3046988"/>
+          </a:xfrm>
+          <a:prstGeom prst="rect">
             <a:avLst/>
           </a:prstGeom>
-          <a:solidFill>
-            <a:srgbClr val="00B0F0">
-              <a:alpha val="30000"/>
-            </a:srgbClr>
-          </a:solidFill>
-          <a:ln w="57150" cap="flat" cmpd="sng" algn="ctr">
-            <a:solidFill>
-              <a:schemeClr val="tx1">
-                <a:alpha val="30000"/>
-              </a:schemeClr>
-            </a:solidFill>
-            <a:prstDash val="solid"/>
-            <a:round/>
-            <a:headEnd type="none" w="med" len="med"/>
-            <a:tailEnd type="none" w="med" len="med"/>
-          </a:ln>
-          <a:effectLst/>
+          <a:noFill/>
         </p:spPr>
         <p:txBody>
-          <a:bodyPr vert="horz" wrap="none" lIns="91440" tIns="45720" rIns="91440" bIns="45720" numCol="1" rtlCol="0" anchor="ctr" anchorCtr="0" compatLnSpc="1">
-            <a:prstTxWarp prst="textNoShape">
-              <a:avLst/>
-            </a:prstTxWarp>
+          <a:bodyPr wrap="none" rtlCol="0">
+            <a:spAutoFit/>
           </a:bodyPr>
           <a:lstStyle/>
           <a:p>
-            <a:pPr algn="ctr" defTabSz="858838" eaLnBrk="0" fontAlgn="base" hangingPunct="0">
-              <a:spcBef>
-                <a:spcPct val="50000"/>
-              </a:spcBef>
-              <a:spcAft>
-                <a:spcPct val="0"/>
-              </a:spcAft>
+            <a:pPr marL="285750" indent="-285750">
+              <a:buClr>
+                <a:schemeClr val="tx2"/>
+              </a:buClr>
+              <a:buSzPct val="120000"/>
+              <a:buFont typeface="Arial" panose="020B0604020202020204" pitchFamily="34" charset="0"/>
+              <a:buChar char="?"/>
             </a:pPr>
             <a:r>
-              <a:rPr lang="en-US" altLang="zh-TW" sz="2400" b="1" dirty="0" smtClean="0">
-                <a:solidFill>
-                  <a:schemeClr val="bg1"/>
-                </a:solidFill>
-                <a:latin typeface="Arial" charset="0"/>
-              </a:rPr>
-              <a:t>Comparison</a:t>
+              <a:rPr lang="en-US" sz="1200" dirty="0" smtClean="0"/>
+              <a:t>Seems not Agile enough in development and operations. Sometimes the communication between teams is not efficient </a:t>
+            </a:r>
+            <a:br>
+              <a:rPr lang="en-US" sz="1200" dirty="0" smtClean="0"/>
+            </a:br>
+            <a:r>
+              <a:rPr lang="en-US" sz="1200" dirty="0" smtClean="0"/>
+              <a:t>due to distance. For example</a:t>
+            </a:r>
+            <a:r>
+              <a:rPr lang="en-US" sz="1200" dirty="0"/>
+              <a:t>,</a:t>
+            </a:r>
+            <a:r>
+              <a:rPr lang="en-US" sz="1200" dirty="0" smtClean="0"/>
+              <a:t> AD / ALDS registration in India.</a:t>
+            </a:r>
+          </a:p>
+          <a:p>
+            <a:pPr marL="285750" indent="-285750">
+              <a:buClr>
+                <a:schemeClr val="tx2"/>
+              </a:buClr>
+              <a:buSzPct val="120000"/>
+              <a:buFont typeface="Arial" panose="020B0604020202020204" pitchFamily="34" charset="0"/>
+              <a:buChar char="A"/>
+            </a:pPr>
+            <a:r>
+              <a:rPr lang="en-US" sz="1200" dirty="0" smtClean="0"/>
+              <a:t>Place some human resources in HK or China office or set up a confluence page including contacts of supporting staff.</a:t>
+            </a:r>
+          </a:p>
+          <a:p>
+            <a:pPr marL="285750" indent="-285750">
+              <a:buClr>
+                <a:schemeClr val="tx2"/>
+              </a:buClr>
+              <a:buSzPct val="120000"/>
+              <a:buFont typeface=".AppleSystemUIFont" charset="-120"/>
+              <a:buChar char="A"/>
+            </a:pPr>
+            <a:endParaRPr lang="en-US" sz="1200" dirty="0"/>
+          </a:p>
+          <a:p>
+            <a:pPr marL="285750" indent="-285750">
+              <a:buClr>
+                <a:schemeClr val="tx2"/>
+              </a:buClr>
+              <a:buSzPct val="120000"/>
+              <a:buFont typeface="Arial" panose="020B0604020202020204" pitchFamily="34" charset="0"/>
+              <a:buChar char="?"/>
+            </a:pPr>
+            <a:r>
+              <a:rPr lang="en-US" sz="1200" dirty="0" smtClean="0"/>
+              <a:t>Seems not enough sharing in tech news and skills.</a:t>
+            </a:r>
+          </a:p>
+          <a:p>
+            <a:pPr marL="285750" indent="-285750">
+              <a:buClr>
+                <a:schemeClr val="tx2"/>
+              </a:buClr>
+              <a:buSzPct val="120000"/>
+              <a:buFont typeface="Arial" panose="020B0604020202020204" pitchFamily="34" charset="0"/>
+              <a:buChar char="A"/>
+            </a:pPr>
+            <a:r>
+              <a:rPr lang="en-US" sz="1200" dirty="0" smtClean="0"/>
+              <a:t>Good to have volunteers in teams to share tech feeds or knowledge. If there is no spare time for internal team members, </a:t>
+            </a:r>
+            <a:br>
+              <a:rPr lang="en-US" sz="1200" dirty="0" smtClean="0"/>
+            </a:br>
+            <a:r>
+              <a:rPr lang="en-US" sz="1200" dirty="0" smtClean="0"/>
+              <a:t>we may find some consultants outside like GZ or invite another department to share with us.</a:t>
+            </a:r>
+            <a:endParaRPr lang="en-US" sz="1200" dirty="0"/>
+          </a:p>
+          <a:p>
+            <a:pPr marL="285750" indent="-285750">
+              <a:buClr>
+                <a:schemeClr val="tx2"/>
+              </a:buClr>
+              <a:buSzPct val="120000"/>
+              <a:buFont typeface=".AppleSystemUIFont" charset="-120"/>
+              <a:buChar char="?"/>
+            </a:pPr>
+            <a:endParaRPr lang="en-US" sz="1200" dirty="0" smtClean="0"/>
+          </a:p>
+          <a:p>
+            <a:pPr marL="285750" indent="-285750">
+              <a:buClr>
+                <a:schemeClr val="tx2"/>
+              </a:buClr>
+              <a:buSzPct val="120000"/>
+              <a:buFont typeface="Arial" panose="020B0604020202020204" pitchFamily="34" charset="0"/>
+              <a:buChar char="?"/>
+            </a:pPr>
+            <a:r>
+              <a:rPr lang="en-US" sz="1200" dirty="0" smtClean="0"/>
+              <a:t>Rotation is a very good concept for students. However, adaptation time is doubled when handling different kinds of projects </a:t>
+            </a:r>
+            <a:br>
+              <a:rPr lang="en-US" sz="1200" dirty="0" smtClean="0"/>
+            </a:br>
+            <a:r>
+              <a:rPr lang="en-US" sz="1200" dirty="0" smtClean="0"/>
+              <a:t>at the same time.</a:t>
+            </a:r>
+          </a:p>
+          <a:p>
+            <a:pPr marL="285750" indent="-285750">
+              <a:buClr>
+                <a:schemeClr val="tx2"/>
+              </a:buClr>
+              <a:buSzPct val="120000"/>
+              <a:buFont typeface="Arial" panose="020B0604020202020204" pitchFamily="34" charset="0"/>
+              <a:buChar char="A"/>
+            </a:pPr>
+            <a:r>
+              <a:rPr lang="en-US" sz="1200" dirty="0" smtClean="0"/>
+              <a:t>We may consider the rotation running team by team. For example, three months in SPOMS team, three months in FO</a:t>
+            </a:r>
+            <a:br>
+              <a:rPr lang="en-US" sz="1200" dirty="0" smtClean="0"/>
+            </a:br>
+            <a:r>
+              <a:rPr lang="en-US" sz="1200" dirty="0" smtClean="0"/>
+              <a:t>Support team and so on. </a:t>
+            </a:r>
+          </a:p>
+          <a:p>
+            <a:pPr marL="285750" indent="-285750">
+              <a:buClr>
+                <a:schemeClr val="tx2"/>
+              </a:buClr>
+              <a:buSzPct val="120000"/>
+              <a:buFont typeface=".AppleSystemUIFont" charset="-120"/>
+              <a:buChar char="A"/>
+            </a:pPr>
+            <a:endParaRPr lang="en-US" sz="1200" dirty="0"/>
+          </a:p>
+          <a:p>
+            <a:pPr marL="285750" indent="-285750">
+              <a:buClr>
+                <a:schemeClr val="tx2"/>
+              </a:buClr>
+              <a:buSzPct val="120000"/>
+              <a:buFont typeface="Arial" panose="020B0604020202020204" pitchFamily="34" charset="0"/>
+              <a:buChar char="?"/>
+            </a:pPr>
+            <a:r>
+              <a:rPr lang="en-US" sz="1200" dirty="0" smtClean="0"/>
+              <a:t>Seems the communication between teams is not enough.</a:t>
+            </a:r>
+          </a:p>
+          <a:p>
+            <a:pPr marL="285750" indent="-285750">
+              <a:buClr>
+                <a:schemeClr val="tx2"/>
+              </a:buClr>
+              <a:buSzPct val="120000"/>
+              <a:buFont typeface="Arial" panose="020B0604020202020204" pitchFamily="34" charset="0"/>
+              <a:buChar char="A"/>
+            </a:pPr>
+            <a:r>
+              <a:rPr lang="en-US" sz="1200" dirty="0" smtClean="0"/>
+              <a:t>We may learn from other teams’ experience in order to shorten problem-solving time. Sitting closely or packing teams</a:t>
+            </a:r>
+            <a:br>
+              <a:rPr lang="en-US" sz="1200" dirty="0" smtClean="0"/>
+            </a:br>
+            <a:r>
+              <a:rPr lang="en-US" sz="1200" dirty="0" smtClean="0"/>
+              <a:t>in one or two working location can facilitate the communication between teams in FI. </a:t>
             </a:r>
           </a:p>
         </p:txBody>
       </p:sp>
       <p:sp>
         <p:nvSpPr>
-          <p:cNvPr id="7" name="Rounded Rectangle 6"/>
-          <p:cNvSpPr/>
-          <p:nvPr/>
-        </p:nvSpPr>
-        <p:spPr bwMode="auto">
-          <a:xfrm>
-            <a:off x="4710021" y="1319835"/>
-            <a:ext cx="3657600" cy="2130724"/>
-          </a:xfrm>
-          <a:prstGeom prst="roundRect">
-            <a:avLst/>
-          </a:prstGeom>
-          <a:solidFill>
-            <a:srgbClr val="FFC000">
-              <a:alpha val="30000"/>
-            </a:srgbClr>
-          </a:solidFill>
-          <a:ln w="57150" cap="flat" cmpd="sng" algn="ctr">
-            <a:solidFill>
-              <a:schemeClr val="tx1">
-                <a:alpha val="30000"/>
-              </a:schemeClr>
-            </a:solidFill>
-            <a:prstDash val="solid"/>
-            <a:round/>
-            <a:headEnd type="none" w="med" len="med"/>
-            <a:tailEnd type="none" w="med" len="med"/>
-          </a:ln>
-          <a:effectLst/>
-        </p:spPr>
-        <p:txBody>
-          <a:bodyPr vert="horz" wrap="none" lIns="91440" tIns="45720" rIns="91440" bIns="45720" numCol="1" rtlCol="0" anchor="ctr" anchorCtr="0" compatLnSpc="1">
-            <a:prstTxWarp prst="textNoShape">
-              <a:avLst/>
-            </a:prstTxWarp>
-          </a:bodyPr>
-          <a:lstStyle/>
-          <a:p>
-            <a:pPr algn="ctr" defTabSz="858838" eaLnBrk="0" fontAlgn="base" hangingPunct="0">
-              <a:spcBef>
-                <a:spcPct val="50000"/>
-              </a:spcBef>
-              <a:spcAft>
-                <a:spcPct val="0"/>
-              </a:spcAft>
-            </a:pPr>
-            <a:r>
-              <a:rPr lang="en-US" sz="2400" b="1" dirty="0" smtClean="0">
-                <a:solidFill>
-                  <a:schemeClr val="bg1"/>
-                </a:solidFill>
-                <a:latin typeface="Arial" charset="0"/>
-              </a:rPr>
-              <a:t>Projects</a:t>
-            </a:r>
-            <a:endParaRPr lang="en-US" sz="2400" b="1" dirty="0">
-              <a:solidFill>
-                <a:schemeClr val="bg1"/>
-              </a:solidFill>
-              <a:latin typeface="Arial" charset="0"/>
-            </a:endParaRPr>
-          </a:p>
-        </p:txBody>
-      </p:sp>
-      <p:sp>
-        <p:nvSpPr>
-          <p:cNvPr id="8" name="Flowchart: Connector 9"/>
-          <p:cNvSpPr/>
-          <p:nvPr/>
-        </p:nvSpPr>
-        <p:spPr bwMode="auto">
-          <a:xfrm>
-            <a:off x="3319490" y="2494737"/>
-            <a:ext cx="2462183" cy="2396336"/>
-          </a:xfrm>
-          <a:prstGeom prst="flowChartConnector">
-            <a:avLst/>
-          </a:prstGeom>
-          <a:solidFill>
-            <a:schemeClr val="bg1"/>
-          </a:solidFill>
-          <a:ln w="50800" cap="flat" cmpd="sng" algn="ctr">
-            <a:solidFill>
-              <a:schemeClr val="bg1"/>
-            </a:solidFill>
-            <a:prstDash val="solid"/>
-            <a:round/>
-            <a:headEnd type="none" w="med" len="med"/>
-            <a:tailEnd type="none" w="med" len="med"/>
-          </a:ln>
-          <a:effectLst/>
-        </p:spPr>
-        <p:txBody>
-          <a:bodyPr vert="horz" wrap="none" lIns="91440" tIns="45720" rIns="91440" bIns="45720" numCol="1" rtlCol="0" anchor="ctr" anchorCtr="0" compatLnSpc="1">
-            <a:prstTxWarp prst="textNoShape">
-              <a:avLst/>
-            </a:prstTxWarp>
-          </a:bodyPr>
-          <a:lstStyle/>
-          <a:p>
-            <a:pPr marL="0" marR="0" indent="0" algn="ctr" defTabSz="858838" rtl="0" eaLnBrk="0" fontAlgn="base" latinLnBrk="0" hangingPunct="0">
-              <a:lnSpc>
-                <a:spcPct val="100000"/>
-              </a:lnSpc>
-              <a:spcBef>
-                <a:spcPct val="50000"/>
-              </a:spcBef>
-              <a:spcAft>
-                <a:spcPct val="0"/>
-              </a:spcAft>
-              <a:buClrTx/>
-              <a:buSzTx/>
-              <a:buFontTx/>
-              <a:buNone/>
-              <a:tabLst/>
-            </a:pPr>
-            <a:endParaRPr kumimoji="0" lang="en-US" sz="600" b="1" i="1" u="none" strike="noStrike" cap="none" normalizeH="0" baseline="0" smtClean="0">
-              <a:ln>
-                <a:noFill/>
-              </a:ln>
-              <a:solidFill>
-                <a:schemeClr val="tx1"/>
-              </a:solidFill>
-              <a:effectLst/>
-              <a:latin typeface="Arial" charset="0"/>
-            </a:endParaRPr>
-          </a:p>
-        </p:txBody>
-      </p:sp>
-      <p:pic>
-        <p:nvPicPr>
-          <p:cNvPr id="9" name="Picture 2" descr="HSBC的圖片搜尋結果"/>
-          <p:cNvPicPr>
-            <a:picLocks noChangeAspect="1" noChangeArrowheads="1"/>
-          </p:cNvPicPr>
-          <p:nvPr/>
-        </p:nvPicPr>
-        <p:blipFill>
-          <a:blip r:embed="rId2" cstate="print">
-            <a:extLst>
-              <a:ext uri="{28A0092B-C50C-407E-A947-70E740481C1C}">
-                <a14:useLocalDpi xmlns:a14="http://schemas.microsoft.com/office/drawing/2010/main" val="0"/>
-              </a:ext>
-            </a:extLst>
-          </a:blip>
-          <a:srcRect/>
-          <a:stretch>
-            <a:fillRect/>
-          </a:stretch>
-        </p:blipFill>
-        <p:spPr bwMode="auto">
-          <a:xfrm>
-            <a:off x="3814718" y="3041049"/>
-            <a:ext cx="1476523" cy="1246562"/>
-          </a:xfrm>
-          <a:prstGeom prst="rect">
-            <a:avLst/>
-          </a:prstGeom>
-          <a:noFill/>
-          <a:extLst>
-            <a:ext uri="{909E8E84-426E-40DD-AFC4-6F175D3DCCD1}">
-              <a14:hiddenFill xmlns:a14="http://schemas.microsoft.com/office/drawing/2010/main">
-                <a:solidFill>
-                  <a:srgbClr val="FFFFFF"/>
-                </a:solidFill>
-              </a14:hiddenFill>
-            </a:ext>
-          </a:extLst>
-        </p:spPr>
-      </p:pic>
-    </p:spTree>
-    <p:extLst>
-      <p:ext uri="{BB962C8B-B14F-4D97-AF65-F5344CB8AC3E}">
-        <p14:creationId xmlns:p14="http://schemas.microsoft.com/office/powerpoint/2010/main" val="1665291423"/>
-      </p:ext>
-    </p:extLst>
-  </p:cSld>
-  <p:clrMapOvr>
-    <a:masterClrMapping/>
-  </p:clrMapOvr>
-  <p:timing>
-    <p:tnLst>
-      <p:par>
-        <p:cTn id="1" dur="indefinite" restart="never" nodeType="tmRoot"/>
-      </p:par>
-    </p:tnLst>
-  </p:timing>
-</p:sld>
-</file>
-
-<file path=ppt/slides/slide18.xml><?xml version="1.0" encoding="utf-8"?>
-<p:sld xmlns:a="http://schemas.openxmlformats.org/drawingml/2006/main" xmlns:r="http://schemas.openxmlformats.org/officeDocument/2006/relationships" xmlns:p="http://schemas.openxmlformats.org/presentationml/2006/main">
-  <p:cSld>
-    <p:spTree>
-      <p:nvGrpSpPr>
-        <p:cNvPr id="1" name=""/>
-        <p:cNvGrpSpPr/>
-        <p:nvPr/>
-      </p:nvGrpSpPr>
-      <p:grpSpPr>
-        <a:xfrm>
-          <a:off x="0" y="0"/>
-          <a:ext cx="0" cy="0"/>
-          <a:chOff x="0" y="0"/>
-          <a:chExt cx="0" cy="0"/>
-        </a:xfrm>
-      </p:grpSpPr>
-      <p:sp>
-        <p:nvSpPr>
-          <p:cNvPr id="2" name="Title 1"/>
-          <p:cNvSpPr>
-            <a:spLocks noGrp="1"/>
-          </p:cNvSpPr>
-          <p:nvPr>
-            <p:ph type="title"/>
-          </p:nvPr>
-        </p:nvSpPr>
-        <p:spPr/>
-        <p:txBody>
-          <a:bodyPr/>
-          <a:lstStyle/>
-          <a:p>
-            <a:r>
-              <a:rPr lang="en-US" dirty="0" smtClean="0"/>
-              <a:t>Comments</a:t>
-            </a:r>
-            <a:br>
-              <a:rPr lang="en-US" dirty="0" smtClean="0"/>
-            </a:br>
-            <a:r>
-              <a:rPr lang="en-US" sz="1600" dirty="0" smtClean="0">
-                <a:solidFill>
-                  <a:schemeClr val="bg1">
-                    <a:lumMod val="50000"/>
-                  </a:schemeClr>
-                </a:solidFill>
-              </a:rPr>
-              <a:t>How’s being an Intern in HSBC?</a:t>
-            </a:r>
-            <a:endParaRPr lang="en-US" sz="1600" dirty="0">
-              <a:solidFill>
-                <a:schemeClr val="bg1">
-                  <a:lumMod val="50000"/>
-                </a:schemeClr>
-              </a:solidFill>
-            </a:endParaRPr>
-          </a:p>
-        </p:txBody>
-      </p:sp>
-      <p:sp>
-        <p:nvSpPr>
-          <p:cNvPr id="3" name="Footer Placeholder 2"/>
+          <p:cNvPr id="7" name="Footer Placeholder 6"/>
           <p:cNvSpPr>
             <a:spLocks noGrp="1"/>
           </p:cNvSpPr>
@@ -37794,485 +38576,11 @@
           <a:lstStyle/>
           <a:p>
             <a:pPr defTabSz="911351"/>
+            <a:r>
+              <a:rPr lang="en-US" dirty="0" smtClean="0"/>
+              <a:t>RESTRICTED</a:t>
+            </a:r>
             <a:endParaRPr lang="en-US" dirty="0"/>
-          </a:p>
-        </p:txBody>
-      </p:sp>
-      <p:sp>
-        <p:nvSpPr>
-          <p:cNvPr id="4" name="Rectangle 3"/>
-          <p:cNvSpPr/>
-          <p:nvPr/>
-        </p:nvSpPr>
-        <p:spPr bwMode="auto">
-          <a:xfrm>
-            <a:off x="357051" y="1306286"/>
-            <a:ext cx="2090058" cy="365760"/>
-          </a:xfrm>
-          <a:prstGeom prst="rect">
-            <a:avLst/>
-          </a:prstGeom>
-          <a:noFill/>
-          <a:ln w="12700" cap="flat" cmpd="sng" algn="ctr">
-            <a:solidFill>
-              <a:schemeClr val="tx2"/>
-            </a:solidFill>
-            <a:prstDash val="solid"/>
-            <a:round/>
-            <a:headEnd type="none" w="med" len="med"/>
-            <a:tailEnd type="none" w="med" len="med"/>
-          </a:ln>
-          <a:effectLst/>
-        </p:spPr>
-        <p:txBody>
-          <a:bodyPr vert="horz" wrap="none" lIns="91440" tIns="45720" rIns="91440" bIns="45720" numCol="1" rtlCol="0" anchor="ctr" anchorCtr="0" compatLnSpc="1">
-            <a:prstTxWarp prst="textNoShape">
-              <a:avLst/>
-            </a:prstTxWarp>
-          </a:bodyPr>
-          <a:lstStyle/>
-          <a:p>
-            <a:pPr marL="0" marR="0" indent="0" algn="ctr" defTabSz="858838" rtl="0" eaLnBrk="0" fontAlgn="base" latinLnBrk="0" hangingPunct="0">
-              <a:lnSpc>
-                <a:spcPct val="100000"/>
-              </a:lnSpc>
-              <a:spcBef>
-                <a:spcPct val="50000"/>
-              </a:spcBef>
-              <a:spcAft>
-                <a:spcPct val="0"/>
-              </a:spcAft>
-              <a:buClrTx/>
-              <a:buSzTx/>
-              <a:buFontTx/>
-              <a:buNone/>
-              <a:tabLst/>
-            </a:pPr>
-            <a:r>
-              <a:rPr kumimoji="0" lang="en-US" sz="1600" u="none" strike="noStrike" cap="none" normalizeH="0" baseline="0" dirty="0" smtClean="0">
-                <a:ln>
-                  <a:noFill/>
-                </a:ln>
-                <a:solidFill>
-                  <a:schemeClr val="tx2"/>
-                </a:solidFill>
-                <a:effectLst/>
-                <a:latin typeface="Arial" charset="0"/>
-              </a:rPr>
-              <a:t>Intern Experience</a:t>
-            </a:r>
-            <a:endParaRPr kumimoji="0" lang="en-US" sz="1600" u="none" strike="noStrike" cap="none" normalizeH="0" baseline="0" dirty="0" smtClean="0">
-              <a:ln>
-                <a:noFill/>
-              </a:ln>
-              <a:solidFill>
-                <a:schemeClr val="tx2"/>
-              </a:solidFill>
-              <a:effectLst/>
-              <a:latin typeface="Arial" charset="0"/>
-            </a:endParaRPr>
-          </a:p>
-        </p:txBody>
-      </p:sp>
-      <p:sp>
-        <p:nvSpPr>
-          <p:cNvPr id="5" name="TextBox 4"/>
-          <p:cNvSpPr txBox="1"/>
-          <p:nvPr/>
-        </p:nvSpPr>
-        <p:spPr>
-          <a:xfrm>
-            <a:off x="357051" y="1750307"/>
-            <a:ext cx="3477234" cy="1015663"/>
-          </a:xfrm>
-          <a:prstGeom prst="rect">
-            <a:avLst/>
-          </a:prstGeom>
-          <a:noFill/>
-        </p:spPr>
-        <p:txBody>
-          <a:bodyPr wrap="none" rtlCol="0">
-            <a:spAutoFit/>
-          </a:bodyPr>
-          <a:lstStyle/>
-          <a:p>
-            <a:pPr marL="171450" indent="-171450">
-              <a:buClr>
-                <a:schemeClr val="tx2"/>
-              </a:buClr>
-              <a:buSzPct val="120000"/>
-              <a:buFont typeface="Wingdings" charset="2"/>
-              <a:buChar char="§"/>
-            </a:pPr>
-            <a:r>
-              <a:rPr lang="en-US" sz="1200" dirty="0" smtClean="0"/>
-              <a:t>Stepped into the real business world</a:t>
-            </a:r>
-          </a:p>
-          <a:p>
-            <a:pPr marL="171450" indent="-171450">
-              <a:buClr>
-                <a:schemeClr val="tx2"/>
-              </a:buClr>
-              <a:buSzPct val="120000"/>
-              <a:buFont typeface="Wingdings" charset="2"/>
-              <a:buChar char="§"/>
-            </a:pPr>
-            <a:r>
-              <a:rPr lang="en-US" sz="1200" dirty="0" smtClean="0"/>
-              <a:t>Experienced the Investment </a:t>
-            </a:r>
-            <a:r>
-              <a:rPr lang="en-US" sz="1200" dirty="0"/>
-              <a:t>B</a:t>
-            </a:r>
-            <a:r>
-              <a:rPr lang="en-US" sz="1200" dirty="0" smtClean="0"/>
-              <a:t>anking business</a:t>
-            </a:r>
-          </a:p>
-          <a:p>
-            <a:pPr marL="171450" indent="-171450">
-              <a:buClr>
-                <a:schemeClr val="tx2"/>
-              </a:buClr>
-              <a:buSzPct val="120000"/>
-              <a:buFont typeface="Wingdings" charset="2"/>
-              <a:buChar char="§"/>
-            </a:pPr>
-            <a:r>
-              <a:rPr lang="en-US" sz="1200" dirty="0" smtClean="0"/>
-              <a:t>Appreciated rotation training</a:t>
-            </a:r>
-          </a:p>
-          <a:p>
-            <a:pPr marL="171450" indent="-171450">
-              <a:buClr>
-                <a:schemeClr val="tx2"/>
-              </a:buClr>
-              <a:buSzPct val="120000"/>
-              <a:buFont typeface="Wingdings" charset="2"/>
-              <a:buChar char="§"/>
-            </a:pPr>
-            <a:r>
-              <a:rPr lang="en-US" sz="1200" dirty="0" smtClean="0"/>
-              <a:t>Acquired Middle to Back Office experience</a:t>
-            </a:r>
-          </a:p>
-          <a:p>
-            <a:pPr marL="171450" indent="-171450">
-              <a:buClr>
-                <a:schemeClr val="tx2"/>
-              </a:buClr>
-              <a:buSzPct val="120000"/>
-              <a:buFont typeface="Wingdings" charset="2"/>
-              <a:buChar char="§"/>
-            </a:pPr>
-            <a:r>
-              <a:rPr lang="en-US" sz="1200" dirty="0" smtClean="0"/>
-              <a:t>Learnt </a:t>
-            </a:r>
-            <a:r>
-              <a:rPr lang="en-US" sz="1200" dirty="0"/>
-              <a:t>T</a:t>
-            </a:r>
-            <a:r>
-              <a:rPr lang="en-US" sz="1200" dirty="0" smtClean="0"/>
-              <a:t>ime Management</a:t>
-            </a:r>
-            <a:endParaRPr lang="en-US" sz="1200" dirty="0"/>
-          </a:p>
-        </p:txBody>
-      </p:sp>
-      <p:sp>
-        <p:nvSpPr>
-          <p:cNvPr id="6" name="Rectangle 5"/>
-          <p:cNvSpPr/>
-          <p:nvPr/>
-        </p:nvSpPr>
-        <p:spPr bwMode="auto">
-          <a:xfrm>
-            <a:off x="357051" y="2851986"/>
-            <a:ext cx="2090058" cy="365760"/>
-          </a:xfrm>
-          <a:prstGeom prst="rect">
-            <a:avLst/>
-          </a:prstGeom>
-          <a:noFill/>
-          <a:ln w="12700" cap="flat" cmpd="sng" algn="ctr">
-            <a:solidFill>
-              <a:schemeClr val="tx2"/>
-            </a:solidFill>
-            <a:prstDash val="solid"/>
-            <a:round/>
-            <a:headEnd type="none" w="med" len="med"/>
-            <a:tailEnd type="none" w="med" len="med"/>
-          </a:ln>
-          <a:effectLst/>
-        </p:spPr>
-        <p:txBody>
-          <a:bodyPr vert="horz" wrap="none" lIns="91440" tIns="45720" rIns="91440" bIns="45720" numCol="1" rtlCol="0" anchor="ctr" anchorCtr="0" compatLnSpc="1">
-            <a:prstTxWarp prst="textNoShape">
-              <a:avLst/>
-            </a:prstTxWarp>
-          </a:bodyPr>
-          <a:lstStyle/>
-          <a:p>
-            <a:pPr marL="0" marR="0" indent="0" algn="ctr" defTabSz="858838" rtl="0" eaLnBrk="0" fontAlgn="base" latinLnBrk="0" hangingPunct="0">
-              <a:lnSpc>
-                <a:spcPct val="100000"/>
-              </a:lnSpc>
-              <a:spcBef>
-                <a:spcPct val="50000"/>
-              </a:spcBef>
-              <a:spcAft>
-                <a:spcPct val="0"/>
-              </a:spcAft>
-              <a:buClrTx/>
-              <a:buSzTx/>
-              <a:buFontTx/>
-              <a:buNone/>
-              <a:tabLst/>
-            </a:pPr>
-            <a:r>
-              <a:rPr lang="en-US" sz="1600" dirty="0" smtClean="0">
-                <a:solidFill>
-                  <a:schemeClr val="tx2"/>
-                </a:solidFill>
-                <a:latin typeface="Arial" charset="0"/>
-              </a:rPr>
-              <a:t>Comments</a:t>
-            </a:r>
-            <a:endParaRPr kumimoji="0" lang="en-US" sz="1600" u="none" strike="noStrike" cap="none" normalizeH="0" baseline="0" dirty="0" smtClean="0">
-              <a:ln>
-                <a:noFill/>
-              </a:ln>
-              <a:solidFill>
-                <a:schemeClr val="tx2"/>
-              </a:solidFill>
-              <a:effectLst/>
-              <a:latin typeface="Arial" charset="0"/>
-            </a:endParaRPr>
-          </a:p>
-        </p:txBody>
-      </p:sp>
-      <p:sp>
-        <p:nvSpPr>
-          <p:cNvPr id="8" name="TextBox 7"/>
-          <p:cNvSpPr txBox="1"/>
-          <p:nvPr/>
-        </p:nvSpPr>
-        <p:spPr>
-          <a:xfrm>
-            <a:off x="357051" y="3301977"/>
-            <a:ext cx="8719054" cy="3046988"/>
-          </a:xfrm>
-          <a:prstGeom prst="rect">
-            <a:avLst/>
-          </a:prstGeom>
-          <a:noFill/>
-        </p:spPr>
-        <p:txBody>
-          <a:bodyPr wrap="none" rtlCol="0">
-            <a:spAutoFit/>
-          </a:bodyPr>
-          <a:lstStyle/>
-          <a:p>
-            <a:pPr marL="285750" indent="-285750">
-              <a:buClr>
-                <a:schemeClr val="tx2"/>
-              </a:buClr>
-              <a:buSzPct val="120000"/>
-              <a:buFont typeface=".AppleSystemUIFont" charset="-120"/>
-              <a:buChar char="?"/>
-            </a:pPr>
-            <a:r>
-              <a:rPr lang="en-US" sz="1200" dirty="0" smtClean="0"/>
-              <a:t>Seems not Agile enough in development and operations. Sometimes the communication between teams is not efficient </a:t>
-            </a:r>
-            <a:br>
-              <a:rPr lang="en-US" sz="1200" dirty="0" smtClean="0"/>
-            </a:br>
-            <a:r>
-              <a:rPr lang="en-US" sz="1200" dirty="0" smtClean="0"/>
-              <a:t>due to the distance. E.g. AD / ALDS registration in India.</a:t>
-            </a:r>
-          </a:p>
-          <a:p>
-            <a:pPr marL="285750" indent="-285750">
-              <a:buClr>
-                <a:schemeClr val="tx2"/>
-              </a:buClr>
-              <a:buSzPct val="120000"/>
-              <a:buFont typeface=".AppleSystemUIFont" charset="-120"/>
-              <a:buChar char="A"/>
-            </a:pPr>
-            <a:r>
-              <a:rPr lang="en-US" sz="1200" dirty="0" smtClean="0"/>
-              <a:t>Place some human resources in HK or China office or set up a confluence page including contacts of supporting staff.</a:t>
-            </a:r>
-          </a:p>
-          <a:p>
-            <a:pPr marL="285750" indent="-285750">
-              <a:buClr>
-                <a:schemeClr val="tx2"/>
-              </a:buClr>
-              <a:buSzPct val="120000"/>
-              <a:buFont typeface=".AppleSystemUIFont" charset="-120"/>
-              <a:buChar char="A"/>
-            </a:pPr>
-            <a:endParaRPr lang="en-US" sz="1200" dirty="0"/>
-          </a:p>
-          <a:p>
-            <a:pPr marL="285750" indent="-285750">
-              <a:buClr>
-                <a:schemeClr val="tx2"/>
-              </a:buClr>
-              <a:buSzPct val="120000"/>
-              <a:buFont typeface=".AppleSystemUIFont" charset="-120"/>
-              <a:buChar char="?"/>
-            </a:pPr>
-            <a:r>
-              <a:rPr lang="en-US" sz="1200" dirty="0" smtClean="0"/>
-              <a:t>Seems not enough sharing in tech news and skills.</a:t>
-            </a:r>
-          </a:p>
-          <a:p>
-            <a:pPr marL="285750" indent="-285750">
-              <a:buClr>
-                <a:schemeClr val="tx2"/>
-              </a:buClr>
-              <a:buSzPct val="120000"/>
-              <a:buFont typeface=".AppleSystemUIFont" charset="-120"/>
-              <a:buChar char="A"/>
-            </a:pPr>
-            <a:r>
-              <a:rPr lang="en-US" sz="1200" dirty="0" smtClean="0"/>
-              <a:t>Good to have volunteers in teams to share tech feeds or knowledge. If there is no spare time for internal team members, </a:t>
-            </a:r>
-            <a:br>
-              <a:rPr lang="en-US" sz="1200" dirty="0" smtClean="0"/>
-            </a:br>
-            <a:r>
-              <a:rPr lang="en-US" sz="1200" dirty="0" smtClean="0"/>
-              <a:t>we may find some consultants outside like GZ or invite another department to share with us.</a:t>
-            </a:r>
-            <a:endParaRPr lang="en-US" sz="1200" dirty="0"/>
-          </a:p>
-          <a:p>
-            <a:pPr marL="285750" indent="-285750">
-              <a:buClr>
-                <a:schemeClr val="tx2"/>
-              </a:buClr>
-              <a:buSzPct val="120000"/>
-              <a:buFont typeface=".AppleSystemUIFont" charset="-120"/>
-              <a:buChar char="?"/>
-            </a:pPr>
-            <a:endParaRPr lang="en-US" sz="1200" dirty="0" smtClean="0"/>
-          </a:p>
-          <a:p>
-            <a:pPr marL="285750" indent="-285750">
-              <a:buClr>
-                <a:schemeClr val="tx2"/>
-              </a:buClr>
-              <a:buSzPct val="120000"/>
-              <a:buFont typeface=".AppleSystemUIFont" charset="-120"/>
-              <a:buChar char="?"/>
-            </a:pPr>
-            <a:r>
-              <a:rPr lang="en-US" sz="1200" dirty="0" smtClean="0"/>
-              <a:t>Rotation is a very good concept for students. However, </a:t>
-            </a:r>
-            <a:r>
-              <a:rPr lang="en-US" sz="1200" dirty="0"/>
-              <a:t>a</a:t>
-            </a:r>
-            <a:r>
-              <a:rPr lang="en-US" sz="1200" dirty="0" smtClean="0"/>
-              <a:t>daption time is doubled when handling different kinds of projects </a:t>
-            </a:r>
-            <a:br>
-              <a:rPr lang="en-US" sz="1200" dirty="0" smtClean="0"/>
-            </a:br>
-            <a:r>
-              <a:rPr lang="en-US" sz="1200" dirty="0" smtClean="0"/>
-              <a:t>at the same time.</a:t>
-            </a:r>
-          </a:p>
-          <a:p>
-            <a:pPr marL="285750" indent="-285750">
-              <a:buClr>
-                <a:schemeClr val="tx2"/>
-              </a:buClr>
-              <a:buSzPct val="120000"/>
-              <a:buFont typeface=".AppleSystemUIFont" charset="-120"/>
-              <a:buChar char="A"/>
-            </a:pPr>
-            <a:r>
-              <a:rPr lang="en-US" sz="1200" dirty="0" smtClean="0"/>
-              <a:t>We may consider the rotation is run team by team. For example, three months in SPOMS team, three months in FO</a:t>
-            </a:r>
-            <a:br>
-              <a:rPr lang="en-US" sz="1200" dirty="0" smtClean="0"/>
-            </a:br>
-            <a:r>
-              <a:rPr lang="en-US" sz="1200" dirty="0" smtClean="0"/>
-              <a:t>Support team and so on. </a:t>
-            </a:r>
-          </a:p>
-          <a:p>
-            <a:pPr marL="285750" indent="-285750">
-              <a:buClr>
-                <a:schemeClr val="tx2"/>
-              </a:buClr>
-              <a:buSzPct val="120000"/>
-              <a:buFont typeface=".AppleSystemUIFont" charset="-120"/>
-              <a:buChar char="A"/>
-            </a:pPr>
-            <a:endParaRPr lang="en-US" sz="1200" dirty="0"/>
-          </a:p>
-          <a:p>
-            <a:pPr marL="285750" indent="-285750">
-              <a:buClr>
-                <a:schemeClr val="tx2"/>
-              </a:buClr>
-              <a:buSzPct val="120000"/>
-              <a:buFont typeface=".AppleSystemUIFont" charset="-120"/>
-              <a:buChar char="A"/>
-            </a:pPr>
-            <a:r>
-              <a:rPr lang="en-US" sz="1200" dirty="0" smtClean="0"/>
-              <a:t>Seems the communication between teams is not enough.</a:t>
-            </a:r>
-          </a:p>
-          <a:p>
-            <a:pPr marL="285750" indent="-285750">
-              <a:buClr>
-                <a:schemeClr val="tx2"/>
-              </a:buClr>
-              <a:buSzPct val="120000"/>
-              <a:buFont typeface=".AppleSystemUIFont" charset="-120"/>
-              <a:buChar char="A"/>
-            </a:pPr>
-            <a:r>
-              <a:rPr lang="en-US" sz="1200" dirty="0" smtClean="0"/>
-              <a:t>We may learn from other teams’ advantages or experience in order to shorten problem-solving time. Sitting closely or </a:t>
-            </a:r>
-            <a:br>
-              <a:rPr lang="en-US" sz="1200" dirty="0" smtClean="0"/>
-            </a:br>
-            <a:r>
-              <a:rPr lang="en-US" sz="1200" dirty="0" smtClean="0"/>
-              <a:t>packing</a:t>
-            </a:r>
-            <a:r>
-              <a:rPr lang="en-US" sz="1200" dirty="0"/>
-              <a:t> </a:t>
-            </a:r>
-            <a:r>
-              <a:rPr lang="en-US" sz="1200" dirty="0" smtClean="0"/>
-              <a:t>teams in one or two working location is facilitating the communication between teams in FI. </a:t>
-            </a:r>
           </a:p>
         </p:txBody>
       </p:sp>
@@ -39331,6 +39639,10 @@
           <a:lstStyle/>
           <a:p>
             <a:pPr defTabSz="911351"/>
+            <a:r>
+              <a:rPr lang="en-US" smtClean="0"/>
+              <a:t>RESTRICTED</a:t>
+            </a:r>
             <a:endParaRPr lang="en-US" dirty="0"/>
           </a:p>
         </p:txBody>
@@ -40127,7 +40439,7 @@
         </p:blipFill>
         <p:spPr>
           <a:xfrm>
-            <a:off x="448443" y="3084243"/>
+            <a:off x="448443" y="3272501"/>
             <a:ext cx="1017916" cy="1017916"/>
           </a:xfrm>
           <a:prstGeom prst="rect">
@@ -40143,7 +40455,7 @@
         </p:nvSpPr>
         <p:spPr bwMode="auto">
           <a:xfrm>
-            <a:off x="4257685" y="3102286"/>
+            <a:off x="4257685" y="3290544"/>
             <a:ext cx="1613169" cy="1004826"/>
           </a:xfrm>
           <a:prstGeom prst="rect">
@@ -40209,7 +40521,7 @@
         </p:nvSpPr>
         <p:spPr>
           <a:xfrm>
-            <a:off x="529527" y="4201777"/>
+            <a:off x="529527" y="4390035"/>
             <a:ext cx="855747" cy="369332"/>
           </a:xfrm>
           <a:prstGeom prst="rect">
@@ -40253,7 +40565,7 @@
         </p:blipFill>
         <p:spPr>
           <a:xfrm flipH="1">
-            <a:off x="7406243" y="1557414"/>
+            <a:off x="7406243" y="1745672"/>
             <a:ext cx="921889" cy="921889"/>
           </a:xfrm>
           <a:prstGeom prst="rect">
@@ -40283,7 +40595,7 @@
         </p:blipFill>
         <p:spPr>
           <a:xfrm>
-            <a:off x="7406243" y="4658825"/>
+            <a:off x="7406243" y="4847083"/>
             <a:ext cx="996531" cy="996531"/>
           </a:xfrm>
           <a:prstGeom prst="rect">
@@ -40299,7 +40611,7 @@
         </p:nvSpPr>
         <p:spPr>
           <a:xfrm>
-            <a:off x="7517222" y="5655356"/>
+            <a:off x="7517222" y="5843614"/>
             <a:ext cx="774571" cy="369332"/>
           </a:xfrm>
           <a:prstGeom prst="rect">
@@ -40329,7 +40641,7 @@
         </p:nvSpPr>
         <p:spPr>
           <a:xfrm>
-            <a:off x="7412497" y="2439879"/>
+            <a:off x="7412497" y="2628137"/>
             <a:ext cx="915635" cy="646331"/>
           </a:xfrm>
           <a:prstGeom prst="rect">
@@ -40367,7 +40679,7 @@
         </p:nvSpPr>
         <p:spPr bwMode="auto">
           <a:xfrm rot="5400000">
-            <a:off x="7249855" y="3717706"/>
+            <a:off x="7249855" y="3905964"/>
             <a:ext cx="1259198" cy="258793"/>
           </a:xfrm>
           <a:prstGeom prst="rightArrow">
@@ -40430,7 +40742,7 @@
         </p:nvSpPr>
         <p:spPr>
           <a:xfrm>
-            <a:off x="4294539" y="4153536"/>
+            <a:off x="4294539" y="4341794"/>
             <a:ext cx="1544012" cy="646331"/>
           </a:xfrm>
           <a:prstGeom prst="rect">
@@ -40468,7 +40780,7 @@
         </p:nvSpPr>
         <p:spPr bwMode="auto">
           <a:xfrm>
-            <a:off x="2086232" y="3246027"/>
+            <a:off x="2086232" y="3434285"/>
             <a:ext cx="1132156" cy="767448"/>
           </a:xfrm>
           <a:prstGeom prst="rect">
@@ -40565,7 +40877,7 @@
         </p:nvSpPr>
         <p:spPr bwMode="auto">
           <a:xfrm>
-            <a:off x="1458684" y="3562745"/>
+            <a:off x="1458684" y="3751003"/>
             <a:ext cx="504556" cy="134012"/>
           </a:xfrm>
           <a:prstGeom prst="leftRightArrow">
@@ -40628,7 +40940,7 @@
         </p:nvSpPr>
         <p:spPr bwMode="auto">
           <a:xfrm>
-            <a:off x="3324027" y="3562745"/>
+            <a:off x="3324027" y="3751003"/>
             <a:ext cx="739660" cy="134012"/>
           </a:xfrm>
           <a:prstGeom prst="leftRightArrow">
@@ -40691,7 +41003,7 @@
         </p:nvSpPr>
         <p:spPr>
           <a:xfrm>
-            <a:off x="3306060" y="3705698"/>
+            <a:off x="3306060" y="3893956"/>
             <a:ext cx="780279" cy="307777"/>
           </a:xfrm>
           <a:prstGeom prst="rect">
@@ -40721,7 +41033,7 @@
         </p:nvSpPr>
         <p:spPr bwMode="auto">
           <a:xfrm rot="20350542">
-            <a:off x="5977219" y="2644264"/>
+            <a:off x="5977219" y="2832522"/>
             <a:ext cx="1285486" cy="244079"/>
           </a:xfrm>
           <a:prstGeom prst="leftRightArrow">
@@ -40784,7 +41096,7 @@
         </p:nvSpPr>
         <p:spPr bwMode="auto">
           <a:xfrm rot="1665040">
-            <a:off x="5953752" y="4402255"/>
+            <a:off x="5953752" y="4590513"/>
             <a:ext cx="1371846" cy="244079"/>
           </a:xfrm>
           <a:prstGeom prst="leftRightArrow">
@@ -40847,7 +41159,7 @@
         </p:nvSpPr>
         <p:spPr>
           <a:xfrm>
-            <a:off x="8058973" y="3554157"/>
+            <a:off x="8058973" y="3742415"/>
             <a:ext cx="569387" cy="369332"/>
           </a:xfrm>
           <a:prstGeom prst="rect">
@@ -40876,8 +41188,8 @@
           <p:nvPr/>
         </p:nvSpPr>
         <p:spPr>
-          <a:xfrm rot="20346883">
-            <a:off x="6039806" y="2343412"/>
+          <a:xfrm rot="2577039">
+            <a:off x="4066383" y="2354140"/>
             <a:ext cx="934844" cy="338554"/>
           </a:xfrm>
           <a:prstGeom prst="rect">
@@ -40892,9 +41204,10 @@
           <a:lstStyle/>
           <a:p>
             <a:r>
-              <a:rPr lang="en-US" sz="1600" dirty="0"/>
-              <a:t>Buy/Sell</a:t>
-            </a:r>
+              <a:rPr lang="en-US" sz="1600" dirty="0" smtClean="0"/>
+              <a:t>Control</a:t>
+            </a:r>
+            <a:endParaRPr lang="en-US" sz="1600" dirty="0"/>
           </a:p>
         </p:txBody>
       </p:sp>
@@ -40906,7 +41219,168 @@
         </p:nvSpPr>
         <p:spPr>
           <a:xfrm rot="1643922">
-            <a:off x="6027069" y="4643066"/>
+            <a:off x="6013622" y="4764089"/>
+            <a:ext cx="934844" cy="338554"/>
+          </a:xfrm>
+          <a:prstGeom prst="rect">
+            <a:avLst/>
+          </a:prstGeom>
+          <a:noFill/>
+        </p:spPr>
+        <p:txBody>
+          <a:bodyPr wrap="square" rtlCol="0">
+            <a:spAutoFit/>
+          </a:bodyPr>
+          <a:lstStyle/>
+          <a:p>
+            <a:r>
+              <a:rPr lang="en-US" sz="1600" dirty="0"/>
+              <a:t>Buy/Sell</a:t>
+            </a:r>
+          </a:p>
+        </p:txBody>
+      </p:sp>
+      <p:pic>
+        <p:nvPicPr>
+          <p:cNvPr id="10" name="Picture 9"/>
+          <p:cNvPicPr>
+            <a:picLocks noChangeAspect="1"/>
+          </p:cNvPicPr>
+          <p:nvPr/>
+        </p:nvPicPr>
+        <p:blipFill>
+          <a:blip r:embed="rId5" cstate="print">
+            <a:extLst>
+              <a:ext uri="{28A0092B-C50C-407E-A947-70E740481C1C}">
+                <a14:useLocalDpi xmlns:a14="http://schemas.microsoft.com/office/drawing/2010/main" val="0"/>
+              </a:ext>
+            </a:extLst>
+          </a:blip>
+          <a:stretch>
+            <a:fillRect/>
+          </a:stretch>
+        </p:blipFill>
+        <p:spPr>
+          <a:xfrm>
+            <a:off x="2781627" y="1303663"/>
+            <a:ext cx="988479" cy="988479"/>
+          </a:xfrm>
+          <a:prstGeom prst="rect">
+            <a:avLst/>
+          </a:prstGeom>
+        </p:spPr>
+      </p:pic>
+      <p:sp>
+        <p:nvSpPr>
+          <p:cNvPr id="27" name="TextBox 26"/>
+          <p:cNvSpPr txBox="1"/>
+          <p:nvPr/>
+        </p:nvSpPr>
+        <p:spPr>
+          <a:xfrm>
+            <a:off x="2752213" y="2307574"/>
+            <a:ext cx="898644" cy="646331"/>
+          </a:xfrm>
+          <a:prstGeom prst="rect">
+            <a:avLst/>
+          </a:prstGeom>
+          <a:noFill/>
+        </p:spPr>
+        <p:txBody>
+          <a:bodyPr wrap="none" rtlCol="0">
+            <a:spAutoFit/>
+          </a:bodyPr>
+          <a:lstStyle/>
+          <a:p>
+            <a:pPr algn="ctr"/>
+            <a:r>
+              <a:rPr lang="en-US" dirty="0" smtClean="0"/>
+              <a:t>Wealth</a:t>
+            </a:r>
+            <a:endParaRPr lang="en-US" dirty="0" smtClean="0"/>
+          </a:p>
+          <a:p>
+            <a:pPr algn="ctr"/>
+            <a:r>
+              <a:rPr lang="en-US" dirty="0" smtClean="0"/>
+              <a:t>Sales</a:t>
+            </a:r>
+            <a:endParaRPr lang="en-US" dirty="0"/>
+          </a:p>
+        </p:txBody>
+      </p:sp>
+      <p:sp>
+        <p:nvSpPr>
+          <p:cNvPr id="28" name="Left-Right Arrow 27"/>
+          <p:cNvSpPr/>
+          <p:nvPr/>
+        </p:nvSpPr>
+        <p:spPr bwMode="auto">
+          <a:xfrm rot="2568369">
+            <a:off x="3669268" y="2557191"/>
+            <a:ext cx="1285486" cy="244079"/>
+          </a:xfrm>
+          <a:prstGeom prst="leftRightArrow">
+            <a:avLst/>
+          </a:prstGeom>
+          <a:solidFill>
+            <a:schemeClr val="accent1"/>
+          </a:solidFill>
+          <a:ln w="6350" cap="flat" cmpd="sng" algn="ctr">
+            <a:noFill/>
+            <a:prstDash val="solid"/>
+            <a:round/>
+            <a:headEnd type="none" w="med" len="med"/>
+            <a:tailEnd type="none" w="med" len="med"/>
+          </a:ln>
+          <a:effectLst/>
+        </p:spPr>
+        <p:txBody>
+          <a:bodyPr vert="horz" wrap="none" lIns="91440" tIns="45720" rIns="91440" bIns="45720" numCol="1" rtlCol="0" anchor="ctr" anchorCtr="0" compatLnSpc="1">
+            <a:prstTxWarp prst="textNoShape">
+              <a:avLst/>
+            </a:prstTxWarp>
+          </a:bodyPr>
+          <a:lstStyle/>
+          <a:p>
+            <a:pPr marL="0" marR="0" indent="0" algn="ctr" defTabSz="858838" rtl="0" eaLnBrk="0" fontAlgn="base" latinLnBrk="0" hangingPunct="0">
+              <a:lnSpc>
+                <a:spcPct val="100000"/>
+              </a:lnSpc>
+              <a:spcBef>
+                <a:spcPct val="50000"/>
+              </a:spcBef>
+              <a:spcAft>
+                <a:spcPct val="0"/>
+              </a:spcAft>
+              <a:buClrTx/>
+              <a:buSzTx/>
+              <a:buFontTx/>
+              <a:buNone/>
+              <a:tabLst/>
+            </a:pPr>
+            <a:endParaRPr kumimoji="0" lang="en-US" sz="600" b="1" i="1" u="none" strike="noStrike" cap="none" normalizeH="0" baseline="0" smtClean="0">
+              <a:ln>
+                <a:noFill/>
+              </a:ln>
+              <a:solidFill>
+                <a:schemeClr val="tx1"/>
+              </a:solidFill>
+              <a:effectLst/>
+              <a:latin typeface="Arial" charset="0"/>
+            </a:endParaRPr>
+          </a:p>
+        </p:txBody>
+      </p:sp>
+      <p:sp>
+        <p:nvSpPr>
+          <p:cNvPr id="29" name="TextBox 28"/>
+          <p:cNvSpPr txBox="1"/>
+          <p:nvPr/>
+        </p:nvSpPr>
+        <p:spPr>
+          <a:xfrm rot="20346883">
+            <a:off x="6079376" y="2527074"/>
             <a:ext cx="934844" cy="338554"/>
           </a:xfrm>
           <a:prstGeom prst="rect">
@@ -41411,6 +41885,18 @@
   <p:clrMapOvr>
     <a:masterClrMapping/>
   </p:clrMapOvr>
+  <mc:AlternateContent xmlns:mc="http://schemas.openxmlformats.org/markup-compatibility/2006" xmlns:p14="http://schemas.microsoft.com/office/powerpoint/2010/main">
+    <mc:Choice Requires="p14">
+      <p:transition spd="med" p14:dur="700">
+        <p:fade/>
+      </p:transition>
+    </mc:Choice>
+    <mc:Fallback xmlns="">
+      <p:transition spd="med">
+        <p:fade/>
+      </p:transition>
+    </mc:Fallback>
+  </mc:AlternateContent>
   <p:timing>
     <p:tnLst>
       <p:par>
@@ -41556,6 +42042,10 @@
           <a:lstStyle/>
           <a:p>
             <a:pPr defTabSz="911351"/>
+            <a:r>
+              <a:rPr lang="en-US" smtClean="0"/>
+              <a:t>RESTRICTED</a:t>
+            </a:r>
             <a:endParaRPr lang="en-US" dirty="0"/>
           </a:p>
         </p:txBody>
@@ -41919,7 +42409,7 @@
           <p:nvPr/>
         </p:nvPicPr>
         <p:blipFill>
-          <a:blip r:embed="rId3">
+          <a:blip r:embed="rId3" cstate="print">
             <a:extLst>
               <a:ext uri="{28A0092B-C50C-407E-A947-70E740481C1C}">
                 <a14:useLocalDpi xmlns:a14="http://schemas.microsoft.com/office/drawing/2010/main" val="0"/>
@@ -42303,7 +42793,7 @@
           <p:nvPr/>
         </p:nvPicPr>
         <p:blipFill>
-          <a:blip r:embed="rId4">
+          <a:blip r:embed="rId4" cstate="print">
             <a:extLst>
               <a:ext uri="{28A0092B-C50C-407E-A947-70E740481C1C}">
                 <a14:useLocalDpi xmlns:a14="http://schemas.microsoft.com/office/drawing/2010/main" val="0"/>
@@ -44028,7 +44518,7 @@
           <p:nvPr/>
         </p:nvPicPr>
         <p:blipFill>
-          <a:blip r:embed="rId5">
+          <a:blip r:embed="rId5" cstate="print">
             <a:extLst>
               <a:ext uri="{28A0092B-C50C-407E-A947-70E740481C1C}">
                 <a14:useLocalDpi xmlns:a14="http://schemas.microsoft.com/office/drawing/2010/main" val="0"/>
@@ -44058,7 +44548,7 @@
           <p:nvPr/>
         </p:nvPicPr>
         <p:blipFill>
-          <a:blip r:embed="rId6">
+          <a:blip r:embed="rId6" cstate="print">
             <a:extLst>
               <a:ext uri="{28A0092B-C50C-407E-A947-70E740481C1C}">
                 <a14:useLocalDpi xmlns:a14="http://schemas.microsoft.com/office/drawing/2010/main" val="0"/>
@@ -44135,7 +44625,7 @@
           <p:nvPr/>
         </p:nvPicPr>
         <p:blipFill>
-          <a:blip r:embed="rId7">
+          <a:blip r:embed="rId7" cstate="print">
             <a:extLst>
               <a:ext uri="{28A0092B-C50C-407E-A947-70E740481C1C}">
                 <a14:useLocalDpi xmlns:a14="http://schemas.microsoft.com/office/drawing/2010/main" val="0"/>
@@ -44212,7 +44702,7 @@
           <p:nvPr/>
         </p:nvPicPr>
         <p:blipFill>
-          <a:blip r:embed="rId8">
+          <a:blip r:embed="rId8" cstate="print">
             <a:extLst>
               <a:ext uri="{28A0092B-C50C-407E-A947-70E740481C1C}">
                 <a14:useLocalDpi xmlns:a14="http://schemas.microsoft.com/office/drawing/2010/main" val="0"/>
@@ -44289,7 +44779,7 @@
           <p:nvPr/>
         </p:nvPicPr>
         <p:blipFill>
-          <a:blip r:embed="rId9">
+          <a:blip r:embed="rId9" cstate="print">
             <a:extLst>
               <a:ext uri="{28A0092B-C50C-407E-A947-70E740481C1C}">
                 <a14:useLocalDpi xmlns:a14="http://schemas.microsoft.com/office/drawing/2010/main" val="0"/>
@@ -44382,7 +44872,7 @@
           <p:nvPr/>
         </p:nvPicPr>
         <p:blipFill>
-          <a:blip r:embed="rId10">
+          <a:blip r:embed="rId10" cstate="print">
             <a:extLst>
               <a:ext uri="{28A0092B-C50C-407E-A947-70E740481C1C}">
                 <a14:useLocalDpi xmlns:a14="http://schemas.microsoft.com/office/drawing/2010/main" val="0"/>
@@ -44483,7 +44973,7 @@
           <p:nvPr/>
         </p:nvPicPr>
         <p:blipFill>
-          <a:blip r:embed="rId11">
+          <a:blip r:embed="rId11" cstate="print">
             <a:extLst>
               <a:ext uri="{28A0092B-C50C-407E-A947-70E740481C1C}">
                 <a14:useLocalDpi xmlns:a14="http://schemas.microsoft.com/office/drawing/2010/main" val="0"/>
@@ -44651,61 +45141,67 @@
               <a:rPr lang="en-US" altLang="zh-TW" dirty="0" smtClean="0"/>
             </a:br>
             <a:r>
-              <a:rPr lang="en-US" altLang="zh-TW" dirty="0" smtClean="0">
+              <a:rPr lang="en-US" altLang="zh-TW" sz="1400" dirty="0" smtClean="0">
                 <a:solidFill>
                   <a:schemeClr val="bg1">
                     <a:lumMod val="50000"/>
                   </a:schemeClr>
                 </a:solidFill>
+                <a:latin typeface="+mn-lt"/>
               </a:rPr>
               <a:t>What</a:t>
             </a:r>
             <a:r>
-              <a:rPr lang="zh-TW" altLang="en-US" dirty="0" smtClean="0">
+              <a:rPr lang="zh-TW" altLang="en-US" sz="1400" dirty="0" smtClean="0">
                 <a:solidFill>
                   <a:schemeClr val="bg1">
                     <a:lumMod val="50000"/>
                   </a:schemeClr>
                 </a:solidFill>
+                <a:latin typeface="+mn-lt"/>
               </a:rPr>
               <a:t> </a:t>
             </a:r>
             <a:r>
-              <a:rPr lang="en-US" altLang="zh-TW" dirty="0" smtClean="0">
+              <a:rPr lang="en-US" altLang="zh-TW" sz="1400" dirty="0" smtClean="0">
                 <a:solidFill>
                   <a:schemeClr val="bg1">
                     <a:lumMod val="50000"/>
                   </a:schemeClr>
                 </a:solidFill>
+                <a:latin typeface="+mn-lt"/>
               </a:rPr>
               <a:t>is</a:t>
             </a:r>
             <a:r>
-              <a:rPr lang="zh-TW" altLang="en-US" dirty="0" smtClean="0">
+              <a:rPr lang="zh-TW" altLang="en-US" sz="1400" dirty="0" smtClean="0">
                 <a:solidFill>
                   <a:schemeClr val="bg1">
                     <a:lumMod val="50000"/>
                   </a:schemeClr>
                 </a:solidFill>
+                <a:latin typeface="+mn-lt"/>
               </a:rPr>
               <a:t> </a:t>
             </a:r>
             <a:r>
-              <a:rPr lang="en-US" altLang="zh-TW" dirty="0" smtClean="0">
+              <a:rPr lang="en-US" altLang="zh-TW" sz="1400" dirty="0" smtClean="0">
                 <a:solidFill>
                   <a:schemeClr val="bg1">
                     <a:lumMod val="50000"/>
                   </a:schemeClr>
                 </a:solidFill>
+                <a:latin typeface="+mn-lt"/>
               </a:rPr>
               <a:t>it?</a:t>
             </a:r>
-            <a:endParaRPr lang="en-US" dirty="0">
+            <a:endParaRPr lang="en-US" sz="1400" dirty="0">
               <a:solidFill>
                 <a:schemeClr val="bg1">
                   <a:lumMod val="50000"/>
                 </a:schemeClr>
               </a:solidFill>
+              <a:latin typeface="+mn-lt"/>
             </a:endParaRPr>
           </a:p>
         </p:txBody>
@@ -44726,6 +45222,10 @@
           <a:lstStyle/>
           <a:p>
             <a:pPr defTabSz="911351"/>
+            <a:r>
+              <a:rPr lang="en-US" smtClean="0"/>
+              <a:t>RESTRICTED</a:t>
+            </a:r>
             <a:endParaRPr lang="en-US" dirty="0"/>
           </a:p>
         </p:txBody>
@@ -44802,7 +45302,7 @@
         <p:spPr>
           <a:xfrm>
             <a:off x="355609" y="1560891"/>
-            <a:ext cx="1297150" cy="461665"/>
+            <a:ext cx="1348446" cy="461665"/>
           </a:xfrm>
           <a:prstGeom prst="rect">
             <a:avLst/>
@@ -44816,10 +45316,10 @@
           <a:lstStyle/>
           <a:p>
             <a:r>
-              <a:rPr lang="en-US" sz="2400" dirty="0" smtClean="0"/>
+              <a:rPr lang="en-US" sz="2400" b="1" dirty="0" smtClean="0"/>
               <a:t>DevOps</a:t>
             </a:r>
-            <a:endParaRPr lang="en-US" sz="2400" dirty="0"/>
+            <a:endParaRPr lang="en-US" sz="2400" b="1" dirty="0"/>
           </a:p>
         </p:txBody>
       </p:sp>
@@ -44937,7 +45437,7 @@
               <a:tabLst/>
             </a:pPr>
             <a:r>
-              <a:rPr kumimoji="0" lang="en-US" sz="2000" u="none" strike="noStrike" cap="none" normalizeH="0" baseline="0" dirty="0" smtClean="0">
+              <a:rPr kumimoji="0" lang="en-US" sz="2000" b="1" u="none" strike="noStrike" cap="none" normalizeH="0" baseline="0" dirty="0" smtClean="0">
                 <a:ln>
                   <a:noFill/>
                 </a:ln>
@@ -44947,7 +45447,7 @@
               <a:t>DevOps</a:t>
             </a:r>
             <a:r>
-              <a:rPr kumimoji="0" lang="en-US" sz="2000" u="none" strike="noStrike" cap="none" normalizeH="0" dirty="0" smtClean="0">
+              <a:rPr kumimoji="0" lang="en-US" sz="2000" b="1" u="none" strike="noStrike" cap="none" normalizeH="0" dirty="0" smtClean="0">
                 <a:ln>
                   <a:noFill/>
                 </a:ln>
@@ -44956,7 +45456,7 @@
               </a:rPr>
               <a:t> Tools</a:t>
             </a:r>
-            <a:endParaRPr kumimoji="0" lang="en-US" sz="2000" u="none" strike="noStrike" cap="none" normalizeH="0" baseline="0" dirty="0" smtClean="0">
+            <a:endParaRPr kumimoji="0" lang="en-US" sz="2000" b="1" u="none" strike="noStrike" cap="none" normalizeH="0" baseline="0" dirty="0" smtClean="0">
               <a:ln>
                 <a:noFill/>
               </a:ln>
@@ -44981,7 +45481,7 @@
             <a:avLst/>
           </a:prstGeom>
           <a:solidFill>
-            <a:srgbClr val="008000"/>
+            <a:srgbClr val="92D050"/>
           </a:solidFill>
           <a:ln w="6350" cap="flat" cmpd="sng" algn="ctr">
             <a:noFill/>
@@ -45038,7 +45538,7 @@
         <p:spPr>
           <a:xfrm>
             <a:off x="4537195" y="2082921"/>
-            <a:ext cx="2077017" cy="369332"/>
+            <a:ext cx="2329438" cy="369332"/>
           </a:xfrm>
           <a:prstGeom prst="rect">
             <a:avLst/>
@@ -45052,14 +45552,14 @@
           <a:lstStyle/>
           <a:p>
             <a:r>
-              <a:rPr lang="en-US" smtClean="0">
+              <a:rPr lang="en-US" b="1" dirty="0" smtClean="0">
                 <a:solidFill>
                   <a:schemeClr val="bg1"/>
                 </a:solidFill>
               </a:rPr>
               <a:t>Agile Methodology</a:t>
             </a:r>
-            <a:endParaRPr lang="en-US">
+            <a:endParaRPr lang="en-US" b="1" dirty="0">
               <a:solidFill>
                 <a:schemeClr val="bg1"/>
               </a:solidFill>
@@ -45082,7 +45582,7 @@
             <a:avLst/>
           </a:prstGeom>
           <a:solidFill>
-            <a:srgbClr val="84CAC6"/>
+            <a:srgbClr val="01D5D0"/>
           </a:solidFill>
           <a:ln w="6350" cap="flat" cmpd="sng" algn="ctr">
             <a:noFill/>
@@ -45118,7 +45618,7 @@
               <a:tabLst/>
             </a:pPr>
             <a:r>
-              <a:rPr kumimoji="0" lang="en-US" sz="2000" u="none" strike="noStrike" cap="none" normalizeH="0" baseline="0" dirty="0" smtClean="0">
+              <a:rPr kumimoji="0" lang="en-US" sz="2000" b="1" u="none" strike="noStrike" cap="none" normalizeH="0" baseline="0" dirty="0" smtClean="0">
                 <a:ln>
                   <a:noFill/>
                 </a:ln>
@@ -45130,16 +45630,6 @@
               </a:rPr>
               <a:t>Scrum</a:t>
             </a:r>
-            <a:endParaRPr kumimoji="0" lang="en-US" sz="2000" u="none" strike="noStrike" cap="none" normalizeH="0" baseline="0" dirty="0" smtClean="0">
-              <a:ln>
-                <a:noFill/>
-              </a:ln>
-              <a:solidFill>
-                <a:schemeClr val="bg1"/>
-              </a:solidFill>
-              <a:effectLst/>
-              <a:latin typeface="Arial" charset="0"/>
-            </a:endParaRPr>
           </a:p>
         </p:txBody>
       </p:sp>
@@ -45196,7 +45686,7 @@
               <a:tabLst/>
             </a:pPr>
             <a:r>
-              <a:rPr kumimoji="0" lang="en-US" sz="2000" u="none" strike="noStrike" cap="none" normalizeH="0" baseline="0" dirty="0" smtClean="0">
+              <a:rPr kumimoji="0" lang="en-US" sz="2000" b="1" u="none" strike="noStrike" cap="none" normalizeH="0" baseline="0" dirty="0" smtClean="0">
                 <a:ln>
                   <a:noFill/>
                 </a:ln>
@@ -45208,16 +45698,6 @@
               </a:rPr>
               <a:t>Kanban</a:t>
             </a:r>
-            <a:endParaRPr kumimoji="0" lang="en-US" sz="2000" u="none" strike="noStrike" cap="none" normalizeH="0" baseline="0" dirty="0" smtClean="0">
-              <a:ln>
-                <a:noFill/>
-              </a:ln>
-              <a:solidFill>
-                <a:schemeClr val="bg1"/>
-              </a:solidFill>
-              <a:effectLst/>
-              <a:latin typeface="Arial" charset="0"/>
-            </a:endParaRPr>
           </a:p>
         </p:txBody>
       </p:sp>
@@ -45229,8 +45709,8 @@
         </p:nvSpPr>
         <p:spPr>
           <a:xfrm>
-            <a:off x="4946471" y="4341730"/>
-            <a:ext cx="926194" cy="369332"/>
+            <a:off x="4946470" y="4341730"/>
+            <a:ext cx="1024023" cy="369332"/>
           </a:xfrm>
           <a:prstGeom prst="rect">
             <a:avLst/>
@@ -45244,7 +45724,7 @@
           <a:lstStyle/>
           <a:p>
             <a:r>
-              <a:rPr lang="en-US">
+              <a:rPr lang="en-US" b="1" dirty="0">
                 <a:solidFill>
                   <a:schemeClr val="bg1"/>
                 </a:solidFill>
@@ -45252,7 +45732,7 @@
               </a:rPr>
               <a:t>Culture</a:t>
             </a:r>
-            <a:endParaRPr lang="en-US"/>
+            <a:endParaRPr lang="en-US" b="1" dirty="0"/>
           </a:p>
         </p:txBody>
       </p:sp>
@@ -45271,10 +45751,7 @@
             <a:avLst/>
           </a:prstGeom>
           <a:solidFill>
-            <a:schemeClr val="accent3">
-              <a:lumMod val="60000"/>
-              <a:lumOff val="40000"/>
-            </a:schemeClr>
+            <a:srgbClr val="DD33D5"/>
           </a:solidFill>
           <a:ln w="6350" cap="flat" cmpd="sng" algn="ctr">
             <a:noFill/>
@@ -45310,29 +45787,38 @@
               <a:tabLst/>
             </a:pPr>
             <a:r>
-              <a:rPr kumimoji="0" lang="en-US" sz="1600" u="none" strike="noStrike" cap="none" normalizeH="0" baseline="0" dirty="0" smtClean="0">
+              <a:rPr kumimoji="0" lang="en-US" sz="1600" b="1" u="none" strike="noStrike" cap="none" normalizeH="0" baseline="0" dirty="0" smtClean="0">
                 <a:ln>
                   <a:noFill/>
                 </a:ln>
+                <a:solidFill>
+                  <a:schemeClr val="bg1"/>
+                </a:solidFill>
                 <a:effectLst/>
                 <a:latin typeface="Arial" charset="0"/>
               </a:rPr>
               <a:t>Dev</a:t>
             </a:r>
             <a:r>
-              <a:rPr kumimoji="0" lang="en-US" sz="1600" u="none" strike="noStrike" cap="none" normalizeH="0" dirty="0" smtClean="0">
+              <a:rPr kumimoji="0" lang="en-US" sz="1600" b="1" u="none" strike="noStrike" cap="none" normalizeH="0" dirty="0" smtClean="0">
                 <a:ln>
                   <a:noFill/>
                 </a:ln>
+                <a:solidFill>
+                  <a:schemeClr val="bg1"/>
+                </a:solidFill>
                 <a:effectLst/>
                 <a:latin typeface="Arial" charset="0"/>
               </a:rPr>
               <a:t> Team</a:t>
             </a:r>
-            <a:endParaRPr kumimoji="0" lang="en-US" sz="1600" u="none" strike="noStrike" cap="none" normalizeH="0" baseline="0" dirty="0" smtClean="0">
+            <a:endParaRPr kumimoji="0" lang="en-US" sz="1600" b="1" u="none" strike="noStrike" cap="none" normalizeH="0" baseline="0" dirty="0" smtClean="0">
               <a:ln>
                 <a:noFill/>
               </a:ln>
+              <a:solidFill>
+                <a:schemeClr val="bg1"/>
+              </a:solidFill>
               <a:effectLst/>
               <a:latin typeface="Arial" charset="0"/>
             </a:endParaRPr>
@@ -45390,7 +45876,7 @@
               <a:tabLst/>
             </a:pPr>
             <a:r>
-              <a:rPr lang="en-US" sz="1600" dirty="0" smtClean="0">
+              <a:rPr lang="en-US" sz="1600" b="1" dirty="0" smtClean="0">
                 <a:solidFill>
                   <a:schemeClr val="bg1"/>
                 </a:solidFill>
@@ -45399,7 +45885,7 @@
               <a:t>Ops</a:t>
             </a:r>
             <a:r>
-              <a:rPr kumimoji="0" lang="en-US" sz="1600" u="none" strike="noStrike" cap="none" normalizeH="0" dirty="0" smtClean="0">
+              <a:rPr kumimoji="0" lang="en-US" sz="1600" b="1" u="none" strike="noStrike" cap="none" normalizeH="0" dirty="0" smtClean="0">
                 <a:ln>
                   <a:noFill/>
                 </a:ln>
@@ -45411,7 +45897,7 @@
               </a:rPr>
               <a:t> Team</a:t>
             </a:r>
-            <a:endParaRPr kumimoji="0" lang="en-US" sz="1600" u="none" strike="noStrike" cap="none" normalizeH="0" baseline="0" dirty="0" smtClean="0">
+            <a:endParaRPr kumimoji="0" lang="en-US" sz="1600" b="1" u="none" strike="noStrike" cap="none" normalizeH="0" baseline="0" dirty="0" smtClean="0">
               <a:ln>
                 <a:noFill/>
               </a:ln>
@@ -45461,6 +45947,90 @@
           <a:chExt cx="0" cy="0"/>
         </a:xfrm>
       </p:grpSpPr>
+      <p:pic>
+        <p:nvPicPr>
+          <p:cNvPr id="9" name="Picture 8"/>
+          <p:cNvPicPr>
+            <a:picLocks noChangeAspect="1"/>
+          </p:cNvPicPr>
+          <p:nvPr/>
+        </p:nvPicPr>
+        <p:blipFill>
+          <a:blip r:embed="rId2"/>
+          <a:stretch>
+            <a:fillRect/>
+          </a:stretch>
+        </p:blipFill>
+        <p:spPr>
+          <a:xfrm>
+            <a:off x="5170716" y="3844118"/>
+            <a:ext cx="1863234" cy="700443"/>
+          </a:xfrm>
+          <a:prstGeom prst="rect">
+            <a:avLst/>
+          </a:prstGeom>
+        </p:spPr>
+      </p:pic>
+      <p:pic>
+        <p:nvPicPr>
+          <p:cNvPr id="7" name="Picture 6"/>
+          <p:cNvPicPr>
+            <a:picLocks noChangeAspect="1"/>
+          </p:cNvPicPr>
+          <p:nvPr/>
+        </p:nvPicPr>
+        <p:blipFill>
+          <a:blip r:embed="rId3" cstate="print">
+            <a:extLst>
+              <a:ext uri="{28A0092B-C50C-407E-A947-70E740481C1C}">
+                <a14:useLocalDpi xmlns:a14="http://schemas.microsoft.com/office/drawing/2010/main" val="0"/>
+              </a:ext>
+            </a:extLst>
+          </a:blip>
+          <a:stretch>
+            <a:fillRect/>
+          </a:stretch>
+        </p:blipFill>
+        <p:spPr>
+          <a:xfrm>
+            <a:off x="6626193" y="4380546"/>
+            <a:ext cx="2119872" cy="1589904"/>
+          </a:xfrm>
+          <a:prstGeom prst="rect">
+            <a:avLst/>
+          </a:prstGeom>
+        </p:spPr>
+      </p:pic>
+      <p:pic>
+        <p:nvPicPr>
+          <p:cNvPr id="5" name="Picture 4"/>
+          <p:cNvPicPr>
+            <a:picLocks noChangeAspect="1"/>
+          </p:cNvPicPr>
+          <p:nvPr/>
+        </p:nvPicPr>
+        <p:blipFill>
+          <a:blip r:embed="rId4">
+            <a:extLst>
+              <a:ext uri="{28A0092B-C50C-407E-A947-70E740481C1C}">
+                <a14:useLocalDpi xmlns:a14="http://schemas.microsoft.com/office/drawing/2010/main" val="0"/>
+              </a:ext>
+            </a:extLst>
+          </a:blip>
+          <a:stretch>
+            <a:fillRect/>
+          </a:stretch>
+        </p:blipFill>
+        <p:spPr>
+          <a:xfrm>
+            <a:off x="6822102" y="2205612"/>
+            <a:ext cx="1970484" cy="1970484"/>
+          </a:xfrm>
+          <a:prstGeom prst="rect">
+            <a:avLst/>
+          </a:prstGeom>
+        </p:spPr>
+      </p:pic>
       <p:sp>
         <p:nvSpPr>
           <p:cNvPr id="2" name="Title 1"/>
@@ -45484,7 +46054,7 @@
               <a:rPr lang="en-US" dirty="0" smtClean="0"/>
             </a:br>
             <a:r>
-              <a:rPr lang="en-US" dirty="0" smtClean="0">
+              <a:rPr lang="en-US" sz="1400" dirty="0" smtClean="0">
                 <a:solidFill>
                   <a:schemeClr val="bg1">
                     <a:lumMod val="50000"/>
@@ -45493,7 +46063,7 @@
               </a:rPr>
               <a:t>How to implement?</a:t>
             </a:r>
-            <a:endParaRPr lang="en-US" dirty="0">
+            <a:endParaRPr lang="en-US" sz="1400" dirty="0">
               <a:solidFill>
                 <a:schemeClr val="bg1">
                   <a:lumMod val="50000"/>
@@ -45530,129 +46100,6 @@
       <p:pic>
         <p:nvPicPr>
           <p:cNvPr id="3074" name="Picture 2" descr="jenkins的圖片搜尋結果"/>
-          <p:cNvPicPr>
-            <a:picLocks noChangeAspect="1" noChangeArrowheads="1"/>
-          </p:cNvPicPr>
-          <p:nvPr/>
-        </p:nvPicPr>
-        <p:blipFill>
-          <a:blip r:embed="rId2" cstate="print">
-            <a:extLst>
-              <a:ext uri="{28A0092B-C50C-407E-A947-70E740481C1C}">
-                <a14:useLocalDpi xmlns:a14="http://schemas.microsoft.com/office/drawing/2010/main" val="0"/>
-              </a:ext>
-            </a:extLst>
-          </a:blip>
-          <a:srcRect/>
-          <a:stretch>
-            <a:fillRect/>
-          </a:stretch>
-        </p:blipFill>
-        <p:spPr bwMode="auto">
-          <a:xfrm>
-            <a:off x="2493209" y="3349013"/>
-            <a:ext cx="1922190" cy="1168669"/>
-          </a:xfrm>
-          <a:prstGeom prst="rect">
-            <a:avLst/>
-          </a:prstGeom>
-          <a:noFill/>
-          <a:extLst>
-            <a:ext uri="{909E8E84-426E-40DD-AFC4-6F175D3DCCD1}">
-              <a14:hiddenFill xmlns:a14="http://schemas.microsoft.com/office/drawing/2010/main">
-                <a:solidFill>
-                  <a:srgbClr val="FFFFFF"/>
-                </a:solidFill>
-              </a14:hiddenFill>
-            </a:ext>
-          </a:extLst>
-        </p:spPr>
-      </p:pic>
-      <p:pic>
-        <p:nvPicPr>
-          <p:cNvPr id="3076" name="Picture 4" descr="cucumber java的圖片搜尋結果"/>
-          <p:cNvPicPr>
-            <a:picLocks noChangeAspect="1" noChangeArrowheads="1"/>
-          </p:cNvPicPr>
-          <p:nvPr/>
-        </p:nvPicPr>
-        <p:blipFill>
-          <a:blip r:embed="rId3">
-            <a:extLst>
-              <a:ext uri="{28A0092B-C50C-407E-A947-70E740481C1C}">
-                <a14:useLocalDpi xmlns:a14="http://schemas.microsoft.com/office/drawing/2010/main" val="0"/>
-              </a:ext>
-            </a:extLst>
-          </a:blip>
-          <a:srcRect/>
-          <a:stretch>
-            <a:fillRect/>
-          </a:stretch>
-        </p:blipFill>
-        <p:spPr bwMode="auto">
-          <a:xfrm>
-            <a:off x="207509" y="2390858"/>
-            <a:ext cx="2285700" cy="799996"/>
-          </a:xfrm>
-          <a:prstGeom prst="rect">
-            <a:avLst/>
-          </a:prstGeom>
-          <a:noFill/>
-          <a:extLst>
-            <a:ext uri="{909E8E84-426E-40DD-AFC4-6F175D3DCCD1}">
-              <a14:hiddenFill xmlns:a14="http://schemas.microsoft.com/office/drawing/2010/main">
-                <a:solidFill>
-                  <a:srgbClr val="FFFFFF"/>
-                </a:solidFill>
-              </a14:hiddenFill>
-            </a:ext>
-          </a:extLst>
-        </p:spPr>
-      </p:pic>
-      <p:pic>
-        <p:nvPicPr>
-          <p:cNvPr id="3078" name="Picture 6" descr="selenium的圖片搜尋結果"/>
-          <p:cNvPicPr>
-            <a:picLocks noChangeAspect="1" noChangeArrowheads="1"/>
-          </p:cNvPicPr>
-          <p:nvPr/>
-        </p:nvPicPr>
-        <p:blipFill>
-          <a:blip r:embed="rId4" cstate="print">
-            <a:extLst>
-              <a:ext uri="{28A0092B-C50C-407E-A947-70E740481C1C}">
-                <a14:useLocalDpi xmlns:a14="http://schemas.microsoft.com/office/drawing/2010/main" val="0"/>
-              </a:ext>
-            </a:extLst>
-          </a:blip>
-          <a:srcRect/>
-          <a:stretch>
-            <a:fillRect/>
-          </a:stretch>
-        </p:blipFill>
-        <p:spPr bwMode="auto">
-          <a:xfrm>
-            <a:off x="2066533" y="1133887"/>
-            <a:ext cx="1022019" cy="1022019"/>
-          </a:xfrm>
-          <a:prstGeom prst="rect">
-            <a:avLst/>
-          </a:prstGeom>
-          <a:noFill/>
-          <a:extLst>
-            <a:ext uri="{909E8E84-426E-40DD-AFC4-6F175D3DCCD1}">
-              <a14:hiddenFill xmlns:a14="http://schemas.microsoft.com/office/drawing/2010/main">
-                <a:solidFill>
-                  <a:srgbClr val="FFFFFF"/>
-                </a:solidFill>
-              </a14:hiddenFill>
-            </a:ext>
-          </a:extLst>
-        </p:spPr>
-      </p:pic>
-      <p:pic>
-        <p:nvPicPr>
-          <p:cNvPr id="3082" name="Picture 10" descr="gradle的圖片搜尋結果"/>
           <p:cNvPicPr>
             <a:picLocks noChangeAspect="1" noChangeArrowheads="1"/>
           </p:cNvPicPr>
@@ -45673,8 +46120,8 @@
         </p:blipFill>
         <p:spPr bwMode="auto">
           <a:xfrm>
-            <a:off x="2632708" y="2620013"/>
-            <a:ext cx="2104015" cy="588072"/>
+            <a:off x="2493209" y="3349013"/>
+            <a:ext cx="1922190" cy="1168669"/>
           </a:xfrm>
           <a:prstGeom prst="rect">
             <a:avLst/>
@@ -45693,14 +46140,14 @@
       </p:pic>
       <p:pic>
         <p:nvPicPr>
-          <p:cNvPr id="3086" name="Picture 14" descr="maven的圖片搜尋結果"/>
+          <p:cNvPr id="3076" name="Picture 4" descr="cucumber java的圖片搜尋結果"/>
           <p:cNvPicPr>
             <a:picLocks noChangeAspect="1" noChangeArrowheads="1"/>
           </p:cNvPicPr>
           <p:nvPr/>
         </p:nvPicPr>
         <p:blipFill>
-          <a:blip r:embed="rId6" cstate="print">
+          <a:blip r:embed="rId6">
             <a:extLst>
               <a:ext uri="{28A0092B-C50C-407E-A947-70E740481C1C}">
                 <a14:useLocalDpi xmlns:a14="http://schemas.microsoft.com/office/drawing/2010/main" val="0"/>
@@ -45714,8 +46161,8 @@
         </p:blipFill>
         <p:spPr bwMode="auto">
           <a:xfrm>
-            <a:off x="86506" y="3265987"/>
-            <a:ext cx="3189805" cy="730166"/>
+            <a:off x="207509" y="2390858"/>
+            <a:ext cx="2285700" cy="799996"/>
           </a:xfrm>
           <a:prstGeom prst="rect">
             <a:avLst/>
@@ -45734,7 +46181,7 @@
       </p:pic>
       <p:pic>
         <p:nvPicPr>
-          <p:cNvPr id="3088" name="Picture 16" descr="ant build的圖片搜尋結果"/>
+          <p:cNvPr id="3078" name="Picture 6" descr="selenium的圖片搜尋結果"/>
           <p:cNvPicPr>
             <a:picLocks noChangeAspect="1" noChangeArrowheads="1"/>
           </p:cNvPicPr>
@@ -45755,8 +46202,8 @@
         </p:blipFill>
         <p:spPr bwMode="auto">
           <a:xfrm>
-            <a:off x="3739686" y="1073149"/>
-            <a:ext cx="1739370" cy="1076960"/>
+            <a:off x="2066533" y="1133887"/>
+            <a:ext cx="1022019" cy="1022019"/>
           </a:xfrm>
           <a:prstGeom prst="rect">
             <a:avLst/>
@@ -45775,7 +46222,7 @@
       </p:pic>
       <p:pic>
         <p:nvPicPr>
-          <p:cNvPr id="3090" name="Picture 18" descr="spring java的圖片搜尋結果"/>
+          <p:cNvPr id="3082" name="Picture 10" descr="gradle的圖片搜尋結果"/>
           <p:cNvPicPr>
             <a:picLocks noChangeAspect="1" noChangeArrowheads="1"/>
           </p:cNvPicPr>
@@ -45796,8 +46243,8 @@
         </p:blipFill>
         <p:spPr bwMode="auto">
           <a:xfrm>
-            <a:off x="342724" y="4212873"/>
-            <a:ext cx="1866481" cy="606607"/>
+            <a:off x="2632708" y="2620013"/>
+            <a:ext cx="2104015" cy="588072"/>
           </a:xfrm>
           <a:prstGeom prst="rect">
             <a:avLst/>
@@ -45816,6 +46263,129 @@
       </p:pic>
       <p:pic>
         <p:nvPicPr>
+          <p:cNvPr id="3086" name="Picture 14" descr="maven的圖片搜尋結果"/>
+          <p:cNvPicPr>
+            <a:picLocks noChangeAspect="1" noChangeArrowheads="1"/>
+          </p:cNvPicPr>
+          <p:nvPr/>
+        </p:nvPicPr>
+        <p:blipFill>
+          <a:blip r:embed="rId9" cstate="print">
+            <a:extLst>
+              <a:ext uri="{28A0092B-C50C-407E-A947-70E740481C1C}">
+                <a14:useLocalDpi xmlns:a14="http://schemas.microsoft.com/office/drawing/2010/main" val="0"/>
+              </a:ext>
+            </a:extLst>
+          </a:blip>
+          <a:srcRect/>
+          <a:stretch>
+            <a:fillRect/>
+          </a:stretch>
+        </p:blipFill>
+        <p:spPr bwMode="auto">
+          <a:xfrm>
+            <a:off x="86506" y="3265987"/>
+            <a:ext cx="3189805" cy="730166"/>
+          </a:xfrm>
+          <a:prstGeom prst="rect">
+            <a:avLst/>
+          </a:prstGeom>
+          <a:noFill/>
+          <a:extLst>
+            <a:ext uri="{909E8E84-426E-40DD-AFC4-6F175D3DCCD1}">
+              <a14:hiddenFill xmlns:a14="http://schemas.microsoft.com/office/drawing/2010/main">
+                <a:solidFill>
+                  <a:srgbClr val="FFFFFF"/>
+                </a:solidFill>
+              </a14:hiddenFill>
+            </a:ext>
+          </a:extLst>
+        </p:spPr>
+      </p:pic>
+      <p:pic>
+        <p:nvPicPr>
+          <p:cNvPr id="3088" name="Picture 16" descr="ant build的圖片搜尋結果"/>
+          <p:cNvPicPr>
+            <a:picLocks noChangeAspect="1" noChangeArrowheads="1"/>
+          </p:cNvPicPr>
+          <p:nvPr/>
+        </p:nvPicPr>
+        <p:blipFill>
+          <a:blip r:embed="rId10" cstate="print">
+            <a:extLst>
+              <a:ext uri="{28A0092B-C50C-407E-A947-70E740481C1C}">
+                <a14:useLocalDpi xmlns:a14="http://schemas.microsoft.com/office/drawing/2010/main" val="0"/>
+              </a:ext>
+            </a:extLst>
+          </a:blip>
+          <a:srcRect/>
+          <a:stretch>
+            <a:fillRect/>
+          </a:stretch>
+        </p:blipFill>
+        <p:spPr bwMode="auto">
+          <a:xfrm>
+            <a:off x="3739686" y="1073149"/>
+            <a:ext cx="1739370" cy="1076960"/>
+          </a:xfrm>
+          <a:prstGeom prst="rect">
+            <a:avLst/>
+          </a:prstGeom>
+          <a:noFill/>
+          <a:extLst>
+            <a:ext uri="{909E8E84-426E-40DD-AFC4-6F175D3DCCD1}">
+              <a14:hiddenFill xmlns:a14="http://schemas.microsoft.com/office/drawing/2010/main">
+                <a:solidFill>
+                  <a:srgbClr val="FFFFFF"/>
+                </a:solidFill>
+              </a14:hiddenFill>
+            </a:ext>
+          </a:extLst>
+        </p:spPr>
+      </p:pic>
+      <p:pic>
+        <p:nvPicPr>
+          <p:cNvPr id="3090" name="Picture 18" descr="spring java的圖片搜尋結果"/>
+          <p:cNvPicPr>
+            <a:picLocks noChangeAspect="1" noChangeArrowheads="1"/>
+          </p:cNvPicPr>
+          <p:nvPr/>
+        </p:nvPicPr>
+        <p:blipFill>
+          <a:blip r:embed="rId11" cstate="print">
+            <a:extLst>
+              <a:ext uri="{28A0092B-C50C-407E-A947-70E740481C1C}">
+                <a14:useLocalDpi xmlns:a14="http://schemas.microsoft.com/office/drawing/2010/main" val="0"/>
+              </a:ext>
+            </a:extLst>
+          </a:blip>
+          <a:srcRect/>
+          <a:stretch>
+            <a:fillRect/>
+          </a:stretch>
+        </p:blipFill>
+        <p:spPr bwMode="auto">
+          <a:xfrm>
+            <a:off x="342724" y="4212873"/>
+            <a:ext cx="1866481" cy="606607"/>
+          </a:xfrm>
+          <a:prstGeom prst="rect">
+            <a:avLst/>
+          </a:prstGeom>
+          <a:noFill/>
+          <a:extLst>
+            <a:ext uri="{909E8E84-426E-40DD-AFC4-6F175D3DCCD1}">
+              <a14:hiddenFill xmlns:a14="http://schemas.microsoft.com/office/drawing/2010/main">
+                <a:solidFill>
+                  <a:srgbClr val="FFFFFF"/>
+                </a:solidFill>
+              </a14:hiddenFill>
+            </a:ext>
+          </a:extLst>
+        </p:spPr>
+      </p:pic>
+      <p:pic>
+        <p:nvPicPr>
           <p:cNvPr id="4" name="Picture 3"/>
           <p:cNvPicPr>
             <a:picLocks noChangeAspect="1"/>
@@ -45823,7 +46393,7 @@
           <p:nvPr/>
         </p:nvPicPr>
         <p:blipFill>
-          <a:blip r:embed="rId9">
+          <a:blip r:embed="rId12" cstate="print">
             <a:extLst>
               <a:ext uri="{28A0092B-C50C-407E-A947-70E740481C1C}">
                 <a14:useLocalDpi xmlns:a14="http://schemas.microsoft.com/office/drawing/2010/main" val="0"/>
@@ -45853,7 +46423,7 @@
           <p:nvPr/>
         </p:nvPicPr>
         <p:blipFill rotWithShape="1">
-          <a:blip r:embed="rId10" cstate="print">
+          <a:blip r:embed="rId13" cstate="print">
             <a:extLst>
               <a:ext uri="{28A0092B-C50C-407E-A947-70E740481C1C}">
                 <a14:useLocalDpi xmlns:a14="http://schemas.microsoft.com/office/drawing/2010/main" val="0"/>
@@ -45892,7 +46462,7 @@
           <p:nvPr/>
         </p:nvPicPr>
         <p:blipFill rotWithShape="1">
-          <a:blip r:embed="rId11" cstate="print">
+          <a:blip r:embed="rId14" cstate="print">
             <a:extLst>
               <a:ext uri="{28A0092B-C50C-407E-A947-70E740481C1C}">
                 <a14:useLocalDpi xmlns:a14="http://schemas.microsoft.com/office/drawing/2010/main" val="0"/>
@@ -45931,7 +46501,7 @@
           <p:nvPr/>
         </p:nvPicPr>
         <p:blipFill>
-          <a:blip r:embed="rId12">
+          <a:blip r:embed="rId15" cstate="print">
             <a:extLst>
               <a:ext uri="{28A0092B-C50C-407E-A947-70E740481C1C}">
                 <a14:useLocalDpi xmlns:a14="http://schemas.microsoft.com/office/drawing/2010/main" val="0"/>
@@ -48878,15 +49448,6 @@
 </file>
 
 <file path=customXml/item1.xml><?xml version="1.0" encoding="utf-8"?>
-<?mso-contentType ?>
-<FormTemplates xmlns="http://schemas.microsoft.com/sharepoint/v3/contenttype/forms">
-  <Display>DocumentLibraryForm</Display>
-  <Edit>DocumentLibraryForm</Edit>
-  <New>DocumentLibraryForm</New>
-</FormTemplates>
-</file>
-
-<file path=customXml/item2.xml><?xml version="1.0" encoding="utf-8"?>
 <ct:contentTypeSchema xmlns:ct="http://schemas.microsoft.com/office/2006/metadata/contentType" xmlns:ma="http://schemas.microsoft.com/office/2006/metadata/properties/metaAttributes" ct:_="" ma:_="" ma:contentTypeName="Document" ma:contentTypeID="0x0101006E949274352BAF42A3A5D3B183C457A0" ma:contentTypeVersion="0" ma:contentTypeDescription="Create a new document." ma:contentTypeScope="" ma:versionID="6789357485b61dee670190af1185c62f">
   <xsd:schema xmlns:xsd="http://www.w3.org/2001/XMLSchema" xmlns:xs="http://www.w3.org/2001/XMLSchema" xmlns:p="http://schemas.microsoft.com/office/2006/metadata/properties" targetNamespace="http://schemas.microsoft.com/office/2006/metadata/properties" ma:root="true" ma:fieldsID="c64490b4aec6201516c3a874156f37b2">
     <xsd:element name="properties">
@@ -49000,21 +49561,22 @@
 </ct:contentTypeSchema>
 </file>
 
-<file path=customXml/item3.xml><?xml version="1.0" encoding="utf-8"?>
+<file path=customXml/item2.xml><?xml version="1.0" encoding="utf-8"?>
 <p:properties xmlns:p="http://schemas.microsoft.com/office/2006/metadata/properties" xmlns:xsi="http://www.w3.org/2001/XMLSchema-instance" xmlns:pc="http://schemas.microsoft.com/office/infopath/2007/PartnerControls">
   <documentManagement/>
 </p:properties>
 </file>
 
-<file path=customXml/itemProps1.xml><?xml version="1.0" encoding="utf-8"?>
-<ds:datastoreItem xmlns:ds="http://schemas.openxmlformats.org/officeDocument/2006/customXml" ds:itemID="{DFCA6572-8340-4C9E-970A-A42E8B68673A}">
-  <ds:schemaRefs>
-    <ds:schemaRef ds:uri="http://schemas.microsoft.com/sharepoint/v3/contenttype/forms"/>
-  </ds:schemaRefs>
-</ds:datastoreItem>
+<file path=customXml/item3.xml><?xml version="1.0" encoding="utf-8"?>
+<?mso-contentType ?>
+<FormTemplates xmlns="http://schemas.microsoft.com/sharepoint/v3/contenttype/forms">
+  <Display>DocumentLibraryForm</Display>
+  <Edit>DocumentLibraryForm</Edit>
+  <New>DocumentLibraryForm</New>
+</FormTemplates>
 </file>
 
-<file path=customXml/itemProps2.xml><?xml version="1.0" encoding="utf-8"?>
+<file path=customXml/itemProps1.xml><?xml version="1.0" encoding="utf-8"?>
 <ds:datastoreItem xmlns:ds="http://schemas.openxmlformats.org/officeDocument/2006/customXml" ds:itemID="{717115A1-D1C1-4CB9-986F-D2574F422D7E}">
   <ds:schemaRefs>
     <ds:schemaRef ds:uri="http://schemas.microsoft.com/office/2006/metadata/contentType"/>
@@ -49030,7 +49592,7 @@
 </ds:datastoreItem>
 </file>
 
-<file path=customXml/itemProps3.xml><?xml version="1.0" encoding="utf-8"?>
+<file path=customXml/itemProps2.xml><?xml version="1.0" encoding="utf-8"?>
 <ds:datastoreItem xmlns:ds="http://schemas.openxmlformats.org/officeDocument/2006/customXml" ds:itemID="{50BA6254-EDBC-4140-A286-35BF8CA83415}">
   <ds:schemaRefs>
     <ds:schemaRef ds:uri="http://purl.org/dc/terms/"/>
@@ -49043,4 +49605,12 @@
     <ds:schemaRef ds:uri="http://schemas.microsoft.com/office/2006/metadata/properties"/>
   </ds:schemaRefs>
 </ds:datastoreItem>
+</file>
+
+<file path=customXml/itemProps3.xml><?xml version="1.0" encoding="utf-8"?>
+<ds:datastoreItem xmlns:ds="http://schemas.openxmlformats.org/officeDocument/2006/customXml" ds:itemID="{DFCA6572-8340-4C9E-970A-A42E8B68673A}">
+  <ds:schemaRefs>
+    <ds:schemaRef ds:uri="http://schemas.microsoft.com/sharepoint/v3/contenttype/forms"/>
+  </ds:schemaRefs>
+</ds:datastoreItem>
 </file>
--- a/RickHui_Staff_Meeting_Presentation.pptx
+++ b/RickHui_Staff_Meeting_Presentation.pptx
@@ -41188,8 +41188,8 @@
           <p:nvPr/>
         </p:nvSpPr>
         <p:spPr>
-          <a:xfrm rot="2577039">
-            <a:off x="4066383" y="2354140"/>
+          <a:xfrm rot="2065803">
+            <a:off x="4111694" y="2361198"/>
             <a:ext cx="934844" cy="338554"/>
           </a:xfrm>
           <a:prstGeom prst="rect">
@@ -41316,8 +41316,8 @@
           <p:nvPr/>
         </p:nvSpPr>
         <p:spPr bwMode="auto">
-          <a:xfrm rot="2568369">
-            <a:off x="3669268" y="2557191"/>
+          <a:xfrm rot="2078952">
+            <a:off x="3749950" y="2557191"/>
             <a:ext cx="1285486" cy="244079"/>
           </a:xfrm>
           <a:prstGeom prst="leftRightArrow">
@@ -45401,7 +45401,7 @@
             <a:avLst/>
           </a:prstGeom>
           <a:solidFill>
-            <a:srgbClr val="FBE700"/>
+            <a:schemeClr val="bg1"/>
           </a:solidFill>
           <a:ln w="6350" cap="flat" cmpd="sng" algn="ctr">
             <a:noFill/>

--- a/RickHui_Staff_Meeting_Presentation.pptx
+++ b/RickHui_Staff_Meeting_Presentation.pptx
@@ -37012,7 +37012,7 @@
           <p:nvPr>
             <p:extLst>
               <p:ext uri="{D42A27DB-BD31-4B8C-83A1-F6EECF244321}">
-                <p14:modId xmlns:p14="http://schemas.microsoft.com/office/powerpoint/2010/main" val="30876565"/>
+                <p14:modId xmlns:p14="http://schemas.microsoft.com/office/powerpoint/2010/main" val="3881662441"/>
               </p:ext>
             </p:extLst>
           </p:nvPr>
@@ -37286,9 +37286,10 @@
                         <a:buChar char="§"/>
                       </a:pPr>
                       <a:r>
-                        <a:rPr lang="en-US" sz="1400" dirty="0" smtClean="0"/>
-                        <a:t>Relaxing</a:t>
+                        <a:rPr lang="en-US" sz="1400" smtClean="0"/>
+                        <a:t>Cheerful</a:t>
                       </a:r>
+                      <a:endParaRPr lang="en-US" sz="1400" dirty="0" smtClean="0"/>
                     </a:p>
                     <a:p>
                       <a:pPr marL="285750" indent="-285750" algn="l">
